--- a/doc/ppt/石永璨.pptx
+++ b/doc/ppt/石永璨.pptx
@@ -1,28 +1,123 @@
 
 <file path=ppt/presentation.xml><?xml version="1.0" encoding="utf-8"?>
-<p:presentation xmlns:a="http://schemas.openxmlformats.org/drawingml/2006/main" xmlns:p="http://schemas.openxmlformats.org/presentationml/2006/main" xmlns:r="http://schemas.openxmlformats.org/officeDocument/2006/relationships">
+<p:presentation xmlns:a="http://schemas.openxmlformats.org/drawingml/2006/main" xmlns:r="http://schemas.openxmlformats.org/officeDocument/2006/relationships" xmlns:p="http://schemas.openxmlformats.org/presentationml/2006/main" saveSubsetFonts="1">
   <p:sldMasterIdLst>
-    <p:sldMasterId id="2147483648" r:id="rId2"/>
-    <p:sldMasterId id="2147483661" r:id="rId3"/>
-    <p:sldMasterId id="2147483674" r:id="rId4"/>
+    <p:sldMasterId id="2147483648" r:id="rId1"/>
+    <p:sldMasterId id="2147483661" r:id="rId2"/>
+    <p:sldMasterId id="2147483674" r:id="rId3"/>
   </p:sldMasterIdLst>
   <p:sldIdLst>
-    <p:sldId id="256" r:id="rId5"/>
-    <p:sldId id="257" r:id="rId6"/>
-    <p:sldId id="258" r:id="rId7"/>
-    <p:sldId id="259" r:id="rId8"/>
-    <p:sldId id="260" r:id="rId9"/>
-    <p:sldId id="261" r:id="rId10"/>
-    <p:sldId id="262" r:id="rId11"/>
-    <p:sldId id="263" r:id="rId12"/>
+    <p:sldId id="256" r:id="rId4"/>
+    <p:sldId id="257" r:id="rId5"/>
+    <p:sldId id="258" r:id="rId6"/>
+    <p:sldId id="259" r:id="rId7"/>
+    <p:sldId id="260" r:id="rId8"/>
+    <p:sldId id="261" r:id="rId9"/>
+    <p:sldId id="262" r:id="rId10"/>
+    <p:sldId id="263" r:id="rId11"/>
   </p:sldIdLst>
   <p:sldSz cx="12192000" cy="6858000"/>
   <p:notesSz cx="7772400" cy="10058400"/>
+  <p:defaultTextStyle>
+    <a:defPPr>
+      <a:defRPr lang="zh-CN"/>
+    </a:defPPr>
+    <a:lvl1pPr marL="0" algn="l" defTabSz="914400" rtl="0" eaLnBrk="1" latinLnBrk="0" hangingPunct="1">
+      <a:defRPr sz="1800" kern="1200">
+        <a:solidFill>
+          <a:schemeClr val="tx1"/>
+        </a:solidFill>
+        <a:latin typeface="+mn-lt"/>
+        <a:ea typeface="+mn-ea"/>
+        <a:cs typeface="+mn-cs"/>
+      </a:defRPr>
+    </a:lvl1pPr>
+    <a:lvl2pPr marL="457200" algn="l" defTabSz="914400" rtl="0" eaLnBrk="1" latinLnBrk="0" hangingPunct="1">
+      <a:defRPr sz="1800" kern="1200">
+        <a:solidFill>
+          <a:schemeClr val="tx1"/>
+        </a:solidFill>
+        <a:latin typeface="+mn-lt"/>
+        <a:ea typeface="+mn-ea"/>
+        <a:cs typeface="+mn-cs"/>
+      </a:defRPr>
+    </a:lvl2pPr>
+    <a:lvl3pPr marL="914400" algn="l" defTabSz="914400" rtl="0" eaLnBrk="1" latinLnBrk="0" hangingPunct="1">
+      <a:defRPr sz="1800" kern="1200">
+        <a:solidFill>
+          <a:schemeClr val="tx1"/>
+        </a:solidFill>
+        <a:latin typeface="+mn-lt"/>
+        <a:ea typeface="+mn-ea"/>
+        <a:cs typeface="+mn-cs"/>
+      </a:defRPr>
+    </a:lvl3pPr>
+    <a:lvl4pPr marL="1371600" algn="l" defTabSz="914400" rtl="0" eaLnBrk="1" latinLnBrk="0" hangingPunct="1">
+      <a:defRPr sz="1800" kern="1200">
+        <a:solidFill>
+          <a:schemeClr val="tx1"/>
+        </a:solidFill>
+        <a:latin typeface="+mn-lt"/>
+        <a:ea typeface="+mn-ea"/>
+        <a:cs typeface="+mn-cs"/>
+      </a:defRPr>
+    </a:lvl4pPr>
+    <a:lvl5pPr marL="1828800" algn="l" defTabSz="914400" rtl="0" eaLnBrk="1" latinLnBrk="0" hangingPunct="1">
+      <a:defRPr sz="1800" kern="1200">
+        <a:solidFill>
+          <a:schemeClr val="tx1"/>
+        </a:solidFill>
+        <a:latin typeface="+mn-lt"/>
+        <a:ea typeface="+mn-ea"/>
+        <a:cs typeface="+mn-cs"/>
+      </a:defRPr>
+    </a:lvl5pPr>
+    <a:lvl6pPr marL="2286000" algn="l" defTabSz="914400" rtl="0" eaLnBrk="1" latinLnBrk="0" hangingPunct="1">
+      <a:defRPr sz="1800" kern="1200">
+        <a:solidFill>
+          <a:schemeClr val="tx1"/>
+        </a:solidFill>
+        <a:latin typeface="+mn-lt"/>
+        <a:ea typeface="+mn-ea"/>
+        <a:cs typeface="+mn-cs"/>
+      </a:defRPr>
+    </a:lvl6pPr>
+    <a:lvl7pPr marL="2743200" algn="l" defTabSz="914400" rtl="0" eaLnBrk="1" latinLnBrk="0" hangingPunct="1">
+      <a:defRPr sz="1800" kern="1200">
+        <a:solidFill>
+          <a:schemeClr val="tx1"/>
+        </a:solidFill>
+        <a:latin typeface="+mn-lt"/>
+        <a:ea typeface="+mn-ea"/>
+        <a:cs typeface="+mn-cs"/>
+      </a:defRPr>
+    </a:lvl7pPr>
+    <a:lvl8pPr marL="3200400" algn="l" defTabSz="914400" rtl="0" eaLnBrk="1" latinLnBrk="0" hangingPunct="1">
+      <a:defRPr sz="1800" kern="1200">
+        <a:solidFill>
+          <a:schemeClr val="tx1"/>
+        </a:solidFill>
+        <a:latin typeface="+mn-lt"/>
+        <a:ea typeface="+mn-ea"/>
+        <a:cs typeface="+mn-cs"/>
+      </a:defRPr>
+    </a:lvl8pPr>
+    <a:lvl9pPr marL="3657600" algn="l" defTabSz="914400" rtl="0" eaLnBrk="1" latinLnBrk="0" hangingPunct="1">
+      <a:defRPr sz="1800" kern="1200">
+        <a:solidFill>
+          <a:schemeClr val="tx1"/>
+        </a:solidFill>
+        <a:latin typeface="+mn-lt"/>
+        <a:ea typeface="+mn-ea"/>
+        <a:cs typeface="+mn-cs"/>
+      </a:defRPr>
+    </a:lvl9pPr>
+  </p:defaultTextStyle>
 </p:presentation>
 </file>
 
 <file path=ppt/slideLayouts/slideLayout1.xml><?xml version="1.0" encoding="utf-8"?>
-<p:sldLayout xmlns:a="http://schemas.openxmlformats.org/drawingml/2006/main" xmlns:p="http://schemas.openxmlformats.org/presentationml/2006/main" xmlns:r="http://schemas.openxmlformats.org/officeDocument/2006/relationships" type="blank" preserve="1">
+<p:sldLayout xmlns:a="http://schemas.openxmlformats.org/drawingml/2006/main" xmlns:r="http://schemas.openxmlformats.org/officeDocument/2006/relationships" xmlns:p="http://schemas.openxmlformats.org/presentationml/2006/main" type="blank" preserve="1">
   <p:cSld name="Blank Slide">
     <p:spTree>
       <p:nvGrpSpPr>
@@ -40,11 +135,14 @@
       </p:grpSpPr>
     </p:spTree>
   </p:cSld>
+  <p:clrMapOvr>
+    <a:masterClrMapping/>
+  </p:clrMapOvr>
 </p:sldLayout>
 </file>
 
 <file path=ppt/slideLayouts/slideLayout10.xml><?xml version="1.0" encoding="utf-8"?>
-<p:sldLayout xmlns:a="http://schemas.openxmlformats.org/drawingml/2006/main" xmlns:p="http://schemas.openxmlformats.org/presentationml/2006/main" xmlns:r="http://schemas.openxmlformats.org/officeDocument/2006/relationships" type="objOverTx" preserve="1">
+<p:sldLayout xmlns:a="http://schemas.openxmlformats.org/drawingml/2006/main" xmlns:r="http://schemas.openxmlformats.org/officeDocument/2006/relationships" xmlns:p="http://schemas.openxmlformats.org/presentationml/2006/main" type="objOverTx" preserve="1">
   <p:cSld name="Title, Content over Content">
     <p:spTree>
       <p:nvGrpSpPr>
@@ -80,7 +178,8 @@
           </a:prstGeom>
         </p:spPr>
         <p:txBody>
-          <a:bodyPr lIns="0" rIns="0" tIns="0" bIns="0" anchor="ctr"/>
+          <a:bodyPr lIns="0" tIns="0" rIns="0" bIns="0" anchor="ctr"/>
+          <a:lstStyle/>
           <a:p>
             <a:pPr algn="ctr"/>
             <a:endParaRPr/>
@@ -107,7 +206,8 @@
           </a:prstGeom>
         </p:spPr>
         <p:txBody>
-          <a:bodyPr lIns="0" rIns="0" tIns="0" bIns="0"/>
+          <a:bodyPr lIns="0" tIns="0" rIns="0" bIns="0"/>
+          <a:lstStyle/>
           <a:p>
             <a:endParaRPr/>
           </a:p>
@@ -133,7 +233,8 @@
           </a:prstGeom>
         </p:spPr>
         <p:txBody>
-          <a:bodyPr lIns="0" rIns="0" tIns="0" bIns="0"/>
+          <a:bodyPr lIns="0" tIns="0" rIns="0" bIns="0"/>
+          <a:lstStyle/>
           <a:p>
             <a:endParaRPr/>
           </a:p>
@@ -141,11 +242,14 @@
       </p:sp>
     </p:spTree>
   </p:cSld>
+  <p:clrMapOvr>
+    <a:masterClrMapping/>
+  </p:clrMapOvr>
 </p:sldLayout>
 </file>
 
 <file path=ppt/slideLayouts/slideLayout11.xml><?xml version="1.0" encoding="utf-8"?>
-<p:sldLayout xmlns:a="http://schemas.openxmlformats.org/drawingml/2006/main" xmlns:p="http://schemas.openxmlformats.org/presentationml/2006/main" xmlns:r="http://schemas.openxmlformats.org/officeDocument/2006/relationships" type="fourObj" preserve="1">
+<p:sldLayout xmlns:a="http://schemas.openxmlformats.org/drawingml/2006/main" xmlns:r="http://schemas.openxmlformats.org/officeDocument/2006/relationships" xmlns:p="http://schemas.openxmlformats.org/presentationml/2006/main" type="fourObj" preserve="1">
   <p:cSld name="Title, 4 Content">
     <p:spTree>
       <p:nvGrpSpPr>
@@ -181,7 +285,8 @@
           </a:prstGeom>
         </p:spPr>
         <p:txBody>
-          <a:bodyPr lIns="0" rIns="0" tIns="0" bIns="0" anchor="ctr"/>
+          <a:bodyPr lIns="0" tIns="0" rIns="0" bIns="0" anchor="ctr"/>
+          <a:lstStyle/>
           <a:p>
             <a:pPr algn="ctr"/>
             <a:endParaRPr/>
@@ -208,7 +313,8 @@
           </a:prstGeom>
         </p:spPr>
         <p:txBody>
-          <a:bodyPr lIns="0" rIns="0" tIns="0" bIns="0"/>
+          <a:bodyPr lIns="0" tIns="0" rIns="0" bIns="0"/>
+          <a:lstStyle/>
           <a:p>
             <a:endParaRPr/>
           </a:p>
@@ -234,7 +340,8 @@
           </a:prstGeom>
         </p:spPr>
         <p:txBody>
-          <a:bodyPr lIns="0" rIns="0" tIns="0" bIns="0"/>
+          <a:bodyPr lIns="0" tIns="0" rIns="0" bIns="0"/>
+          <a:lstStyle/>
           <a:p>
             <a:endParaRPr/>
           </a:p>
@@ -260,7 +367,8 @@
           </a:prstGeom>
         </p:spPr>
         <p:txBody>
-          <a:bodyPr lIns="0" rIns="0" tIns="0" bIns="0"/>
+          <a:bodyPr lIns="0" tIns="0" rIns="0" bIns="0"/>
+          <a:lstStyle/>
           <a:p>
             <a:endParaRPr/>
           </a:p>
@@ -286,7 +394,8 @@
           </a:prstGeom>
         </p:spPr>
         <p:txBody>
-          <a:bodyPr lIns="0" rIns="0" tIns="0" bIns="0"/>
+          <a:bodyPr lIns="0" tIns="0" rIns="0" bIns="0"/>
+          <a:lstStyle/>
           <a:p>
             <a:endParaRPr/>
           </a:p>
@@ -294,11 +403,14 @@
       </p:sp>
     </p:spTree>
   </p:cSld>
+  <p:clrMapOvr>
+    <a:masterClrMapping/>
+  </p:clrMapOvr>
 </p:sldLayout>
 </file>
 
 <file path=ppt/slideLayouts/slideLayout12.xml><?xml version="1.0" encoding="utf-8"?>
-<p:sldLayout xmlns:a="http://schemas.openxmlformats.org/drawingml/2006/main" xmlns:p="http://schemas.openxmlformats.org/presentationml/2006/main" xmlns:r="http://schemas.openxmlformats.org/officeDocument/2006/relationships" type="blank" preserve="1">
+<p:sldLayout xmlns:a="http://schemas.openxmlformats.org/drawingml/2006/main" xmlns:r="http://schemas.openxmlformats.org/officeDocument/2006/relationships" xmlns:p="http://schemas.openxmlformats.org/presentationml/2006/main" type="blank" preserve="1">
   <p:cSld name="Title, 6 Content">
     <p:spTree>
       <p:nvGrpSpPr>
@@ -334,7 +446,8 @@
           </a:prstGeom>
         </p:spPr>
         <p:txBody>
-          <a:bodyPr lIns="0" rIns="0" tIns="0" bIns="0" anchor="ctr"/>
+          <a:bodyPr lIns="0" tIns="0" rIns="0" bIns="0" anchor="ctr"/>
+          <a:lstStyle/>
           <a:p>
             <a:pPr algn="ctr"/>
             <a:endParaRPr/>
@@ -361,7 +474,8 @@
           </a:prstGeom>
         </p:spPr>
         <p:txBody>
-          <a:bodyPr lIns="0" rIns="0" tIns="0" bIns="0"/>
+          <a:bodyPr lIns="0" tIns="0" rIns="0" bIns="0"/>
+          <a:lstStyle/>
           <a:p>
             <a:endParaRPr/>
           </a:p>
@@ -387,7 +501,8 @@
           </a:prstGeom>
         </p:spPr>
         <p:txBody>
-          <a:bodyPr lIns="0" rIns="0" tIns="0" bIns="0"/>
+          <a:bodyPr lIns="0" tIns="0" rIns="0" bIns="0"/>
+          <a:lstStyle/>
           <a:p>
             <a:endParaRPr/>
           </a:p>
@@ -395,7 +510,7 @@
       </p:sp>
       <p:pic>
         <p:nvPicPr>
-          <p:cNvPr id="34" name="" descr=""/>
+          <p:cNvPr id="34" name="图片 33"/>
           <p:cNvPicPr/>
           <p:nvPr/>
         </p:nvPicPr>
@@ -418,12 +533,12 @@
       </p:pic>
       <p:pic>
         <p:nvPicPr>
-          <p:cNvPr id="35" name="" descr=""/>
+          <p:cNvPr id="35" name="图片 34"/>
           <p:cNvPicPr/>
           <p:nvPr/>
         </p:nvPicPr>
         <p:blipFill>
-          <a:blip r:embed="rId3"/>
+          <a:blip r:embed="rId2"/>
           <a:stretch/>
         </p:blipFill>
         <p:spPr>
@@ -441,11 +556,14 @@
       </p:pic>
     </p:spTree>
   </p:cSld>
+  <p:clrMapOvr>
+    <a:masterClrMapping/>
+  </p:clrMapOvr>
 </p:sldLayout>
 </file>
 
 <file path=ppt/slideLayouts/slideLayout13.xml><?xml version="1.0" encoding="utf-8"?>
-<p:sldLayout xmlns:a="http://schemas.openxmlformats.org/drawingml/2006/main" xmlns:p="http://schemas.openxmlformats.org/presentationml/2006/main" xmlns:r="http://schemas.openxmlformats.org/officeDocument/2006/relationships" type="blank" preserve="1">
+<p:sldLayout xmlns:a="http://schemas.openxmlformats.org/drawingml/2006/main" xmlns:r="http://schemas.openxmlformats.org/officeDocument/2006/relationships" xmlns:p="http://schemas.openxmlformats.org/presentationml/2006/main" type="blank" preserve="1">
   <p:cSld name="Blank Slide">
     <p:spTree>
       <p:nvGrpSpPr>
@@ -463,11 +581,14 @@
       </p:grpSpPr>
     </p:spTree>
   </p:cSld>
+  <p:clrMapOvr>
+    <a:masterClrMapping/>
+  </p:clrMapOvr>
 </p:sldLayout>
 </file>
 
 <file path=ppt/slideLayouts/slideLayout14.xml><?xml version="1.0" encoding="utf-8"?>
-<p:sldLayout xmlns:a="http://schemas.openxmlformats.org/drawingml/2006/main" xmlns:p="http://schemas.openxmlformats.org/presentationml/2006/main" xmlns:r="http://schemas.openxmlformats.org/officeDocument/2006/relationships" type="tx" preserve="1">
+<p:sldLayout xmlns:a="http://schemas.openxmlformats.org/drawingml/2006/main" xmlns:r="http://schemas.openxmlformats.org/officeDocument/2006/relationships" xmlns:p="http://schemas.openxmlformats.org/presentationml/2006/main" type="tx" preserve="1">
   <p:cSld name="Title Slide">
     <p:spTree>
       <p:nvGrpSpPr>
@@ -503,7 +624,8 @@
           </a:prstGeom>
         </p:spPr>
         <p:txBody>
-          <a:bodyPr lIns="0" rIns="0" tIns="0" bIns="0" anchor="ctr"/>
+          <a:bodyPr lIns="0" tIns="0" rIns="0" bIns="0" anchor="ctr"/>
+          <a:lstStyle/>
           <a:p>
             <a:pPr algn="ctr"/>
             <a:endParaRPr/>
@@ -530,7 +652,8 @@
           </a:prstGeom>
         </p:spPr>
         <p:txBody>
-          <a:bodyPr lIns="0" rIns="0" tIns="0" bIns="0" anchor="ctr"/>
+          <a:bodyPr lIns="0" tIns="0" rIns="0" bIns="0" anchor="ctr"/>
+          <a:lstStyle/>
           <a:p>
             <a:pPr algn="ctr"/>
             <a:endParaRPr/>
@@ -539,11 +662,14 @@
       </p:sp>
     </p:spTree>
   </p:cSld>
+  <p:clrMapOvr>
+    <a:masterClrMapping/>
+  </p:clrMapOvr>
 </p:sldLayout>
 </file>
 
 <file path=ppt/slideLayouts/slideLayout15.xml><?xml version="1.0" encoding="utf-8"?>
-<p:sldLayout xmlns:a="http://schemas.openxmlformats.org/drawingml/2006/main" xmlns:p="http://schemas.openxmlformats.org/presentationml/2006/main" xmlns:r="http://schemas.openxmlformats.org/officeDocument/2006/relationships" type="obj" preserve="1">
+<p:sldLayout xmlns:a="http://schemas.openxmlformats.org/drawingml/2006/main" xmlns:r="http://schemas.openxmlformats.org/officeDocument/2006/relationships" xmlns:p="http://schemas.openxmlformats.org/presentationml/2006/main" type="obj" preserve="1">
   <p:cSld name="Title, Content">
     <p:spTree>
       <p:nvGrpSpPr>
@@ -579,7 +705,8 @@
           </a:prstGeom>
         </p:spPr>
         <p:txBody>
-          <a:bodyPr lIns="0" rIns="0" tIns="0" bIns="0" anchor="ctr"/>
+          <a:bodyPr lIns="0" tIns="0" rIns="0" bIns="0" anchor="ctr"/>
+          <a:lstStyle/>
           <a:p>
             <a:pPr algn="ctr"/>
             <a:endParaRPr/>
@@ -606,7 +733,8 @@
           </a:prstGeom>
         </p:spPr>
         <p:txBody>
-          <a:bodyPr lIns="0" rIns="0" tIns="0" bIns="0"/>
+          <a:bodyPr lIns="0" tIns="0" rIns="0" bIns="0"/>
+          <a:lstStyle/>
           <a:p>
             <a:endParaRPr/>
           </a:p>
@@ -614,11 +742,14 @@
       </p:sp>
     </p:spTree>
   </p:cSld>
+  <p:clrMapOvr>
+    <a:masterClrMapping/>
+  </p:clrMapOvr>
 </p:sldLayout>
 </file>
 
 <file path=ppt/slideLayouts/slideLayout16.xml><?xml version="1.0" encoding="utf-8"?>
-<p:sldLayout xmlns:a="http://schemas.openxmlformats.org/drawingml/2006/main" xmlns:p="http://schemas.openxmlformats.org/presentationml/2006/main" xmlns:r="http://schemas.openxmlformats.org/officeDocument/2006/relationships" type="twoObj" preserve="1">
+<p:sldLayout xmlns:a="http://schemas.openxmlformats.org/drawingml/2006/main" xmlns:r="http://schemas.openxmlformats.org/officeDocument/2006/relationships" xmlns:p="http://schemas.openxmlformats.org/presentationml/2006/main" type="twoObj" preserve="1">
   <p:cSld name="Title, 2 Content">
     <p:spTree>
       <p:nvGrpSpPr>
@@ -654,7 +785,8 @@
           </a:prstGeom>
         </p:spPr>
         <p:txBody>
-          <a:bodyPr lIns="0" rIns="0" tIns="0" bIns="0" anchor="ctr"/>
+          <a:bodyPr lIns="0" tIns="0" rIns="0" bIns="0" anchor="ctr"/>
+          <a:lstStyle/>
           <a:p>
             <a:pPr algn="ctr"/>
             <a:endParaRPr/>
@@ -681,7 +813,8 @@
           </a:prstGeom>
         </p:spPr>
         <p:txBody>
-          <a:bodyPr lIns="0" rIns="0" tIns="0" bIns="0"/>
+          <a:bodyPr lIns="0" tIns="0" rIns="0" bIns="0"/>
+          <a:lstStyle/>
           <a:p>
             <a:endParaRPr/>
           </a:p>
@@ -707,7 +840,8 @@
           </a:prstGeom>
         </p:spPr>
         <p:txBody>
-          <a:bodyPr lIns="0" rIns="0" tIns="0" bIns="0"/>
+          <a:bodyPr lIns="0" tIns="0" rIns="0" bIns="0"/>
+          <a:lstStyle/>
           <a:p>
             <a:endParaRPr/>
           </a:p>
@@ -715,11 +849,14 @@
       </p:sp>
     </p:spTree>
   </p:cSld>
+  <p:clrMapOvr>
+    <a:masterClrMapping/>
+  </p:clrMapOvr>
 </p:sldLayout>
 </file>
 
 <file path=ppt/slideLayouts/slideLayout17.xml><?xml version="1.0" encoding="utf-8"?>
-<p:sldLayout xmlns:a="http://schemas.openxmlformats.org/drawingml/2006/main" xmlns:p="http://schemas.openxmlformats.org/presentationml/2006/main" xmlns:r="http://schemas.openxmlformats.org/officeDocument/2006/relationships" type="titleOnly" preserve="1">
+<p:sldLayout xmlns:a="http://schemas.openxmlformats.org/drawingml/2006/main" xmlns:r="http://schemas.openxmlformats.org/officeDocument/2006/relationships" xmlns:p="http://schemas.openxmlformats.org/presentationml/2006/main" type="titleOnly" preserve="1">
   <p:cSld name="Title Only">
     <p:spTree>
       <p:nvGrpSpPr>
@@ -755,7 +892,8 @@
           </a:prstGeom>
         </p:spPr>
         <p:txBody>
-          <a:bodyPr lIns="0" rIns="0" tIns="0" bIns="0" anchor="ctr"/>
+          <a:bodyPr lIns="0" tIns="0" rIns="0" bIns="0" anchor="ctr"/>
+          <a:lstStyle/>
           <a:p>
             <a:pPr algn="ctr"/>
             <a:endParaRPr/>
@@ -764,11 +902,14 @@
       </p:sp>
     </p:spTree>
   </p:cSld>
+  <p:clrMapOvr>
+    <a:masterClrMapping/>
+  </p:clrMapOvr>
 </p:sldLayout>
 </file>
 
 <file path=ppt/slideLayouts/slideLayout18.xml><?xml version="1.0" encoding="utf-8"?>
-<p:sldLayout xmlns:a="http://schemas.openxmlformats.org/drawingml/2006/main" xmlns:p="http://schemas.openxmlformats.org/presentationml/2006/main" xmlns:r="http://schemas.openxmlformats.org/officeDocument/2006/relationships" type="objOnly" preserve="1">
+<p:sldLayout xmlns:a="http://schemas.openxmlformats.org/drawingml/2006/main" xmlns:r="http://schemas.openxmlformats.org/officeDocument/2006/relationships" xmlns:p="http://schemas.openxmlformats.org/presentationml/2006/main" type="objOnly" preserve="1">
   <p:cSld name="Centered Text">
     <p:spTree>
       <p:nvGrpSpPr>
@@ -804,7 +945,8 @@
           </a:prstGeom>
         </p:spPr>
         <p:txBody>
-          <a:bodyPr lIns="0" rIns="0" tIns="0" bIns="0" anchor="ctr"/>
+          <a:bodyPr lIns="0" tIns="0" rIns="0" bIns="0" anchor="ctr"/>
+          <a:lstStyle/>
           <a:p>
             <a:pPr algn="ctr"/>
             <a:endParaRPr/>
@@ -813,11 +955,14 @@
       </p:sp>
     </p:spTree>
   </p:cSld>
+  <p:clrMapOvr>
+    <a:masterClrMapping/>
+  </p:clrMapOvr>
 </p:sldLayout>
 </file>
 
 <file path=ppt/slideLayouts/slideLayout19.xml><?xml version="1.0" encoding="utf-8"?>
-<p:sldLayout xmlns:a="http://schemas.openxmlformats.org/drawingml/2006/main" xmlns:p="http://schemas.openxmlformats.org/presentationml/2006/main" xmlns:r="http://schemas.openxmlformats.org/officeDocument/2006/relationships" type="twoObjAndObj" preserve="1">
+<p:sldLayout xmlns:a="http://schemas.openxmlformats.org/drawingml/2006/main" xmlns:r="http://schemas.openxmlformats.org/officeDocument/2006/relationships" xmlns:p="http://schemas.openxmlformats.org/presentationml/2006/main" type="twoObjAndObj" preserve="1">
   <p:cSld name="Title, 2 Content and Content">
     <p:spTree>
       <p:nvGrpSpPr>
@@ -853,7 +998,8 @@
           </a:prstGeom>
         </p:spPr>
         <p:txBody>
-          <a:bodyPr lIns="0" rIns="0" tIns="0" bIns="0" anchor="ctr"/>
+          <a:bodyPr lIns="0" tIns="0" rIns="0" bIns="0" anchor="ctr"/>
+          <a:lstStyle/>
           <a:p>
             <a:pPr algn="ctr"/>
             <a:endParaRPr/>
@@ -880,7 +1026,8 @@
           </a:prstGeom>
         </p:spPr>
         <p:txBody>
-          <a:bodyPr lIns="0" rIns="0" tIns="0" bIns="0"/>
+          <a:bodyPr lIns="0" tIns="0" rIns="0" bIns="0"/>
+          <a:lstStyle/>
           <a:p>
             <a:endParaRPr/>
           </a:p>
@@ -906,7 +1053,8 @@
           </a:prstGeom>
         </p:spPr>
         <p:txBody>
-          <a:bodyPr lIns="0" rIns="0" tIns="0" bIns="0"/>
+          <a:bodyPr lIns="0" tIns="0" rIns="0" bIns="0"/>
+          <a:lstStyle/>
           <a:p>
             <a:endParaRPr/>
           </a:p>
@@ -932,7 +1080,8 @@
           </a:prstGeom>
         </p:spPr>
         <p:txBody>
-          <a:bodyPr lIns="0" rIns="0" tIns="0" bIns="0"/>
+          <a:bodyPr lIns="0" tIns="0" rIns="0" bIns="0"/>
+          <a:lstStyle/>
           <a:p>
             <a:endParaRPr/>
           </a:p>
@@ -940,11 +1089,14 @@
       </p:sp>
     </p:spTree>
   </p:cSld>
+  <p:clrMapOvr>
+    <a:masterClrMapping/>
+  </p:clrMapOvr>
 </p:sldLayout>
 </file>
 
 <file path=ppt/slideLayouts/slideLayout2.xml><?xml version="1.0" encoding="utf-8"?>
-<p:sldLayout xmlns:a="http://schemas.openxmlformats.org/drawingml/2006/main" xmlns:p="http://schemas.openxmlformats.org/presentationml/2006/main" xmlns:r="http://schemas.openxmlformats.org/officeDocument/2006/relationships" type="tx" preserve="1">
+<p:sldLayout xmlns:a="http://schemas.openxmlformats.org/drawingml/2006/main" xmlns:r="http://schemas.openxmlformats.org/officeDocument/2006/relationships" xmlns:p="http://schemas.openxmlformats.org/presentationml/2006/main" type="tx" preserve="1">
   <p:cSld name="Title Slide">
     <p:spTree>
       <p:nvGrpSpPr>
@@ -980,7 +1132,8 @@
           </a:prstGeom>
         </p:spPr>
         <p:txBody>
-          <a:bodyPr lIns="0" rIns="0" tIns="0" bIns="0" anchor="ctr"/>
+          <a:bodyPr lIns="0" tIns="0" rIns="0" bIns="0" anchor="ctr"/>
+          <a:lstStyle/>
           <a:p>
             <a:pPr algn="ctr"/>
             <a:endParaRPr/>
@@ -1007,7 +1160,8 @@
           </a:prstGeom>
         </p:spPr>
         <p:txBody>
-          <a:bodyPr lIns="0" rIns="0" tIns="0" bIns="0" anchor="ctr"/>
+          <a:bodyPr lIns="0" tIns="0" rIns="0" bIns="0" anchor="ctr"/>
+          <a:lstStyle/>
           <a:p>
             <a:pPr algn="ctr"/>
             <a:endParaRPr/>
@@ -1016,11 +1170,14 @@
       </p:sp>
     </p:spTree>
   </p:cSld>
+  <p:clrMapOvr>
+    <a:masterClrMapping/>
+  </p:clrMapOvr>
 </p:sldLayout>
 </file>
 
 <file path=ppt/slideLayouts/slideLayout20.xml><?xml version="1.0" encoding="utf-8"?>
-<p:sldLayout xmlns:a="http://schemas.openxmlformats.org/drawingml/2006/main" xmlns:p="http://schemas.openxmlformats.org/presentationml/2006/main" xmlns:r="http://schemas.openxmlformats.org/officeDocument/2006/relationships" type="objAndTwoObj" preserve="1">
+<p:sldLayout xmlns:a="http://schemas.openxmlformats.org/drawingml/2006/main" xmlns:r="http://schemas.openxmlformats.org/officeDocument/2006/relationships" xmlns:p="http://schemas.openxmlformats.org/presentationml/2006/main" type="objAndTwoObj" preserve="1">
   <p:cSld name="Title Content and 2 Content">
     <p:spTree>
       <p:nvGrpSpPr>
@@ -1056,7 +1213,8 @@
           </a:prstGeom>
         </p:spPr>
         <p:txBody>
-          <a:bodyPr lIns="0" rIns="0" tIns="0" bIns="0" anchor="ctr"/>
+          <a:bodyPr lIns="0" tIns="0" rIns="0" bIns="0" anchor="ctr"/>
+          <a:lstStyle/>
           <a:p>
             <a:pPr algn="ctr"/>
             <a:endParaRPr/>
@@ -1083,7 +1241,8 @@
           </a:prstGeom>
         </p:spPr>
         <p:txBody>
-          <a:bodyPr lIns="0" rIns="0" tIns="0" bIns="0"/>
+          <a:bodyPr lIns="0" tIns="0" rIns="0" bIns="0"/>
+          <a:lstStyle/>
           <a:p>
             <a:endParaRPr/>
           </a:p>
@@ -1109,7 +1268,8 @@
           </a:prstGeom>
         </p:spPr>
         <p:txBody>
-          <a:bodyPr lIns="0" rIns="0" tIns="0" bIns="0"/>
+          <a:bodyPr lIns="0" tIns="0" rIns="0" bIns="0"/>
+          <a:lstStyle/>
           <a:p>
             <a:endParaRPr/>
           </a:p>
@@ -1135,7 +1295,8 @@
           </a:prstGeom>
         </p:spPr>
         <p:txBody>
-          <a:bodyPr lIns="0" rIns="0" tIns="0" bIns="0"/>
+          <a:bodyPr lIns="0" tIns="0" rIns="0" bIns="0"/>
+          <a:lstStyle/>
           <a:p>
             <a:endParaRPr/>
           </a:p>
@@ -1143,11 +1304,14 @@
       </p:sp>
     </p:spTree>
   </p:cSld>
+  <p:clrMapOvr>
+    <a:masterClrMapping/>
+  </p:clrMapOvr>
 </p:sldLayout>
 </file>
 
 <file path=ppt/slideLayouts/slideLayout21.xml><?xml version="1.0" encoding="utf-8"?>
-<p:sldLayout xmlns:a="http://schemas.openxmlformats.org/drawingml/2006/main" xmlns:p="http://schemas.openxmlformats.org/presentationml/2006/main" xmlns:r="http://schemas.openxmlformats.org/officeDocument/2006/relationships" type="twoObjOverTx" preserve="1">
+<p:sldLayout xmlns:a="http://schemas.openxmlformats.org/drawingml/2006/main" xmlns:r="http://schemas.openxmlformats.org/officeDocument/2006/relationships" xmlns:p="http://schemas.openxmlformats.org/presentationml/2006/main" type="twoObjOverTx" preserve="1">
   <p:cSld name="Title, 2 Content over Content">
     <p:spTree>
       <p:nvGrpSpPr>
@@ -1183,7 +1347,8 @@
           </a:prstGeom>
         </p:spPr>
         <p:txBody>
-          <a:bodyPr lIns="0" rIns="0" tIns="0" bIns="0" anchor="ctr"/>
+          <a:bodyPr lIns="0" tIns="0" rIns="0" bIns="0" anchor="ctr"/>
+          <a:lstStyle/>
           <a:p>
             <a:pPr algn="ctr"/>
             <a:endParaRPr/>
@@ -1210,7 +1375,8 @@
           </a:prstGeom>
         </p:spPr>
         <p:txBody>
-          <a:bodyPr lIns="0" rIns="0" tIns="0" bIns="0"/>
+          <a:bodyPr lIns="0" tIns="0" rIns="0" bIns="0"/>
+          <a:lstStyle/>
           <a:p>
             <a:endParaRPr/>
           </a:p>
@@ -1236,7 +1402,8 @@
           </a:prstGeom>
         </p:spPr>
         <p:txBody>
-          <a:bodyPr lIns="0" rIns="0" tIns="0" bIns="0"/>
+          <a:bodyPr lIns="0" tIns="0" rIns="0" bIns="0"/>
+          <a:lstStyle/>
           <a:p>
             <a:endParaRPr/>
           </a:p>
@@ -1262,7 +1429,8 @@
           </a:prstGeom>
         </p:spPr>
         <p:txBody>
-          <a:bodyPr lIns="0" rIns="0" tIns="0" bIns="0"/>
+          <a:bodyPr lIns="0" tIns="0" rIns="0" bIns="0"/>
+          <a:lstStyle/>
           <a:p>
             <a:endParaRPr/>
           </a:p>
@@ -1270,11 +1438,14 @@
       </p:sp>
     </p:spTree>
   </p:cSld>
+  <p:clrMapOvr>
+    <a:masterClrMapping/>
+  </p:clrMapOvr>
 </p:sldLayout>
 </file>
 
 <file path=ppt/slideLayouts/slideLayout22.xml><?xml version="1.0" encoding="utf-8"?>
-<p:sldLayout xmlns:a="http://schemas.openxmlformats.org/drawingml/2006/main" xmlns:p="http://schemas.openxmlformats.org/presentationml/2006/main" xmlns:r="http://schemas.openxmlformats.org/officeDocument/2006/relationships" type="objOverTx" preserve="1">
+<p:sldLayout xmlns:a="http://schemas.openxmlformats.org/drawingml/2006/main" xmlns:r="http://schemas.openxmlformats.org/officeDocument/2006/relationships" xmlns:p="http://schemas.openxmlformats.org/presentationml/2006/main" type="objOverTx" preserve="1">
   <p:cSld name="Title, Content over Content">
     <p:spTree>
       <p:nvGrpSpPr>
@@ -1310,7 +1481,8 @@
           </a:prstGeom>
         </p:spPr>
         <p:txBody>
-          <a:bodyPr lIns="0" rIns="0" tIns="0" bIns="0" anchor="ctr"/>
+          <a:bodyPr lIns="0" tIns="0" rIns="0" bIns="0" anchor="ctr"/>
+          <a:lstStyle/>
           <a:p>
             <a:pPr algn="ctr"/>
             <a:endParaRPr/>
@@ -1337,7 +1509,8 @@
           </a:prstGeom>
         </p:spPr>
         <p:txBody>
-          <a:bodyPr lIns="0" rIns="0" tIns="0" bIns="0"/>
+          <a:bodyPr lIns="0" tIns="0" rIns="0" bIns="0"/>
+          <a:lstStyle/>
           <a:p>
             <a:endParaRPr/>
           </a:p>
@@ -1363,7 +1536,8 @@
           </a:prstGeom>
         </p:spPr>
         <p:txBody>
-          <a:bodyPr lIns="0" rIns="0" tIns="0" bIns="0"/>
+          <a:bodyPr lIns="0" tIns="0" rIns="0" bIns="0"/>
+          <a:lstStyle/>
           <a:p>
             <a:endParaRPr/>
           </a:p>
@@ -1371,11 +1545,14 @@
       </p:sp>
     </p:spTree>
   </p:cSld>
+  <p:clrMapOvr>
+    <a:masterClrMapping/>
+  </p:clrMapOvr>
 </p:sldLayout>
 </file>
 
 <file path=ppt/slideLayouts/slideLayout23.xml><?xml version="1.0" encoding="utf-8"?>
-<p:sldLayout xmlns:a="http://schemas.openxmlformats.org/drawingml/2006/main" xmlns:p="http://schemas.openxmlformats.org/presentationml/2006/main" xmlns:r="http://schemas.openxmlformats.org/officeDocument/2006/relationships" type="fourObj" preserve="1">
+<p:sldLayout xmlns:a="http://schemas.openxmlformats.org/drawingml/2006/main" xmlns:r="http://schemas.openxmlformats.org/officeDocument/2006/relationships" xmlns:p="http://schemas.openxmlformats.org/presentationml/2006/main" type="fourObj" preserve="1">
   <p:cSld name="Title, 4 Content">
     <p:spTree>
       <p:nvGrpSpPr>
@@ -1411,7 +1588,8 @@
           </a:prstGeom>
         </p:spPr>
         <p:txBody>
-          <a:bodyPr lIns="0" rIns="0" tIns="0" bIns="0" anchor="ctr"/>
+          <a:bodyPr lIns="0" tIns="0" rIns="0" bIns="0" anchor="ctr"/>
+          <a:lstStyle/>
           <a:p>
             <a:pPr algn="ctr"/>
             <a:endParaRPr/>
@@ -1438,7 +1616,8 @@
           </a:prstGeom>
         </p:spPr>
         <p:txBody>
-          <a:bodyPr lIns="0" rIns="0" tIns="0" bIns="0"/>
+          <a:bodyPr lIns="0" tIns="0" rIns="0" bIns="0"/>
+          <a:lstStyle/>
           <a:p>
             <a:endParaRPr/>
           </a:p>
@@ -1464,7 +1643,8 @@
           </a:prstGeom>
         </p:spPr>
         <p:txBody>
-          <a:bodyPr lIns="0" rIns="0" tIns="0" bIns="0"/>
+          <a:bodyPr lIns="0" tIns="0" rIns="0" bIns="0"/>
+          <a:lstStyle/>
           <a:p>
             <a:endParaRPr/>
           </a:p>
@@ -1490,7 +1670,8 @@
           </a:prstGeom>
         </p:spPr>
         <p:txBody>
-          <a:bodyPr lIns="0" rIns="0" tIns="0" bIns="0"/>
+          <a:bodyPr lIns="0" tIns="0" rIns="0" bIns="0"/>
+          <a:lstStyle/>
           <a:p>
             <a:endParaRPr/>
           </a:p>
@@ -1516,7 +1697,8 @@
           </a:prstGeom>
         </p:spPr>
         <p:txBody>
-          <a:bodyPr lIns="0" rIns="0" tIns="0" bIns="0"/>
+          <a:bodyPr lIns="0" tIns="0" rIns="0" bIns="0"/>
+          <a:lstStyle/>
           <a:p>
             <a:endParaRPr/>
           </a:p>
@@ -1524,11 +1706,14 @@
       </p:sp>
     </p:spTree>
   </p:cSld>
+  <p:clrMapOvr>
+    <a:masterClrMapping/>
+  </p:clrMapOvr>
 </p:sldLayout>
 </file>
 
 <file path=ppt/slideLayouts/slideLayout24.xml><?xml version="1.0" encoding="utf-8"?>
-<p:sldLayout xmlns:a="http://schemas.openxmlformats.org/drawingml/2006/main" xmlns:p="http://schemas.openxmlformats.org/presentationml/2006/main" xmlns:r="http://schemas.openxmlformats.org/officeDocument/2006/relationships" type="blank" preserve="1">
+<p:sldLayout xmlns:a="http://schemas.openxmlformats.org/drawingml/2006/main" xmlns:r="http://schemas.openxmlformats.org/officeDocument/2006/relationships" xmlns:p="http://schemas.openxmlformats.org/presentationml/2006/main" type="blank" preserve="1">
   <p:cSld name="Title, 6 Content">
     <p:spTree>
       <p:nvGrpSpPr>
@@ -1564,7 +1749,8 @@
           </a:prstGeom>
         </p:spPr>
         <p:txBody>
-          <a:bodyPr lIns="0" rIns="0" tIns="0" bIns="0" anchor="ctr"/>
+          <a:bodyPr lIns="0" tIns="0" rIns="0" bIns="0" anchor="ctr"/>
+          <a:lstStyle/>
           <a:p>
             <a:pPr algn="ctr"/>
             <a:endParaRPr/>
@@ -1591,7 +1777,8 @@
           </a:prstGeom>
         </p:spPr>
         <p:txBody>
-          <a:bodyPr lIns="0" rIns="0" tIns="0" bIns="0"/>
+          <a:bodyPr lIns="0" tIns="0" rIns="0" bIns="0"/>
+          <a:lstStyle/>
           <a:p>
             <a:endParaRPr/>
           </a:p>
@@ -1617,7 +1804,8 @@
           </a:prstGeom>
         </p:spPr>
         <p:txBody>
-          <a:bodyPr lIns="0" rIns="0" tIns="0" bIns="0"/>
+          <a:bodyPr lIns="0" tIns="0" rIns="0" bIns="0"/>
+          <a:lstStyle/>
           <a:p>
             <a:endParaRPr/>
           </a:p>
@@ -1625,7 +1813,7 @@
       </p:sp>
       <p:pic>
         <p:nvPicPr>
-          <p:cNvPr id="70" name="" descr=""/>
+          <p:cNvPr id="70" name="图片 69"/>
           <p:cNvPicPr/>
           <p:nvPr/>
         </p:nvPicPr>
@@ -1648,12 +1836,12 @@
       </p:pic>
       <p:pic>
         <p:nvPicPr>
-          <p:cNvPr id="71" name="" descr=""/>
+          <p:cNvPr id="71" name="图片 70"/>
           <p:cNvPicPr/>
           <p:nvPr/>
         </p:nvPicPr>
         <p:blipFill>
-          <a:blip r:embed="rId3"/>
+          <a:blip r:embed="rId2"/>
           <a:stretch/>
         </p:blipFill>
         <p:spPr>
@@ -1671,11 +1859,14 @@
       </p:pic>
     </p:spTree>
   </p:cSld>
+  <p:clrMapOvr>
+    <a:masterClrMapping/>
+  </p:clrMapOvr>
 </p:sldLayout>
 </file>
 
 <file path=ppt/slideLayouts/slideLayout25.xml><?xml version="1.0" encoding="utf-8"?>
-<p:sldLayout xmlns:a="http://schemas.openxmlformats.org/drawingml/2006/main" xmlns:p="http://schemas.openxmlformats.org/presentationml/2006/main" xmlns:r="http://schemas.openxmlformats.org/officeDocument/2006/relationships" type="blank" preserve="1">
+<p:sldLayout xmlns:a="http://schemas.openxmlformats.org/drawingml/2006/main" xmlns:r="http://schemas.openxmlformats.org/officeDocument/2006/relationships" xmlns:p="http://schemas.openxmlformats.org/presentationml/2006/main" type="blank" preserve="1">
   <p:cSld name="Blank Slide">
     <p:spTree>
       <p:nvGrpSpPr>
@@ -1693,11 +1884,14 @@
       </p:grpSpPr>
     </p:spTree>
   </p:cSld>
+  <p:clrMapOvr>
+    <a:masterClrMapping/>
+  </p:clrMapOvr>
 </p:sldLayout>
 </file>
 
 <file path=ppt/slideLayouts/slideLayout26.xml><?xml version="1.0" encoding="utf-8"?>
-<p:sldLayout xmlns:a="http://schemas.openxmlformats.org/drawingml/2006/main" xmlns:p="http://schemas.openxmlformats.org/presentationml/2006/main" xmlns:r="http://schemas.openxmlformats.org/officeDocument/2006/relationships" type="tx" preserve="1">
+<p:sldLayout xmlns:a="http://schemas.openxmlformats.org/drawingml/2006/main" xmlns:r="http://schemas.openxmlformats.org/officeDocument/2006/relationships" xmlns:p="http://schemas.openxmlformats.org/presentationml/2006/main" type="tx" preserve="1">
   <p:cSld name="Title Slide">
     <p:spTree>
       <p:nvGrpSpPr>
@@ -1733,7 +1927,8 @@
           </a:prstGeom>
         </p:spPr>
         <p:txBody>
-          <a:bodyPr lIns="0" rIns="0" tIns="0" bIns="0" anchor="ctr"/>
+          <a:bodyPr lIns="0" tIns="0" rIns="0" bIns="0" anchor="ctr"/>
+          <a:lstStyle/>
           <a:p>
             <a:pPr algn="ctr"/>
             <a:endParaRPr/>
@@ -1760,7 +1955,8 @@
           </a:prstGeom>
         </p:spPr>
         <p:txBody>
-          <a:bodyPr lIns="0" rIns="0" tIns="0" bIns="0" anchor="ctr"/>
+          <a:bodyPr lIns="0" tIns="0" rIns="0" bIns="0" anchor="ctr"/>
+          <a:lstStyle/>
           <a:p>
             <a:pPr algn="ctr"/>
             <a:endParaRPr/>
@@ -1769,11 +1965,14 @@
       </p:sp>
     </p:spTree>
   </p:cSld>
+  <p:clrMapOvr>
+    <a:masterClrMapping/>
+  </p:clrMapOvr>
 </p:sldLayout>
 </file>
 
 <file path=ppt/slideLayouts/slideLayout27.xml><?xml version="1.0" encoding="utf-8"?>
-<p:sldLayout xmlns:a="http://schemas.openxmlformats.org/drawingml/2006/main" xmlns:p="http://schemas.openxmlformats.org/presentationml/2006/main" xmlns:r="http://schemas.openxmlformats.org/officeDocument/2006/relationships" type="obj" preserve="1">
+<p:sldLayout xmlns:a="http://schemas.openxmlformats.org/drawingml/2006/main" xmlns:r="http://schemas.openxmlformats.org/officeDocument/2006/relationships" xmlns:p="http://schemas.openxmlformats.org/presentationml/2006/main" type="obj" preserve="1">
   <p:cSld name="Title, Content">
     <p:spTree>
       <p:nvGrpSpPr>
@@ -1809,7 +2008,8 @@
           </a:prstGeom>
         </p:spPr>
         <p:txBody>
-          <a:bodyPr lIns="0" rIns="0" tIns="0" bIns="0" anchor="ctr"/>
+          <a:bodyPr lIns="0" tIns="0" rIns="0" bIns="0" anchor="ctr"/>
+          <a:lstStyle/>
           <a:p>
             <a:pPr algn="ctr"/>
             <a:endParaRPr/>
@@ -1836,7 +2036,8 @@
           </a:prstGeom>
         </p:spPr>
         <p:txBody>
-          <a:bodyPr lIns="0" rIns="0" tIns="0" bIns="0"/>
+          <a:bodyPr lIns="0" tIns="0" rIns="0" bIns="0"/>
+          <a:lstStyle/>
           <a:p>
             <a:endParaRPr/>
           </a:p>
@@ -1844,11 +2045,14 @@
       </p:sp>
     </p:spTree>
   </p:cSld>
+  <p:clrMapOvr>
+    <a:masterClrMapping/>
+  </p:clrMapOvr>
 </p:sldLayout>
 </file>
 
 <file path=ppt/slideLayouts/slideLayout28.xml><?xml version="1.0" encoding="utf-8"?>
-<p:sldLayout xmlns:a="http://schemas.openxmlformats.org/drawingml/2006/main" xmlns:p="http://schemas.openxmlformats.org/presentationml/2006/main" xmlns:r="http://schemas.openxmlformats.org/officeDocument/2006/relationships" type="twoObj" preserve="1">
+<p:sldLayout xmlns:a="http://schemas.openxmlformats.org/drawingml/2006/main" xmlns:r="http://schemas.openxmlformats.org/officeDocument/2006/relationships" xmlns:p="http://schemas.openxmlformats.org/presentationml/2006/main" type="twoObj" preserve="1">
   <p:cSld name="Title, 2 Content">
     <p:spTree>
       <p:nvGrpSpPr>
@@ -1884,7 +2088,8 @@
           </a:prstGeom>
         </p:spPr>
         <p:txBody>
-          <a:bodyPr lIns="0" rIns="0" tIns="0" bIns="0" anchor="ctr"/>
+          <a:bodyPr lIns="0" tIns="0" rIns="0" bIns="0" anchor="ctr"/>
+          <a:lstStyle/>
           <a:p>
             <a:pPr algn="ctr"/>
             <a:endParaRPr/>
@@ -1911,7 +2116,8 @@
           </a:prstGeom>
         </p:spPr>
         <p:txBody>
-          <a:bodyPr lIns="0" rIns="0" tIns="0" bIns="0"/>
+          <a:bodyPr lIns="0" tIns="0" rIns="0" bIns="0"/>
+          <a:lstStyle/>
           <a:p>
             <a:endParaRPr/>
           </a:p>
@@ -1937,7 +2143,8 @@
           </a:prstGeom>
         </p:spPr>
         <p:txBody>
-          <a:bodyPr lIns="0" rIns="0" tIns="0" bIns="0"/>
+          <a:bodyPr lIns="0" tIns="0" rIns="0" bIns="0"/>
+          <a:lstStyle/>
           <a:p>
             <a:endParaRPr/>
           </a:p>
@@ -1945,11 +2152,14 @@
       </p:sp>
     </p:spTree>
   </p:cSld>
+  <p:clrMapOvr>
+    <a:masterClrMapping/>
+  </p:clrMapOvr>
 </p:sldLayout>
 </file>
 
 <file path=ppt/slideLayouts/slideLayout29.xml><?xml version="1.0" encoding="utf-8"?>
-<p:sldLayout xmlns:a="http://schemas.openxmlformats.org/drawingml/2006/main" xmlns:p="http://schemas.openxmlformats.org/presentationml/2006/main" xmlns:r="http://schemas.openxmlformats.org/officeDocument/2006/relationships" type="titleOnly" preserve="1">
+<p:sldLayout xmlns:a="http://schemas.openxmlformats.org/drawingml/2006/main" xmlns:r="http://schemas.openxmlformats.org/officeDocument/2006/relationships" xmlns:p="http://schemas.openxmlformats.org/presentationml/2006/main" type="titleOnly" preserve="1">
   <p:cSld name="Title Only">
     <p:spTree>
       <p:nvGrpSpPr>
@@ -1985,7 +2195,8 @@
           </a:prstGeom>
         </p:spPr>
         <p:txBody>
-          <a:bodyPr lIns="0" rIns="0" tIns="0" bIns="0" anchor="ctr"/>
+          <a:bodyPr lIns="0" tIns="0" rIns="0" bIns="0" anchor="ctr"/>
+          <a:lstStyle/>
           <a:p>
             <a:pPr algn="ctr"/>
             <a:endParaRPr/>
@@ -1994,11 +2205,14 @@
       </p:sp>
     </p:spTree>
   </p:cSld>
+  <p:clrMapOvr>
+    <a:masterClrMapping/>
+  </p:clrMapOvr>
 </p:sldLayout>
 </file>
 
 <file path=ppt/slideLayouts/slideLayout3.xml><?xml version="1.0" encoding="utf-8"?>
-<p:sldLayout xmlns:a="http://schemas.openxmlformats.org/drawingml/2006/main" xmlns:p="http://schemas.openxmlformats.org/presentationml/2006/main" xmlns:r="http://schemas.openxmlformats.org/officeDocument/2006/relationships" type="obj" preserve="1">
+<p:sldLayout xmlns:a="http://schemas.openxmlformats.org/drawingml/2006/main" xmlns:r="http://schemas.openxmlformats.org/officeDocument/2006/relationships" xmlns:p="http://schemas.openxmlformats.org/presentationml/2006/main" type="obj" preserve="1">
   <p:cSld name="Title, Content">
     <p:spTree>
       <p:nvGrpSpPr>
@@ -2034,7 +2248,8 @@
           </a:prstGeom>
         </p:spPr>
         <p:txBody>
-          <a:bodyPr lIns="0" rIns="0" tIns="0" bIns="0" anchor="ctr"/>
+          <a:bodyPr lIns="0" tIns="0" rIns="0" bIns="0" anchor="ctr"/>
+          <a:lstStyle/>
           <a:p>
             <a:pPr algn="ctr"/>
             <a:endParaRPr/>
@@ -2061,7 +2276,8 @@
           </a:prstGeom>
         </p:spPr>
         <p:txBody>
-          <a:bodyPr lIns="0" rIns="0" tIns="0" bIns="0"/>
+          <a:bodyPr lIns="0" tIns="0" rIns="0" bIns="0"/>
+          <a:lstStyle/>
           <a:p>
             <a:endParaRPr/>
           </a:p>
@@ -2069,11 +2285,14 @@
       </p:sp>
     </p:spTree>
   </p:cSld>
+  <p:clrMapOvr>
+    <a:masterClrMapping/>
+  </p:clrMapOvr>
 </p:sldLayout>
 </file>
 
 <file path=ppt/slideLayouts/slideLayout30.xml><?xml version="1.0" encoding="utf-8"?>
-<p:sldLayout xmlns:a="http://schemas.openxmlformats.org/drawingml/2006/main" xmlns:p="http://schemas.openxmlformats.org/presentationml/2006/main" xmlns:r="http://schemas.openxmlformats.org/officeDocument/2006/relationships" type="objOnly" preserve="1">
+<p:sldLayout xmlns:a="http://schemas.openxmlformats.org/drawingml/2006/main" xmlns:r="http://schemas.openxmlformats.org/officeDocument/2006/relationships" xmlns:p="http://schemas.openxmlformats.org/presentationml/2006/main" type="objOnly" preserve="1">
   <p:cSld name="Centered Text">
     <p:spTree>
       <p:nvGrpSpPr>
@@ -2109,7 +2328,8 @@
           </a:prstGeom>
         </p:spPr>
         <p:txBody>
-          <a:bodyPr lIns="0" rIns="0" tIns="0" bIns="0" anchor="ctr"/>
+          <a:bodyPr lIns="0" tIns="0" rIns="0" bIns="0" anchor="ctr"/>
+          <a:lstStyle/>
           <a:p>
             <a:pPr algn="ctr"/>
             <a:endParaRPr/>
@@ -2118,11 +2338,14 @@
       </p:sp>
     </p:spTree>
   </p:cSld>
+  <p:clrMapOvr>
+    <a:masterClrMapping/>
+  </p:clrMapOvr>
 </p:sldLayout>
 </file>
 
 <file path=ppt/slideLayouts/slideLayout31.xml><?xml version="1.0" encoding="utf-8"?>
-<p:sldLayout xmlns:a="http://schemas.openxmlformats.org/drawingml/2006/main" xmlns:p="http://schemas.openxmlformats.org/presentationml/2006/main" xmlns:r="http://schemas.openxmlformats.org/officeDocument/2006/relationships" type="twoObjAndObj" preserve="1">
+<p:sldLayout xmlns:a="http://schemas.openxmlformats.org/drawingml/2006/main" xmlns:r="http://schemas.openxmlformats.org/officeDocument/2006/relationships" xmlns:p="http://schemas.openxmlformats.org/presentationml/2006/main" type="twoObjAndObj" preserve="1">
   <p:cSld name="Title, 2 Content and Content">
     <p:spTree>
       <p:nvGrpSpPr>
@@ -2158,7 +2381,8 @@
           </a:prstGeom>
         </p:spPr>
         <p:txBody>
-          <a:bodyPr lIns="0" rIns="0" tIns="0" bIns="0" anchor="ctr"/>
+          <a:bodyPr lIns="0" tIns="0" rIns="0" bIns="0" anchor="ctr"/>
+          <a:lstStyle/>
           <a:p>
             <a:pPr algn="ctr"/>
             <a:endParaRPr/>
@@ -2185,7 +2409,8 @@
           </a:prstGeom>
         </p:spPr>
         <p:txBody>
-          <a:bodyPr lIns="0" rIns="0" tIns="0" bIns="0"/>
+          <a:bodyPr lIns="0" tIns="0" rIns="0" bIns="0"/>
+          <a:lstStyle/>
           <a:p>
             <a:endParaRPr/>
           </a:p>
@@ -2211,7 +2436,8 @@
           </a:prstGeom>
         </p:spPr>
         <p:txBody>
-          <a:bodyPr lIns="0" rIns="0" tIns="0" bIns="0"/>
+          <a:bodyPr lIns="0" tIns="0" rIns="0" bIns="0"/>
+          <a:lstStyle/>
           <a:p>
             <a:endParaRPr/>
           </a:p>
@@ -2237,7 +2463,8 @@
           </a:prstGeom>
         </p:spPr>
         <p:txBody>
-          <a:bodyPr lIns="0" rIns="0" tIns="0" bIns="0"/>
+          <a:bodyPr lIns="0" tIns="0" rIns="0" bIns="0"/>
+          <a:lstStyle/>
           <a:p>
             <a:endParaRPr/>
           </a:p>
@@ -2245,11 +2472,14 @@
       </p:sp>
     </p:spTree>
   </p:cSld>
+  <p:clrMapOvr>
+    <a:masterClrMapping/>
+  </p:clrMapOvr>
 </p:sldLayout>
 </file>
 
 <file path=ppt/slideLayouts/slideLayout32.xml><?xml version="1.0" encoding="utf-8"?>
-<p:sldLayout xmlns:a="http://schemas.openxmlformats.org/drawingml/2006/main" xmlns:p="http://schemas.openxmlformats.org/presentationml/2006/main" xmlns:r="http://schemas.openxmlformats.org/officeDocument/2006/relationships" type="objAndTwoObj" preserve="1">
+<p:sldLayout xmlns:a="http://schemas.openxmlformats.org/drawingml/2006/main" xmlns:r="http://schemas.openxmlformats.org/officeDocument/2006/relationships" xmlns:p="http://schemas.openxmlformats.org/presentationml/2006/main" type="objAndTwoObj" preserve="1">
   <p:cSld name="Title Content and 2 Content">
     <p:spTree>
       <p:nvGrpSpPr>
@@ -2285,7 +2515,8 @@
           </a:prstGeom>
         </p:spPr>
         <p:txBody>
-          <a:bodyPr lIns="0" rIns="0" tIns="0" bIns="0" anchor="ctr"/>
+          <a:bodyPr lIns="0" tIns="0" rIns="0" bIns="0" anchor="ctr"/>
+          <a:lstStyle/>
           <a:p>
             <a:pPr algn="ctr"/>
             <a:endParaRPr/>
@@ -2312,7 +2543,8 @@
           </a:prstGeom>
         </p:spPr>
         <p:txBody>
-          <a:bodyPr lIns="0" rIns="0" tIns="0" bIns="0"/>
+          <a:bodyPr lIns="0" tIns="0" rIns="0" bIns="0"/>
+          <a:lstStyle/>
           <a:p>
             <a:endParaRPr/>
           </a:p>
@@ -2338,7 +2570,8 @@
           </a:prstGeom>
         </p:spPr>
         <p:txBody>
-          <a:bodyPr lIns="0" rIns="0" tIns="0" bIns="0"/>
+          <a:bodyPr lIns="0" tIns="0" rIns="0" bIns="0"/>
+          <a:lstStyle/>
           <a:p>
             <a:endParaRPr/>
           </a:p>
@@ -2364,7 +2597,8 @@
           </a:prstGeom>
         </p:spPr>
         <p:txBody>
-          <a:bodyPr lIns="0" rIns="0" tIns="0" bIns="0"/>
+          <a:bodyPr lIns="0" tIns="0" rIns="0" bIns="0"/>
+          <a:lstStyle/>
           <a:p>
             <a:endParaRPr/>
           </a:p>
@@ -2372,11 +2606,14 @@
       </p:sp>
     </p:spTree>
   </p:cSld>
+  <p:clrMapOvr>
+    <a:masterClrMapping/>
+  </p:clrMapOvr>
 </p:sldLayout>
 </file>
 
 <file path=ppt/slideLayouts/slideLayout33.xml><?xml version="1.0" encoding="utf-8"?>
-<p:sldLayout xmlns:a="http://schemas.openxmlformats.org/drawingml/2006/main" xmlns:p="http://schemas.openxmlformats.org/presentationml/2006/main" xmlns:r="http://schemas.openxmlformats.org/officeDocument/2006/relationships" type="twoObjOverTx" preserve="1">
+<p:sldLayout xmlns:a="http://schemas.openxmlformats.org/drawingml/2006/main" xmlns:r="http://schemas.openxmlformats.org/officeDocument/2006/relationships" xmlns:p="http://schemas.openxmlformats.org/presentationml/2006/main" type="twoObjOverTx" preserve="1">
   <p:cSld name="Title, 2 Content over Content">
     <p:spTree>
       <p:nvGrpSpPr>
@@ -2412,7 +2649,8 @@
           </a:prstGeom>
         </p:spPr>
         <p:txBody>
-          <a:bodyPr lIns="0" rIns="0" tIns="0" bIns="0" anchor="ctr"/>
+          <a:bodyPr lIns="0" tIns="0" rIns="0" bIns="0" anchor="ctr"/>
+          <a:lstStyle/>
           <a:p>
             <a:pPr algn="ctr"/>
             <a:endParaRPr/>
@@ -2439,7 +2677,8 @@
           </a:prstGeom>
         </p:spPr>
         <p:txBody>
-          <a:bodyPr lIns="0" rIns="0" tIns="0" bIns="0"/>
+          <a:bodyPr lIns="0" tIns="0" rIns="0" bIns="0"/>
+          <a:lstStyle/>
           <a:p>
             <a:endParaRPr/>
           </a:p>
@@ -2465,7 +2704,8 @@
           </a:prstGeom>
         </p:spPr>
         <p:txBody>
-          <a:bodyPr lIns="0" rIns="0" tIns="0" bIns="0"/>
+          <a:bodyPr lIns="0" tIns="0" rIns="0" bIns="0"/>
+          <a:lstStyle/>
           <a:p>
             <a:endParaRPr/>
           </a:p>
@@ -2491,7 +2731,8 @@
           </a:prstGeom>
         </p:spPr>
         <p:txBody>
-          <a:bodyPr lIns="0" rIns="0" tIns="0" bIns="0"/>
+          <a:bodyPr lIns="0" tIns="0" rIns="0" bIns="0"/>
+          <a:lstStyle/>
           <a:p>
             <a:endParaRPr/>
           </a:p>
@@ -2499,11 +2740,14 @@
       </p:sp>
     </p:spTree>
   </p:cSld>
+  <p:clrMapOvr>
+    <a:masterClrMapping/>
+  </p:clrMapOvr>
 </p:sldLayout>
 </file>
 
 <file path=ppt/slideLayouts/slideLayout34.xml><?xml version="1.0" encoding="utf-8"?>
-<p:sldLayout xmlns:a="http://schemas.openxmlformats.org/drawingml/2006/main" xmlns:p="http://schemas.openxmlformats.org/presentationml/2006/main" xmlns:r="http://schemas.openxmlformats.org/officeDocument/2006/relationships" type="objOverTx" preserve="1">
+<p:sldLayout xmlns:a="http://schemas.openxmlformats.org/drawingml/2006/main" xmlns:r="http://schemas.openxmlformats.org/officeDocument/2006/relationships" xmlns:p="http://schemas.openxmlformats.org/presentationml/2006/main" type="objOverTx" preserve="1">
   <p:cSld name="Title, Content over Content">
     <p:spTree>
       <p:nvGrpSpPr>
@@ -2539,7 +2783,8 @@
           </a:prstGeom>
         </p:spPr>
         <p:txBody>
-          <a:bodyPr lIns="0" rIns="0" tIns="0" bIns="0" anchor="ctr"/>
+          <a:bodyPr lIns="0" tIns="0" rIns="0" bIns="0" anchor="ctr"/>
+          <a:lstStyle/>
           <a:p>
             <a:pPr algn="ctr"/>
             <a:endParaRPr/>
@@ -2566,7 +2811,8 @@
           </a:prstGeom>
         </p:spPr>
         <p:txBody>
-          <a:bodyPr lIns="0" rIns="0" tIns="0" bIns="0"/>
+          <a:bodyPr lIns="0" tIns="0" rIns="0" bIns="0"/>
+          <a:lstStyle/>
           <a:p>
             <a:endParaRPr/>
           </a:p>
@@ -2592,7 +2838,8 @@
           </a:prstGeom>
         </p:spPr>
         <p:txBody>
-          <a:bodyPr lIns="0" rIns="0" tIns="0" bIns="0"/>
+          <a:bodyPr lIns="0" tIns="0" rIns="0" bIns="0"/>
+          <a:lstStyle/>
           <a:p>
             <a:endParaRPr/>
           </a:p>
@@ -2600,11 +2847,14 @@
       </p:sp>
     </p:spTree>
   </p:cSld>
+  <p:clrMapOvr>
+    <a:masterClrMapping/>
+  </p:clrMapOvr>
 </p:sldLayout>
 </file>
 
 <file path=ppt/slideLayouts/slideLayout35.xml><?xml version="1.0" encoding="utf-8"?>
-<p:sldLayout xmlns:a="http://schemas.openxmlformats.org/drawingml/2006/main" xmlns:p="http://schemas.openxmlformats.org/presentationml/2006/main" xmlns:r="http://schemas.openxmlformats.org/officeDocument/2006/relationships" type="fourObj" preserve="1">
+<p:sldLayout xmlns:a="http://schemas.openxmlformats.org/drawingml/2006/main" xmlns:r="http://schemas.openxmlformats.org/officeDocument/2006/relationships" xmlns:p="http://schemas.openxmlformats.org/presentationml/2006/main" type="fourObj" preserve="1">
   <p:cSld name="Title, 4 Content">
     <p:spTree>
       <p:nvGrpSpPr>
@@ -2640,7 +2890,8 @@
           </a:prstGeom>
         </p:spPr>
         <p:txBody>
-          <a:bodyPr lIns="0" rIns="0" tIns="0" bIns="0" anchor="ctr"/>
+          <a:bodyPr lIns="0" tIns="0" rIns="0" bIns="0" anchor="ctr"/>
+          <a:lstStyle/>
           <a:p>
             <a:pPr algn="ctr"/>
             <a:endParaRPr/>
@@ -2667,7 +2918,8 @@
           </a:prstGeom>
         </p:spPr>
         <p:txBody>
-          <a:bodyPr lIns="0" rIns="0" tIns="0" bIns="0"/>
+          <a:bodyPr lIns="0" tIns="0" rIns="0" bIns="0"/>
+          <a:lstStyle/>
           <a:p>
             <a:endParaRPr/>
           </a:p>
@@ -2693,7 +2945,8 @@
           </a:prstGeom>
         </p:spPr>
         <p:txBody>
-          <a:bodyPr lIns="0" rIns="0" tIns="0" bIns="0"/>
+          <a:bodyPr lIns="0" tIns="0" rIns="0" bIns="0"/>
+          <a:lstStyle/>
           <a:p>
             <a:endParaRPr/>
           </a:p>
@@ -2719,7 +2972,8 @@
           </a:prstGeom>
         </p:spPr>
         <p:txBody>
-          <a:bodyPr lIns="0" rIns="0" tIns="0" bIns="0"/>
+          <a:bodyPr lIns="0" tIns="0" rIns="0" bIns="0"/>
+          <a:lstStyle/>
           <a:p>
             <a:endParaRPr/>
           </a:p>
@@ -2745,7 +2999,8 @@
           </a:prstGeom>
         </p:spPr>
         <p:txBody>
-          <a:bodyPr lIns="0" rIns="0" tIns="0" bIns="0"/>
+          <a:bodyPr lIns="0" tIns="0" rIns="0" bIns="0"/>
+          <a:lstStyle/>
           <a:p>
             <a:endParaRPr/>
           </a:p>
@@ -2753,11 +3008,14 @@
       </p:sp>
     </p:spTree>
   </p:cSld>
+  <p:clrMapOvr>
+    <a:masterClrMapping/>
+  </p:clrMapOvr>
 </p:sldLayout>
 </file>
 
 <file path=ppt/slideLayouts/slideLayout36.xml><?xml version="1.0" encoding="utf-8"?>
-<p:sldLayout xmlns:a="http://schemas.openxmlformats.org/drawingml/2006/main" xmlns:p="http://schemas.openxmlformats.org/presentationml/2006/main" xmlns:r="http://schemas.openxmlformats.org/officeDocument/2006/relationships" type="blank" preserve="1">
+<p:sldLayout xmlns:a="http://schemas.openxmlformats.org/drawingml/2006/main" xmlns:r="http://schemas.openxmlformats.org/officeDocument/2006/relationships" xmlns:p="http://schemas.openxmlformats.org/presentationml/2006/main" type="blank" preserve="1">
   <p:cSld name="Title, 6 Content">
     <p:spTree>
       <p:nvGrpSpPr>
@@ -2793,7 +3051,8 @@
           </a:prstGeom>
         </p:spPr>
         <p:txBody>
-          <a:bodyPr lIns="0" rIns="0" tIns="0" bIns="0" anchor="ctr"/>
+          <a:bodyPr lIns="0" tIns="0" rIns="0" bIns="0" anchor="ctr"/>
+          <a:lstStyle/>
           <a:p>
             <a:pPr algn="ctr"/>
             <a:endParaRPr/>
@@ -2820,7 +3079,8 @@
           </a:prstGeom>
         </p:spPr>
         <p:txBody>
-          <a:bodyPr lIns="0" rIns="0" tIns="0" bIns="0"/>
+          <a:bodyPr lIns="0" tIns="0" rIns="0" bIns="0"/>
+          <a:lstStyle/>
           <a:p>
             <a:endParaRPr/>
           </a:p>
@@ -2846,7 +3106,8 @@
           </a:prstGeom>
         </p:spPr>
         <p:txBody>
-          <a:bodyPr lIns="0" rIns="0" tIns="0" bIns="0"/>
+          <a:bodyPr lIns="0" tIns="0" rIns="0" bIns="0"/>
+          <a:lstStyle/>
           <a:p>
             <a:endParaRPr/>
           </a:p>
@@ -2854,7 +3115,7 @@
       </p:sp>
       <p:pic>
         <p:nvPicPr>
-          <p:cNvPr id="106" name="" descr=""/>
+          <p:cNvPr id="106" name="图片 105"/>
           <p:cNvPicPr/>
           <p:nvPr/>
         </p:nvPicPr>
@@ -2877,12 +3138,12 @@
       </p:pic>
       <p:pic>
         <p:nvPicPr>
-          <p:cNvPr id="107" name="" descr=""/>
+          <p:cNvPr id="107" name="图片 106"/>
           <p:cNvPicPr/>
           <p:nvPr/>
         </p:nvPicPr>
         <p:blipFill>
-          <a:blip r:embed="rId3"/>
+          <a:blip r:embed="rId2"/>
           <a:stretch/>
         </p:blipFill>
         <p:spPr>
@@ -2900,11 +3161,14 @@
       </p:pic>
     </p:spTree>
   </p:cSld>
+  <p:clrMapOvr>
+    <a:masterClrMapping/>
+  </p:clrMapOvr>
 </p:sldLayout>
 </file>
 
 <file path=ppt/slideLayouts/slideLayout4.xml><?xml version="1.0" encoding="utf-8"?>
-<p:sldLayout xmlns:a="http://schemas.openxmlformats.org/drawingml/2006/main" xmlns:p="http://schemas.openxmlformats.org/presentationml/2006/main" xmlns:r="http://schemas.openxmlformats.org/officeDocument/2006/relationships" type="twoObj" preserve="1">
+<p:sldLayout xmlns:a="http://schemas.openxmlformats.org/drawingml/2006/main" xmlns:r="http://schemas.openxmlformats.org/officeDocument/2006/relationships" xmlns:p="http://schemas.openxmlformats.org/presentationml/2006/main" type="twoObj" preserve="1">
   <p:cSld name="Title, 2 Content">
     <p:spTree>
       <p:nvGrpSpPr>
@@ -2940,7 +3204,8 @@
           </a:prstGeom>
         </p:spPr>
         <p:txBody>
-          <a:bodyPr lIns="0" rIns="0" tIns="0" bIns="0" anchor="ctr"/>
+          <a:bodyPr lIns="0" tIns="0" rIns="0" bIns="0" anchor="ctr"/>
+          <a:lstStyle/>
           <a:p>
             <a:pPr algn="ctr"/>
             <a:endParaRPr/>
@@ -2967,7 +3232,8 @@
           </a:prstGeom>
         </p:spPr>
         <p:txBody>
-          <a:bodyPr lIns="0" rIns="0" tIns="0" bIns="0"/>
+          <a:bodyPr lIns="0" tIns="0" rIns="0" bIns="0"/>
+          <a:lstStyle/>
           <a:p>
             <a:endParaRPr/>
           </a:p>
@@ -2993,7 +3259,8 @@
           </a:prstGeom>
         </p:spPr>
         <p:txBody>
-          <a:bodyPr lIns="0" rIns="0" tIns="0" bIns="0"/>
+          <a:bodyPr lIns="0" tIns="0" rIns="0" bIns="0"/>
+          <a:lstStyle/>
           <a:p>
             <a:endParaRPr/>
           </a:p>
@@ -3001,11 +3268,14 @@
       </p:sp>
     </p:spTree>
   </p:cSld>
+  <p:clrMapOvr>
+    <a:masterClrMapping/>
+  </p:clrMapOvr>
 </p:sldLayout>
 </file>
 
 <file path=ppt/slideLayouts/slideLayout5.xml><?xml version="1.0" encoding="utf-8"?>
-<p:sldLayout xmlns:a="http://schemas.openxmlformats.org/drawingml/2006/main" xmlns:p="http://schemas.openxmlformats.org/presentationml/2006/main" xmlns:r="http://schemas.openxmlformats.org/officeDocument/2006/relationships" type="titleOnly" preserve="1">
+<p:sldLayout xmlns:a="http://schemas.openxmlformats.org/drawingml/2006/main" xmlns:r="http://schemas.openxmlformats.org/officeDocument/2006/relationships" xmlns:p="http://schemas.openxmlformats.org/presentationml/2006/main" type="titleOnly" preserve="1">
   <p:cSld name="Title Only">
     <p:spTree>
       <p:nvGrpSpPr>
@@ -3041,7 +3311,8 @@
           </a:prstGeom>
         </p:spPr>
         <p:txBody>
-          <a:bodyPr lIns="0" rIns="0" tIns="0" bIns="0" anchor="ctr"/>
+          <a:bodyPr lIns="0" tIns="0" rIns="0" bIns="0" anchor="ctr"/>
+          <a:lstStyle/>
           <a:p>
             <a:pPr algn="ctr"/>
             <a:endParaRPr/>
@@ -3050,11 +3321,14 @@
       </p:sp>
     </p:spTree>
   </p:cSld>
+  <p:clrMapOvr>
+    <a:masterClrMapping/>
+  </p:clrMapOvr>
 </p:sldLayout>
 </file>
 
 <file path=ppt/slideLayouts/slideLayout6.xml><?xml version="1.0" encoding="utf-8"?>
-<p:sldLayout xmlns:a="http://schemas.openxmlformats.org/drawingml/2006/main" xmlns:p="http://schemas.openxmlformats.org/presentationml/2006/main" xmlns:r="http://schemas.openxmlformats.org/officeDocument/2006/relationships" type="objOnly" preserve="1">
+<p:sldLayout xmlns:a="http://schemas.openxmlformats.org/drawingml/2006/main" xmlns:r="http://schemas.openxmlformats.org/officeDocument/2006/relationships" xmlns:p="http://schemas.openxmlformats.org/presentationml/2006/main" type="objOnly" preserve="1">
   <p:cSld name="Centered Text">
     <p:spTree>
       <p:nvGrpSpPr>
@@ -3090,7 +3364,8 @@
           </a:prstGeom>
         </p:spPr>
         <p:txBody>
-          <a:bodyPr lIns="0" rIns="0" tIns="0" bIns="0" anchor="ctr"/>
+          <a:bodyPr lIns="0" tIns="0" rIns="0" bIns="0" anchor="ctr"/>
+          <a:lstStyle/>
           <a:p>
             <a:pPr algn="ctr"/>
             <a:endParaRPr/>
@@ -3099,11 +3374,14 @@
       </p:sp>
     </p:spTree>
   </p:cSld>
+  <p:clrMapOvr>
+    <a:masterClrMapping/>
+  </p:clrMapOvr>
 </p:sldLayout>
 </file>
 
 <file path=ppt/slideLayouts/slideLayout7.xml><?xml version="1.0" encoding="utf-8"?>
-<p:sldLayout xmlns:a="http://schemas.openxmlformats.org/drawingml/2006/main" xmlns:p="http://schemas.openxmlformats.org/presentationml/2006/main" xmlns:r="http://schemas.openxmlformats.org/officeDocument/2006/relationships" type="twoObjAndObj" preserve="1">
+<p:sldLayout xmlns:a="http://schemas.openxmlformats.org/drawingml/2006/main" xmlns:r="http://schemas.openxmlformats.org/officeDocument/2006/relationships" xmlns:p="http://schemas.openxmlformats.org/presentationml/2006/main" type="twoObjAndObj" preserve="1">
   <p:cSld name="Title, 2 Content and Content">
     <p:spTree>
       <p:nvGrpSpPr>
@@ -3139,7 +3417,8 @@
           </a:prstGeom>
         </p:spPr>
         <p:txBody>
-          <a:bodyPr lIns="0" rIns="0" tIns="0" bIns="0" anchor="ctr"/>
+          <a:bodyPr lIns="0" tIns="0" rIns="0" bIns="0" anchor="ctr"/>
+          <a:lstStyle/>
           <a:p>
             <a:pPr algn="ctr"/>
             <a:endParaRPr/>
@@ -3166,7 +3445,8 @@
           </a:prstGeom>
         </p:spPr>
         <p:txBody>
-          <a:bodyPr lIns="0" rIns="0" tIns="0" bIns="0"/>
+          <a:bodyPr lIns="0" tIns="0" rIns="0" bIns="0"/>
+          <a:lstStyle/>
           <a:p>
             <a:endParaRPr/>
           </a:p>
@@ -3192,7 +3472,8 @@
           </a:prstGeom>
         </p:spPr>
         <p:txBody>
-          <a:bodyPr lIns="0" rIns="0" tIns="0" bIns="0"/>
+          <a:bodyPr lIns="0" tIns="0" rIns="0" bIns="0"/>
+          <a:lstStyle/>
           <a:p>
             <a:endParaRPr/>
           </a:p>
@@ -3218,7 +3499,8 @@
           </a:prstGeom>
         </p:spPr>
         <p:txBody>
-          <a:bodyPr lIns="0" rIns="0" tIns="0" bIns="0"/>
+          <a:bodyPr lIns="0" tIns="0" rIns="0" bIns="0"/>
+          <a:lstStyle/>
           <a:p>
             <a:endParaRPr/>
           </a:p>
@@ -3226,11 +3508,14 @@
       </p:sp>
     </p:spTree>
   </p:cSld>
+  <p:clrMapOvr>
+    <a:masterClrMapping/>
+  </p:clrMapOvr>
 </p:sldLayout>
 </file>
 
 <file path=ppt/slideLayouts/slideLayout8.xml><?xml version="1.0" encoding="utf-8"?>
-<p:sldLayout xmlns:a="http://schemas.openxmlformats.org/drawingml/2006/main" xmlns:p="http://schemas.openxmlformats.org/presentationml/2006/main" xmlns:r="http://schemas.openxmlformats.org/officeDocument/2006/relationships" type="objAndTwoObj" preserve="1">
+<p:sldLayout xmlns:a="http://schemas.openxmlformats.org/drawingml/2006/main" xmlns:r="http://schemas.openxmlformats.org/officeDocument/2006/relationships" xmlns:p="http://schemas.openxmlformats.org/presentationml/2006/main" type="objAndTwoObj" preserve="1">
   <p:cSld name="Title Content and 2 Content">
     <p:spTree>
       <p:nvGrpSpPr>
@@ -3266,7 +3551,8 @@
           </a:prstGeom>
         </p:spPr>
         <p:txBody>
-          <a:bodyPr lIns="0" rIns="0" tIns="0" bIns="0" anchor="ctr"/>
+          <a:bodyPr lIns="0" tIns="0" rIns="0" bIns="0" anchor="ctr"/>
+          <a:lstStyle/>
           <a:p>
             <a:pPr algn="ctr"/>
             <a:endParaRPr/>
@@ -3293,7 +3579,8 @@
           </a:prstGeom>
         </p:spPr>
         <p:txBody>
-          <a:bodyPr lIns="0" rIns="0" tIns="0" bIns="0"/>
+          <a:bodyPr lIns="0" tIns="0" rIns="0" bIns="0"/>
+          <a:lstStyle/>
           <a:p>
             <a:endParaRPr/>
           </a:p>
@@ -3319,7 +3606,8 @@
           </a:prstGeom>
         </p:spPr>
         <p:txBody>
-          <a:bodyPr lIns="0" rIns="0" tIns="0" bIns="0"/>
+          <a:bodyPr lIns="0" tIns="0" rIns="0" bIns="0"/>
+          <a:lstStyle/>
           <a:p>
             <a:endParaRPr/>
           </a:p>
@@ -3345,7 +3633,8 @@
           </a:prstGeom>
         </p:spPr>
         <p:txBody>
-          <a:bodyPr lIns="0" rIns="0" tIns="0" bIns="0"/>
+          <a:bodyPr lIns="0" tIns="0" rIns="0" bIns="0"/>
+          <a:lstStyle/>
           <a:p>
             <a:endParaRPr/>
           </a:p>
@@ -3353,11 +3642,14 @@
       </p:sp>
     </p:spTree>
   </p:cSld>
+  <p:clrMapOvr>
+    <a:masterClrMapping/>
+  </p:clrMapOvr>
 </p:sldLayout>
 </file>
 
 <file path=ppt/slideLayouts/slideLayout9.xml><?xml version="1.0" encoding="utf-8"?>
-<p:sldLayout xmlns:a="http://schemas.openxmlformats.org/drawingml/2006/main" xmlns:p="http://schemas.openxmlformats.org/presentationml/2006/main" xmlns:r="http://schemas.openxmlformats.org/officeDocument/2006/relationships" type="twoObjOverTx" preserve="1">
+<p:sldLayout xmlns:a="http://schemas.openxmlformats.org/drawingml/2006/main" xmlns:r="http://schemas.openxmlformats.org/officeDocument/2006/relationships" xmlns:p="http://schemas.openxmlformats.org/presentationml/2006/main" type="twoObjOverTx" preserve="1">
   <p:cSld name="Title, 2 Content over Content">
     <p:spTree>
       <p:nvGrpSpPr>
@@ -3393,7 +3685,8 @@
           </a:prstGeom>
         </p:spPr>
         <p:txBody>
-          <a:bodyPr lIns="0" rIns="0" tIns="0" bIns="0" anchor="ctr"/>
+          <a:bodyPr lIns="0" tIns="0" rIns="0" bIns="0" anchor="ctr"/>
+          <a:lstStyle/>
           <a:p>
             <a:pPr algn="ctr"/>
             <a:endParaRPr/>
@@ -3420,7 +3713,8 @@
           </a:prstGeom>
         </p:spPr>
         <p:txBody>
-          <a:bodyPr lIns="0" rIns="0" tIns="0" bIns="0"/>
+          <a:bodyPr lIns="0" tIns="0" rIns="0" bIns="0"/>
+          <a:lstStyle/>
           <a:p>
             <a:endParaRPr/>
           </a:p>
@@ -3446,7 +3740,8 @@
           </a:prstGeom>
         </p:spPr>
         <p:txBody>
-          <a:bodyPr lIns="0" rIns="0" tIns="0" bIns="0"/>
+          <a:bodyPr lIns="0" tIns="0" rIns="0" bIns="0"/>
+          <a:lstStyle/>
           <a:p>
             <a:endParaRPr/>
           </a:p>
@@ -3472,7 +3767,8 @@
           </a:prstGeom>
         </p:spPr>
         <p:txBody>
-          <a:bodyPr lIns="0" rIns="0" tIns="0" bIns="0"/>
+          <a:bodyPr lIns="0" tIns="0" rIns="0" bIns="0"/>
+          <a:lstStyle/>
           <a:p>
             <a:endParaRPr/>
           </a:p>
@@ -3480,17 +3776,21 @@
       </p:sp>
     </p:spTree>
   </p:cSld>
+  <p:clrMapOvr>
+    <a:masterClrMapping/>
+  </p:clrMapOvr>
 </p:sldLayout>
 </file>
 
 <file path=ppt/slideMasters/slideMaster1.xml><?xml version="1.0" encoding="utf-8"?>
-<p:sldMaster xmlns:a="http://schemas.openxmlformats.org/drawingml/2006/main" xmlns:p="http://schemas.openxmlformats.org/presentationml/2006/main" xmlns:r="http://schemas.openxmlformats.org/officeDocument/2006/relationships">
+<p:sldMaster xmlns:a="http://schemas.openxmlformats.org/drawingml/2006/main" xmlns:r="http://schemas.openxmlformats.org/officeDocument/2006/relationships" xmlns:p="http://schemas.openxmlformats.org/presentationml/2006/main">
   <p:cSld>
     <p:bg>
       <p:bgPr>
         <a:solidFill>
-          <a:srgbClr val="ffffff"/>
+          <a:srgbClr val="FFFFFF"/>
         </a:solidFill>
+        <a:effectLst/>
       </p:bgPr>
     </p:bg>
     <p:spTree>
@@ -3509,7 +3809,7 @@
       </p:grpSpPr>
       <p:sp>
         <p:nvSpPr>
-          <p:cNvPr id="0" name="PlaceHolder 1"/>
+          <p:cNvPr id="2" name="PlaceHolder 1"/>
           <p:cNvSpPr>
             <a:spLocks noGrp="1"/>
           </p:cNvSpPr>
@@ -3527,7 +3827,8 @@
           </a:prstGeom>
         </p:spPr>
         <p:txBody>
-          <a:bodyPr lIns="0" rIns="0" tIns="0" bIns="0" anchor="ctr"/>
+          <a:bodyPr lIns="0" tIns="0" rIns="0" bIns="0" anchor="ctr"/>
+          <a:lstStyle/>
           <a:p>
             <a:r>
               <a:rPr lang="en-US">
@@ -3541,7 +3842,7 @@
       </p:sp>
       <p:sp>
         <p:nvSpPr>
-          <p:cNvPr id="1" name="PlaceHolder 2"/>
+          <p:cNvPr id="3" name="PlaceHolder 2"/>
           <p:cNvSpPr>
             <a:spLocks noGrp="1"/>
           </p:cNvSpPr>
@@ -3559,7 +3860,8 @@
           </a:prstGeom>
         </p:spPr>
         <p:txBody>
-          <a:bodyPr lIns="0" rIns="0" tIns="0" bIns="0"/>
+          <a:bodyPr lIns="0" tIns="0" rIns="0" bIns="0"/>
+          <a:lstStyle/>
           <a:p>
             <a:pPr>
               <a:buSzPct val="45000"/>
@@ -3662,32 +3964,313 @@
       </p:sp>
     </p:spTree>
   </p:cSld>
-  <p:clrMap bg1="lt1" bg2="lt2" tx1="dk1" tx2="dk2" accent1="accent1" accent2="accent2" accent3="accent3" accent4="accent4" accent5="accent5" accent6="accent6" hlink="hlink" folHlink="folHlink"/>
+  <p:clrMap bg1="lt1" tx1="dk1" bg2="lt2" tx2="dk2" accent1="accent1" accent2="accent2" accent3="accent3" accent4="accent4" accent5="accent5" accent6="accent6" hlink="hlink" folHlink="folHlink"/>
   <p:sldLayoutIdLst>
-    <p:sldLayoutId id="2147483649" r:id="rId2"/>
-    <p:sldLayoutId id="2147483650" r:id="rId3"/>
-    <p:sldLayoutId id="2147483651" r:id="rId4"/>
-    <p:sldLayoutId id="2147483652" r:id="rId5"/>
-    <p:sldLayoutId id="2147483653" r:id="rId6"/>
-    <p:sldLayoutId id="2147483654" r:id="rId7"/>
-    <p:sldLayoutId id="2147483655" r:id="rId8"/>
-    <p:sldLayoutId id="2147483656" r:id="rId9"/>
-    <p:sldLayoutId id="2147483657" r:id="rId10"/>
-    <p:sldLayoutId id="2147483658" r:id="rId11"/>
-    <p:sldLayoutId id="2147483659" r:id="rId12"/>
-    <p:sldLayoutId id="2147483660" r:id="rId13"/>
+    <p:sldLayoutId id="2147483649" r:id="rId1"/>
+    <p:sldLayoutId id="2147483650" r:id="rId2"/>
+    <p:sldLayoutId id="2147483651" r:id="rId3"/>
+    <p:sldLayoutId id="2147483652" r:id="rId4"/>
+    <p:sldLayoutId id="2147483653" r:id="rId5"/>
+    <p:sldLayoutId id="2147483654" r:id="rId6"/>
+    <p:sldLayoutId id="2147483655" r:id="rId7"/>
+    <p:sldLayoutId id="2147483656" r:id="rId8"/>
+    <p:sldLayoutId id="2147483657" r:id="rId9"/>
+    <p:sldLayoutId id="2147483658" r:id="rId10"/>
+    <p:sldLayoutId id="2147483659" r:id="rId11"/>
+    <p:sldLayoutId id="2147483660" r:id="rId12"/>
   </p:sldLayoutIdLst>
+  <p:txStyles>
+    <p:titleStyle>
+      <a:lvl1pPr algn="l" defTabSz="914400" rtl="0" eaLnBrk="1" latinLnBrk="0" hangingPunct="1">
+        <a:lnSpc>
+          <a:spcPct val="90000"/>
+        </a:lnSpc>
+        <a:spcBef>
+          <a:spcPct val="0"/>
+        </a:spcBef>
+        <a:buNone/>
+        <a:defRPr sz="4400" kern="1200">
+          <a:solidFill>
+            <a:schemeClr val="tx1"/>
+          </a:solidFill>
+          <a:latin typeface="+mj-lt"/>
+          <a:ea typeface="+mj-ea"/>
+          <a:cs typeface="+mj-cs"/>
+        </a:defRPr>
+      </a:lvl1pPr>
+    </p:titleStyle>
+    <p:bodyStyle>
+      <a:lvl1pPr marL="228600" indent="-228600" algn="l" defTabSz="914400" rtl="0" eaLnBrk="1" latinLnBrk="0" hangingPunct="1">
+        <a:lnSpc>
+          <a:spcPct val="90000"/>
+        </a:lnSpc>
+        <a:spcBef>
+          <a:spcPts val="1000"/>
+        </a:spcBef>
+        <a:buFont typeface="Arial"/>
+        <a:buChar char="•"/>
+        <a:defRPr sz="2800" kern="1200">
+          <a:solidFill>
+            <a:schemeClr val="tx1"/>
+          </a:solidFill>
+          <a:latin typeface="+mn-lt"/>
+          <a:ea typeface="+mn-ea"/>
+          <a:cs typeface="+mn-cs"/>
+        </a:defRPr>
+      </a:lvl1pPr>
+      <a:lvl2pPr marL="685800" indent="-228600" algn="l" defTabSz="914400" rtl="0" eaLnBrk="1" latinLnBrk="0" hangingPunct="1">
+        <a:lnSpc>
+          <a:spcPct val="90000"/>
+        </a:lnSpc>
+        <a:spcBef>
+          <a:spcPts val="500"/>
+        </a:spcBef>
+        <a:buFont typeface="Arial"/>
+        <a:buChar char="•"/>
+        <a:defRPr sz="2400" kern="1200">
+          <a:solidFill>
+            <a:schemeClr val="tx1"/>
+          </a:solidFill>
+          <a:latin typeface="+mn-lt"/>
+          <a:ea typeface="+mn-ea"/>
+          <a:cs typeface="+mn-cs"/>
+        </a:defRPr>
+      </a:lvl2pPr>
+      <a:lvl3pPr marL="1143000" indent="-228600" algn="l" defTabSz="914400" rtl="0" eaLnBrk="1" latinLnBrk="0" hangingPunct="1">
+        <a:lnSpc>
+          <a:spcPct val="90000"/>
+        </a:lnSpc>
+        <a:spcBef>
+          <a:spcPts val="500"/>
+        </a:spcBef>
+        <a:buFont typeface="Arial"/>
+        <a:buChar char="•"/>
+        <a:defRPr sz="2000" kern="1200">
+          <a:solidFill>
+            <a:schemeClr val="tx1"/>
+          </a:solidFill>
+          <a:latin typeface="+mn-lt"/>
+          <a:ea typeface="+mn-ea"/>
+          <a:cs typeface="+mn-cs"/>
+        </a:defRPr>
+      </a:lvl3pPr>
+      <a:lvl4pPr marL="1600200" indent="-228600" algn="l" defTabSz="914400" rtl="0" eaLnBrk="1" latinLnBrk="0" hangingPunct="1">
+        <a:lnSpc>
+          <a:spcPct val="90000"/>
+        </a:lnSpc>
+        <a:spcBef>
+          <a:spcPts val="500"/>
+        </a:spcBef>
+        <a:buFont typeface="Arial"/>
+        <a:buChar char="•"/>
+        <a:defRPr sz="1800" kern="1200">
+          <a:solidFill>
+            <a:schemeClr val="tx1"/>
+          </a:solidFill>
+          <a:latin typeface="+mn-lt"/>
+          <a:ea typeface="+mn-ea"/>
+          <a:cs typeface="+mn-cs"/>
+        </a:defRPr>
+      </a:lvl4pPr>
+      <a:lvl5pPr marL="2057400" indent="-228600" algn="l" defTabSz="914400" rtl="0" eaLnBrk="1" latinLnBrk="0" hangingPunct="1">
+        <a:lnSpc>
+          <a:spcPct val="90000"/>
+        </a:lnSpc>
+        <a:spcBef>
+          <a:spcPts val="500"/>
+        </a:spcBef>
+        <a:buFont typeface="Arial"/>
+        <a:buChar char="•"/>
+        <a:defRPr sz="1800" kern="1200">
+          <a:solidFill>
+            <a:schemeClr val="tx1"/>
+          </a:solidFill>
+          <a:latin typeface="+mn-lt"/>
+          <a:ea typeface="+mn-ea"/>
+          <a:cs typeface="+mn-cs"/>
+        </a:defRPr>
+      </a:lvl5pPr>
+      <a:lvl6pPr marL="2514600" indent="-228600" algn="l" defTabSz="914400" rtl="0" eaLnBrk="1" latinLnBrk="0" hangingPunct="1">
+        <a:lnSpc>
+          <a:spcPct val="90000"/>
+        </a:lnSpc>
+        <a:spcBef>
+          <a:spcPts val="500"/>
+        </a:spcBef>
+        <a:buFont typeface="Arial"/>
+        <a:buChar char="•"/>
+        <a:defRPr sz="1800" kern="1200">
+          <a:solidFill>
+            <a:schemeClr val="tx1"/>
+          </a:solidFill>
+          <a:latin typeface="+mn-lt"/>
+          <a:ea typeface="+mn-ea"/>
+          <a:cs typeface="+mn-cs"/>
+        </a:defRPr>
+      </a:lvl6pPr>
+      <a:lvl7pPr marL="2971800" indent="-228600" algn="l" defTabSz="914400" rtl="0" eaLnBrk="1" latinLnBrk="0" hangingPunct="1">
+        <a:lnSpc>
+          <a:spcPct val="90000"/>
+        </a:lnSpc>
+        <a:spcBef>
+          <a:spcPts val="500"/>
+        </a:spcBef>
+        <a:buFont typeface="Arial"/>
+        <a:buChar char="•"/>
+        <a:defRPr sz="1800" kern="1200">
+          <a:solidFill>
+            <a:schemeClr val="tx1"/>
+          </a:solidFill>
+          <a:latin typeface="+mn-lt"/>
+          <a:ea typeface="+mn-ea"/>
+          <a:cs typeface="+mn-cs"/>
+        </a:defRPr>
+      </a:lvl7pPr>
+      <a:lvl8pPr marL="3429000" indent="-228600" algn="l" defTabSz="914400" rtl="0" eaLnBrk="1" latinLnBrk="0" hangingPunct="1">
+        <a:lnSpc>
+          <a:spcPct val="90000"/>
+        </a:lnSpc>
+        <a:spcBef>
+          <a:spcPts val="500"/>
+        </a:spcBef>
+        <a:buFont typeface="Arial"/>
+        <a:buChar char="•"/>
+        <a:defRPr sz="1800" kern="1200">
+          <a:solidFill>
+            <a:schemeClr val="tx1"/>
+          </a:solidFill>
+          <a:latin typeface="+mn-lt"/>
+          <a:ea typeface="+mn-ea"/>
+          <a:cs typeface="+mn-cs"/>
+        </a:defRPr>
+      </a:lvl8pPr>
+      <a:lvl9pPr marL="3886200" indent="-228600" algn="l" defTabSz="914400" rtl="0" eaLnBrk="1" latinLnBrk="0" hangingPunct="1">
+        <a:lnSpc>
+          <a:spcPct val="90000"/>
+        </a:lnSpc>
+        <a:spcBef>
+          <a:spcPts val="500"/>
+        </a:spcBef>
+        <a:buFont typeface="Arial"/>
+        <a:buChar char="•"/>
+        <a:defRPr sz="1800" kern="1200">
+          <a:solidFill>
+            <a:schemeClr val="tx1"/>
+          </a:solidFill>
+          <a:latin typeface="+mn-lt"/>
+          <a:ea typeface="+mn-ea"/>
+          <a:cs typeface="+mn-cs"/>
+        </a:defRPr>
+      </a:lvl9pPr>
+    </p:bodyStyle>
+    <p:otherStyle>
+      <a:defPPr>
+        <a:defRPr lang="zh-CN"/>
+      </a:defPPr>
+      <a:lvl1pPr marL="0" algn="l" defTabSz="914400" rtl="0" eaLnBrk="1" latinLnBrk="0" hangingPunct="1">
+        <a:defRPr sz="1800" kern="1200">
+          <a:solidFill>
+            <a:schemeClr val="tx1"/>
+          </a:solidFill>
+          <a:latin typeface="+mn-lt"/>
+          <a:ea typeface="+mn-ea"/>
+          <a:cs typeface="+mn-cs"/>
+        </a:defRPr>
+      </a:lvl1pPr>
+      <a:lvl2pPr marL="457200" algn="l" defTabSz="914400" rtl="0" eaLnBrk="1" latinLnBrk="0" hangingPunct="1">
+        <a:defRPr sz="1800" kern="1200">
+          <a:solidFill>
+            <a:schemeClr val="tx1"/>
+          </a:solidFill>
+          <a:latin typeface="+mn-lt"/>
+          <a:ea typeface="+mn-ea"/>
+          <a:cs typeface="+mn-cs"/>
+        </a:defRPr>
+      </a:lvl2pPr>
+      <a:lvl3pPr marL="914400" algn="l" defTabSz="914400" rtl="0" eaLnBrk="1" latinLnBrk="0" hangingPunct="1">
+        <a:defRPr sz="1800" kern="1200">
+          <a:solidFill>
+            <a:schemeClr val="tx1"/>
+          </a:solidFill>
+          <a:latin typeface="+mn-lt"/>
+          <a:ea typeface="+mn-ea"/>
+          <a:cs typeface="+mn-cs"/>
+        </a:defRPr>
+      </a:lvl3pPr>
+      <a:lvl4pPr marL="1371600" algn="l" defTabSz="914400" rtl="0" eaLnBrk="1" latinLnBrk="0" hangingPunct="1">
+        <a:defRPr sz="1800" kern="1200">
+          <a:solidFill>
+            <a:schemeClr val="tx1"/>
+          </a:solidFill>
+          <a:latin typeface="+mn-lt"/>
+          <a:ea typeface="+mn-ea"/>
+          <a:cs typeface="+mn-cs"/>
+        </a:defRPr>
+      </a:lvl4pPr>
+      <a:lvl5pPr marL="1828800" algn="l" defTabSz="914400" rtl="0" eaLnBrk="1" latinLnBrk="0" hangingPunct="1">
+        <a:defRPr sz="1800" kern="1200">
+          <a:solidFill>
+            <a:schemeClr val="tx1"/>
+          </a:solidFill>
+          <a:latin typeface="+mn-lt"/>
+          <a:ea typeface="+mn-ea"/>
+          <a:cs typeface="+mn-cs"/>
+        </a:defRPr>
+      </a:lvl5pPr>
+      <a:lvl6pPr marL="2286000" algn="l" defTabSz="914400" rtl="0" eaLnBrk="1" latinLnBrk="0" hangingPunct="1">
+        <a:defRPr sz="1800" kern="1200">
+          <a:solidFill>
+            <a:schemeClr val="tx1"/>
+          </a:solidFill>
+          <a:latin typeface="+mn-lt"/>
+          <a:ea typeface="+mn-ea"/>
+          <a:cs typeface="+mn-cs"/>
+        </a:defRPr>
+      </a:lvl6pPr>
+      <a:lvl7pPr marL="2743200" algn="l" defTabSz="914400" rtl="0" eaLnBrk="1" latinLnBrk="0" hangingPunct="1">
+        <a:defRPr sz="1800" kern="1200">
+          <a:solidFill>
+            <a:schemeClr val="tx1"/>
+          </a:solidFill>
+          <a:latin typeface="+mn-lt"/>
+          <a:ea typeface="+mn-ea"/>
+          <a:cs typeface="+mn-cs"/>
+        </a:defRPr>
+      </a:lvl7pPr>
+      <a:lvl8pPr marL="3200400" algn="l" defTabSz="914400" rtl="0" eaLnBrk="1" latinLnBrk="0" hangingPunct="1">
+        <a:defRPr sz="1800" kern="1200">
+          <a:solidFill>
+            <a:schemeClr val="tx1"/>
+          </a:solidFill>
+          <a:latin typeface="+mn-lt"/>
+          <a:ea typeface="+mn-ea"/>
+          <a:cs typeface="+mn-cs"/>
+        </a:defRPr>
+      </a:lvl8pPr>
+      <a:lvl9pPr marL="3657600" algn="l" defTabSz="914400" rtl="0" eaLnBrk="1" latinLnBrk="0" hangingPunct="1">
+        <a:defRPr sz="1800" kern="1200">
+          <a:solidFill>
+            <a:schemeClr val="tx1"/>
+          </a:solidFill>
+          <a:latin typeface="+mn-lt"/>
+          <a:ea typeface="+mn-ea"/>
+          <a:cs typeface="+mn-cs"/>
+        </a:defRPr>
+      </a:lvl9pPr>
+    </p:otherStyle>
+  </p:txStyles>
 </p:sldMaster>
 </file>
 
 <file path=ppt/slideMasters/slideMaster2.xml><?xml version="1.0" encoding="utf-8"?>
-<p:sldMaster xmlns:a="http://schemas.openxmlformats.org/drawingml/2006/main" xmlns:p="http://schemas.openxmlformats.org/presentationml/2006/main" xmlns:r="http://schemas.openxmlformats.org/officeDocument/2006/relationships">
+<p:sldMaster xmlns:a="http://schemas.openxmlformats.org/drawingml/2006/main" xmlns:r="http://schemas.openxmlformats.org/officeDocument/2006/relationships" xmlns:p="http://schemas.openxmlformats.org/presentationml/2006/main">
   <p:cSld>
     <p:bg>
       <p:bgPr>
         <a:solidFill>
-          <a:srgbClr val="ffffff"/>
+          <a:srgbClr val="FFFFFF"/>
         </a:solidFill>
+        <a:effectLst/>
       </p:bgPr>
     </p:bg>
     <p:spTree>
@@ -3724,7 +4307,8 @@
           </a:prstGeom>
         </p:spPr>
         <p:txBody>
-          <a:bodyPr lIns="0" rIns="0" tIns="0" bIns="0" anchor="ctr"/>
+          <a:bodyPr lIns="0" tIns="0" rIns="0" bIns="0" anchor="ctr"/>
+          <a:lstStyle/>
           <a:p>
             <a:r>
               <a:rPr lang="en-US">
@@ -3756,7 +4340,8 @@
           </a:prstGeom>
         </p:spPr>
         <p:txBody>
-          <a:bodyPr lIns="0" rIns="0" tIns="0" bIns="0"/>
+          <a:bodyPr lIns="0" tIns="0" rIns="0" bIns="0"/>
+          <a:lstStyle/>
           <a:p>
             <a:pPr>
               <a:buSzPct val="45000"/>
@@ -3859,32 +4444,313 @@
       </p:sp>
     </p:spTree>
   </p:cSld>
-  <p:clrMap bg1="lt1" bg2="lt2" tx1="dk1" tx2="dk2" accent1="accent1" accent2="accent2" accent3="accent3" accent4="accent4" accent5="accent5" accent6="accent6" hlink="hlink" folHlink="folHlink"/>
+  <p:clrMap bg1="lt1" tx1="dk1" bg2="lt2" tx2="dk2" accent1="accent1" accent2="accent2" accent3="accent3" accent4="accent4" accent5="accent5" accent6="accent6" hlink="hlink" folHlink="folHlink"/>
   <p:sldLayoutIdLst>
-    <p:sldLayoutId id="2147483662" r:id="rId2"/>
-    <p:sldLayoutId id="2147483663" r:id="rId3"/>
-    <p:sldLayoutId id="2147483664" r:id="rId4"/>
-    <p:sldLayoutId id="2147483665" r:id="rId5"/>
-    <p:sldLayoutId id="2147483666" r:id="rId6"/>
-    <p:sldLayoutId id="2147483667" r:id="rId7"/>
-    <p:sldLayoutId id="2147483668" r:id="rId8"/>
-    <p:sldLayoutId id="2147483669" r:id="rId9"/>
-    <p:sldLayoutId id="2147483670" r:id="rId10"/>
-    <p:sldLayoutId id="2147483671" r:id="rId11"/>
-    <p:sldLayoutId id="2147483672" r:id="rId12"/>
-    <p:sldLayoutId id="2147483673" r:id="rId13"/>
+    <p:sldLayoutId id="2147483662" r:id="rId1"/>
+    <p:sldLayoutId id="2147483663" r:id="rId2"/>
+    <p:sldLayoutId id="2147483664" r:id="rId3"/>
+    <p:sldLayoutId id="2147483665" r:id="rId4"/>
+    <p:sldLayoutId id="2147483666" r:id="rId5"/>
+    <p:sldLayoutId id="2147483667" r:id="rId6"/>
+    <p:sldLayoutId id="2147483668" r:id="rId7"/>
+    <p:sldLayoutId id="2147483669" r:id="rId8"/>
+    <p:sldLayoutId id="2147483670" r:id="rId9"/>
+    <p:sldLayoutId id="2147483671" r:id="rId10"/>
+    <p:sldLayoutId id="2147483672" r:id="rId11"/>
+    <p:sldLayoutId id="2147483673" r:id="rId12"/>
   </p:sldLayoutIdLst>
+  <p:txStyles>
+    <p:titleStyle>
+      <a:lvl1pPr algn="l" defTabSz="914400" rtl="0" eaLnBrk="1" latinLnBrk="0" hangingPunct="1">
+        <a:lnSpc>
+          <a:spcPct val="90000"/>
+        </a:lnSpc>
+        <a:spcBef>
+          <a:spcPct val="0"/>
+        </a:spcBef>
+        <a:buNone/>
+        <a:defRPr sz="4400" kern="1200">
+          <a:solidFill>
+            <a:schemeClr val="tx1"/>
+          </a:solidFill>
+          <a:latin typeface="+mj-lt"/>
+          <a:ea typeface="+mj-ea"/>
+          <a:cs typeface="+mj-cs"/>
+        </a:defRPr>
+      </a:lvl1pPr>
+    </p:titleStyle>
+    <p:bodyStyle>
+      <a:lvl1pPr marL="228600" indent="-228600" algn="l" defTabSz="914400" rtl="0" eaLnBrk="1" latinLnBrk="0" hangingPunct="1">
+        <a:lnSpc>
+          <a:spcPct val="90000"/>
+        </a:lnSpc>
+        <a:spcBef>
+          <a:spcPts val="1000"/>
+        </a:spcBef>
+        <a:buFont typeface="Arial"/>
+        <a:buChar char="•"/>
+        <a:defRPr sz="2800" kern="1200">
+          <a:solidFill>
+            <a:schemeClr val="tx1"/>
+          </a:solidFill>
+          <a:latin typeface="+mn-lt"/>
+          <a:ea typeface="+mn-ea"/>
+          <a:cs typeface="+mn-cs"/>
+        </a:defRPr>
+      </a:lvl1pPr>
+      <a:lvl2pPr marL="685800" indent="-228600" algn="l" defTabSz="914400" rtl="0" eaLnBrk="1" latinLnBrk="0" hangingPunct="1">
+        <a:lnSpc>
+          <a:spcPct val="90000"/>
+        </a:lnSpc>
+        <a:spcBef>
+          <a:spcPts val="500"/>
+        </a:spcBef>
+        <a:buFont typeface="Arial"/>
+        <a:buChar char="•"/>
+        <a:defRPr sz="2400" kern="1200">
+          <a:solidFill>
+            <a:schemeClr val="tx1"/>
+          </a:solidFill>
+          <a:latin typeface="+mn-lt"/>
+          <a:ea typeface="+mn-ea"/>
+          <a:cs typeface="+mn-cs"/>
+        </a:defRPr>
+      </a:lvl2pPr>
+      <a:lvl3pPr marL="1143000" indent="-228600" algn="l" defTabSz="914400" rtl="0" eaLnBrk="1" latinLnBrk="0" hangingPunct="1">
+        <a:lnSpc>
+          <a:spcPct val="90000"/>
+        </a:lnSpc>
+        <a:spcBef>
+          <a:spcPts val="500"/>
+        </a:spcBef>
+        <a:buFont typeface="Arial"/>
+        <a:buChar char="•"/>
+        <a:defRPr sz="2000" kern="1200">
+          <a:solidFill>
+            <a:schemeClr val="tx1"/>
+          </a:solidFill>
+          <a:latin typeface="+mn-lt"/>
+          <a:ea typeface="+mn-ea"/>
+          <a:cs typeface="+mn-cs"/>
+        </a:defRPr>
+      </a:lvl3pPr>
+      <a:lvl4pPr marL="1600200" indent="-228600" algn="l" defTabSz="914400" rtl="0" eaLnBrk="1" latinLnBrk="0" hangingPunct="1">
+        <a:lnSpc>
+          <a:spcPct val="90000"/>
+        </a:lnSpc>
+        <a:spcBef>
+          <a:spcPts val="500"/>
+        </a:spcBef>
+        <a:buFont typeface="Arial"/>
+        <a:buChar char="•"/>
+        <a:defRPr sz="1800" kern="1200">
+          <a:solidFill>
+            <a:schemeClr val="tx1"/>
+          </a:solidFill>
+          <a:latin typeface="+mn-lt"/>
+          <a:ea typeface="+mn-ea"/>
+          <a:cs typeface="+mn-cs"/>
+        </a:defRPr>
+      </a:lvl4pPr>
+      <a:lvl5pPr marL="2057400" indent="-228600" algn="l" defTabSz="914400" rtl="0" eaLnBrk="1" latinLnBrk="0" hangingPunct="1">
+        <a:lnSpc>
+          <a:spcPct val="90000"/>
+        </a:lnSpc>
+        <a:spcBef>
+          <a:spcPts val="500"/>
+        </a:spcBef>
+        <a:buFont typeface="Arial"/>
+        <a:buChar char="•"/>
+        <a:defRPr sz="1800" kern="1200">
+          <a:solidFill>
+            <a:schemeClr val="tx1"/>
+          </a:solidFill>
+          <a:latin typeface="+mn-lt"/>
+          <a:ea typeface="+mn-ea"/>
+          <a:cs typeface="+mn-cs"/>
+        </a:defRPr>
+      </a:lvl5pPr>
+      <a:lvl6pPr marL="2514600" indent="-228600" algn="l" defTabSz="914400" rtl="0" eaLnBrk="1" latinLnBrk="0" hangingPunct="1">
+        <a:lnSpc>
+          <a:spcPct val="90000"/>
+        </a:lnSpc>
+        <a:spcBef>
+          <a:spcPts val="500"/>
+        </a:spcBef>
+        <a:buFont typeface="Arial"/>
+        <a:buChar char="•"/>
+        <a:defRPr sz="1800" kern="1200">
+          <a:solidFill>
+            <a:schemeClr val="tx1"/>
+          </a:solidFill>
+          <a:latin typeface="+mn-lt"/>
+          <a:ea typeface="+mn-ea"/>
+          <a:cs typeface="+mn-cs"/>
+        </a:defRPr>
+      </a:lvl6pPr>
+      <a:lvl7pPr marL="2971800" indent="-228600" algn="l" defTabSz="914400" rtl="0" eaLnBrk="1" latinLnBrk="0" hangingPunct="1">
+        <a:lnSpc>
+          <a:spcPct val="90000"/>
+        </a:lnSpc>
+        <a:spcBef>
+          <a:spcPts val="500"/>
+        </a:spcBef>
+        <a:buFont typeface="Arial"/>
+        <a:buChar char="•"/>
+        <a:defRPr sz="1800" kern="1200">
+          <a:solidFill>
+            <a:schemeClr val="tx1"/>
+          </a:solidFill>
+          <a:latin typeface="+mn-lt"/>
+          <a:ea typeface="+mn-ea"/>
+          <a:cs typeface="+mn-cs"/>
+        </a:defRPr>
+      </a:lvl7pPr>
+      <a:lvl8pPr marL="3429000" indent="-228600" algn="l" defTabSz="914400" rtl="0" eaLnBrk="1" latinLnBrk="0" hangingPunct="1">
+        <a:lnSpc>
+          <a:spcPct val="90000"/>
+        </a:lnSpc>
+        <a:spcBef>
+          <a:spcPts val="500"/>
+        </a:spcBef>
+        <a:buFont typeface="Arial"/>
+        <a:buChar char="•"/>
+        <a:defRPr sz="1800" kern="1200">
+          <a:solidFill>
+            <a:schemeClr val="tx1"/>
+          </a:solidFill>
+          <a:latin typeface="+mn-lt"/>
+          <a:ea typeface="+mn-ea"/>
+          <a:cs typeface="+mn-cs"/>
+        </a:defRPr>
+      </a:lvl8pPr>
+      <a:lvl9pPr marL="3886200" indent="-228600" algn="l" defTabSz="914400" rtl="0" eaLnBrk="1" latinLnBrk="0" hangingPunct="1">
+        <a:lnSpc>
+          <a:spcPct val="90000"/>
+        </a:lnSpc>
+        <a:spcBef>
+          <a:spcPts val="500"/>
+        </a:spcBef>
+        <a:buFont typeface="Arial"/>
+        <a:buChar char="•"/>
+        <a:defRPr sz="1800" kern="1200">
+          <a:solidFill>
+            <a:schemeClr val="tx1"/>
+          </a:solidFill>
+          <a:latin typeface="+mn-lt"/>
+          <a:ea typeface="+mn-ea"/>
+          <a:cs typeface="+mn-cs"/>
+        </a:defRPr>
+      </a:lvl9pPr>
+    </p:bodyStyle>
+    <p:otherStyle>
+      <a:defPPr>
+        <a:defRPr lang="zh-CN"/>
+      </a:defPPr>
+      <a:lvl1pPr marL="0" algn="l" defTabSz="914400" rtl="0" eaLnBrk="1" latinLnBrk="0" hangingPunct="1">
+        <a:defRPr sz="1800" kern="1200">
+          <a:solidFill>
+            <a:schemeClr val="tx1"/>
+          </a:solidFill>
+          <a:latin typeface="+mn-lt"/>
+          <a:ea typeface="+mn-ea"/>
+          <a:cs typeface="+mn-cs"/>
+        </a:defRPr>
+      </a:lvl1pPr>
+      <a:lvl2pPr marL="457200" algn="l" defTabSz="914400" rtl="0" eaLnBrk="1" latinLnBrk="0" hangingPunct="1">
+        <a:defRPr sz="1800" kern="1200">
+          <a:solidFill>
+            <a:schemeClr val="tx1"/>
+          </a:solidFill>
+          <a:latin typeface="+mn-lt"/>
+          <a:ea typeface="+mn-ea"/>
+          <a:cs typeface="+mn-cs"/>
+        </a:defRPr>
+      </a:lvl2pPr>
+      <a:lvl3pPr marL="914400" algn="l" defTabSz="914400" rtl="0" eaLnBrk="1" latinLnBrk="0" hangingPunct="1">
+        <a:defRPr sz="1800" kern="1200">
+          <a:solidFill>
+            <a:schemeClr val="tx1"/>
+          </a:solidFill>
+          <a:latin typeface="+mn-lt"/>
+          <a:ea typeface="+mn-ea"/>
+          <a:cs typeface="+mn-cs"/>
+        </a:defRPr>
+      </a:lvl3pPr>
+      <a:lvl4pPr marL="1371600" algn="l" defTabSz="914400" rtl="0" eaLnBrk="1" latinLnBrk="0" hangingPunct="1">
+        <a:defRPr sz="1800" kern="1200">
+          <a:solidFill>
+            <a:schemeClr val="tx1"/>
+          </a:solidFill>
+          <a:latin typeface="+mn-lt"/>
+          <a:ea typeface="+mn-ea"/>
+          <a:cs typeface="+mn-cs"/>
+        </a:defRPr>
+      </a:lvl4pPr>
+      <a:lvl5pPr marL="1828800" algn="l" defTabSz="914400" rtl="0" eaLnBrk="1" latinLnBrk="0" hangingPunct="1">
+        <a:defRPr sz="1800" kern="1200">
+          <a:solidFill>
+            <a:schemeClr val="tx1"/>
+          </a:solidFill>
+          <a:latin typeface="+mn-lt"/>
+          <a:ea typeface="+mn-ea"/>
+          <a:cs typeface="+mn-cs"/>
+        </a:defRPr>
+      </a:lvl5pPr>
+      <a:lvl6pPr marL="2286000" algn="l" defTabSz="914400" rtl="0" eaLnBrk="1" latinLnBrk="0" hangingPunct="1">
+        <a:defRPr sz="1800" kern="1200">
+          <a:solidFill>
+            <a:schemeClr val="tx1"/>
+          </a:solidFill>
+          <a:latin typeface="+mn-lt"/>
+          <a:ea typeface="+mn-ea"/>
+          <a:cs typeface="+mn-cs"/>
+        </a:defRPr>
+      </a:lvl6pPr>
+      <a:lvl7pPr marL="2743200" algn="l" defTabSz="914400" rtl="0" eaLnBrk="1" latinLnBrk="0" hangingPunct="1">
+        <a:defRPr sz="1800" kern="1200">
+          <a:solidFill>
+            <a:schemeClr val="tx1"/>
+          </a:solidFill>
+          <a:latin typeface="+mn-lt"/>
+          <a:ea typeface="+mn-ea"/>
+          <a:cs typeface="+mn-cs"/>
+        </a:defRPr>
+      </a:lvl7pPr>
+      <a:lvl8pPr marL="3200400" algn="l" defTabSz="914400" rtl="0" eaLnBrk="1" latinLnBrk="0" hangingPunct="1">
+        <a:defRPr sz="1800" kern="1200">
+          <a:solidFill>
+            <a:schemeClr val="tx1"/>
+          </a:solidFill>
+          <a:latin typeface="+mn-lt"/>
+          <a:ea typeface="+mn-ea"/>
+          <a:cs typeface="+mn-cs"/>
+        </a:defRPr>
+      </a:lvl8pPr>
+      <a:lvl9pPr marL="3657600" algn="l" defTabSz="914400" rtl="0" eaLnBrk="1" latinLnBrk="0" hangingPunct="1">
+        <a:defRPr sz="1800" kern="1200">
+          <a:solidFill>
+            <a:schemeClr val="tx1"/>
+          </a:solidFill>
+          <a:latin typeface="+mn-lt"/>
+          <a:ea typeface="+mn-ea"/>
+          <a:cs typeface="+mn-cs"/>
+        </a:defRPr>
+      </a:lvl9pPr>
+    </p:otherStyle>
+  </p:txStyles>
 </p:sldMaster>
 </file>
 
 <file path=ppt/slideMasters/slideMaster3.xml><?xml version="1.0" encoding="utf-8"?>
-<p:sldMaster xmlns:a="http://schemas.openxmlformats.org/drawingml/2006/main" xmlns:p="http://schemas.openxmlformats.org/presentationml/2006/main" xmlns:r="http://schemas.openxmlformats.org/officeDocument/2006/relationships">
+<p:sldMaster xmlns:a="http://schemas.openxmlformats.org/drawingml/2006/main" xmlns:r="http://schemas.openxmlformats.org/officeDocument/2006/relationships" xmlns:p="http://schemas.openxmlformats.org/presentationml/2006/main">
   <p:cSld>
     <p:bg>
       <p:bgPr>
         <a:solidFill>
-          <a:srgbClr val="ffffff"/>
+          <a:srgbClr val="FFFFFF"/>
         </a:solidFill>
+        <a:effectLst/>
       </p:bgPr>
     </p:bg>
     <p:spTree>
@@ -3921,7 +4787,8 @@
           </a:prstGeom>
         </p:spPr>
         <p:txBody>
-          <a:bodyPr lIns="0" rIns="0" tIns="0" bIns="0" anchor="ctr"/>
+          <a:bodyPr lIns="0" tIns="0" rIns="0" bIns="0" anchor="ctr"/>
+          <a:lstStyle/>
           <a:p>
             <a:r>
               <a:rPr lang="en-US">
@@ -3953,7 +4820,8 @@
           </a:prstGeom>
         </p:spPr>
         <p:txBody>
-          <a:bodyPr lIns="0" rIns="0" tIns="0" bIns="0"/>
+          <a:bodyPr lIns="0" tIns="0" rIns="0" bIns="0"/>
+          <a:lstStyle/>
           <a:p>
             <a:pPr>
               <a:buSzPct val="45000"/>
@@ -4056,26 +4924,306 @@
       </p:sp>
     </p:spTree>
   </p:cSld>
-  <p:clrMap bg1="lt1" bg2="lt2" tx1="dk1" tx2="dk2" accent1="accent1" accent2="accent2" accent3="accent3" accent4="accent4" accent5="accent5" accent6="accent6" hlink="hlink" folHlink="folHlink"/>
+  <p:clrMap bg1="lt1" tx1="dk1" bg2="lt2" tx2="dk2" accent1="accent1" accent2="accent2" accent3="accent3" accent4="accent4" accent5="accent5" accent6="accent6" hlink="hlink" folHlink="folHlink"/>
   <p:sldLayoutIdLst>
-    <p:sldLayoutId id="2147483675" r:id="rId2"/>
-    <p:sldLayoutId id="2147483676" r:id="rId3"/>
-    <p:sldLayoutId id="2147483677" r:id="rId4"/>
-    <p:sldLayoutId id="2147483678" r:id="rId5"/>
-    <p:sldLayoutId id="2147483679" r:id="rId6"/>
-    <p:sldLayoutId id="2147483680" r:id="rId7"/>
-    <p:sldLayoutId id="2147483681" r:id="rId8"/>
-    <p:sldLayoutId id="2147483682" r:id="rId9"/>
-    <p:sldLayoutId id="2147483683" r:id="rId10"/>
-    <p:sldLayoutId id="2147483684" r:id="rId11"/>
-    <p:sldLayoutId id="2147483685" r:id="rId12"/>
-    <p:sldLayoutId id="2147483686" r:id="rId13"/>
+    <p:sldLayoutId id="2147483675" r:id="rId1"/>
+    <p:sldLayoutId id="2147483676" r:id="rId2"/>
+    <p:sldLayoutId id="2147483677" r:id="rId3"/>
+    <p:sldLayoutId id="2147483678" r:id="rId4"/>
+    <p:sldLayoutId id="2147483679" r:id="rId5"/>
+    <p:sldLayoutId id="2147483680" r:id="rId6"/>
+    <p:sldLayoutId id="2147483681" r:id="rId7"/>
+    <p:sldLayoutId id="2147483682" r:id="rId8"/>
+    <p:sldLayoutId id="2147483683" r:id="rId9"/>
+    <p:sldLayoutId id="2147483684" r:id="rId10"/>
+    <p:sldLayoutId id="2147483685" r:id="rId11"/>
+    <p:sldLayoutId id="2147483686" r:id="rId12"/>
   </p:sldLayoutIdLst>
+  <p:txStyles>
+    <p:titleStyle>
+      <a:lvl1pPr algn="l" defTabSz="914400" rtl="0" eaLnBrk="1" latinLnBrk="0" hangingPunct="1">
+        <a:lnSpc>
+          <a:spcPct val="90000"/>
+        </a:lnSpc>
+        <a:spcBef>
+          <a:spcPct val="0"/>
+        </a:spcBef>
+        <a:buNone/>
+        <a:defRPr sz="4400" kern="1200">
+          <a:solidFill>
+            <a:schemeClr val="tx1"/>
+          </a:solidFill>
+          <a:latin typeface="+mj-lt"/>
+          <a:ea typeface="+mj-ea"/>
+          <a:cs typeface="+mj-cs"/>
+        </a:defRPr>
+      </a:lvl1pPr>
+    </p:titleStyle>
+    <p:bodyStyle>
+      <a:lvl1pPr marL="228600" indent="-228600" algn="l" defTabSz="914400" rtl="0" eaLnBrk="1" latinLnBrk="0" hangingPunct="1">
+        <a:lnSpc>
+          <a:spcPct val="90000"/>
+        </a:lnSpc>
+        <a:spcBef>
+          <a:spcPts val="1000"/>
+        </a:spcBef>
+        <a:buFont typeface="Arial"/>
+        <a:buChar char="•"/>
+        <a:defRPr sz="2800" kern="1200">
+          <a:solidFill>
+            <a:schemeClr val="tx1"/>
+          </a:solidFill>
+          <a:latin typeface="+mn-lt"/>
+          <a:ea typeface="+mn-ea"/>
+          <a:cs typeface="+mn-cs"/>
+        </a:defRPr>
+      </a:lvl1pPr>
+      <a:lvl2pPr marL="685800" indent="-228600" algn="l" defTabSz="914400" rtl="0" eaLnBrk="1" latinLnBrk="0" hangingPunct="1">
+        <a:lnSpc>
+          <a:spcPct val="90000"/>
+        </a:lnSpc>
+        <a:spcBef>
+          <a:spcPts val="500"/>
+        </a:spcBef>
+        <a:buFont typeface="Arial"/>
+        <a:buChar char="•"/>
+        <a:defRPr sz="2400" kern="1200">
+          <a:solidFill>
+            <a:schemeClr val="tx1"/>
+          </a:solidFill>
+          <a:latin typeface="+mn-lt"/>
+          <a:ea typeface="+mn-ea"/>
+          <a:cs typeface="+mn-cs"/>
+        </a:defRPr>
+      </a:lvl2pPr>
+      <a:lvl3pPr marL="1143000" indent="-228600" algn="l" defTabSz="914400" rtl="0" eaLnBrk="1" latinLnBrk="0" hangingPunct="1">
+        <a:lnSpc>
+          <a:spcPct val="90000"/>
+        </a:lnSpc>
+        <a:spcBef>
+          <a:spcPts val="500"/>
+        </a:spcBef>
+        <a:buFont typeface="Arial"/>
+        <a:buChar char="•"/>
+        <a:defRPr sz="2000" kern="1200">
+          <a:solidFill>
+            <a:schemeClr val="tx1"/>
+          </a:solidFill>
+          <a:latin typeface="+mn-lt"/>
+          <a:ea typeface="+mn-ea"/>
+          <a:cs typeface="+mn-cs"/>
+        </a:defRPr>
+      </a:lvl3pPr>
+      <a:lvl4pPr marL="1600200" indent="-228600" algn="l" defTabSz="914400" rtl="0" eaLnBrk="1" latinLnBrk="0" hangingPunct="1">
+        <a:lnSpc>
+          <a:spcPct val="90000"/>
+        </a:lnSpc>
+        <a:spcBef>
+          <a:spcPts val="500"/>
+        </a:spcBef>
+        <a:buFont typeface="Arial"/>
+        <a:buChar char="•"/>
+        <a:defRPr sz="1800" kern="1200">
+          <a:solidFill>
+            <a:schemeClr val="tx1"/>
+          </a:solidFill>
+          <a:latin typeface="+mn-lt"/>
+          <a:ea typeface="+mn-ea"/>
+          <a:cs typeface="+mn-cs"/>
+        </a:defRPr>
+      </a:lvl4pPr>
+      <a:lvl5pPr marL="2057400" indent="-228600" algn="l" defTabSz="914400" rtl="0" eaLnBrk="1" latinLnBrk="0" hangingPunct="1">
+        <a:lnSpc>
+          <a:spcPct val="90000"/>
+        </a:lnSpc>
+        <a:spcBef>
+          <a:spcPts val="500"/>
+        </a:spcBef>
+        <a:buFont typeface="Arial"/>
+        <a:buChar char="•"/>
+        <a:defRPr sz="1800" kern="1200">
+          <a:solidFill>
+            <a:schemeClr val="tx1"/>
+          </a:solidFill>
+          <a:latin typeface="+mn-lt"/>
+          <a:ea typeface="+mn-ea"/>
+          <a:cs typeface="+mn-cs"/>
+        </a:defRPr>
+      </a:lvl5pPr>
+      <a:lvl6pPr marL="2514600" indent="-228600" algn="l" defTabSz="914400" rtl="0" eaLnBrk="1" latinLnBrk="0" hangingPunct="1">
+        <a:lnSpc>
+          <a:spcPct val="90000"/>
+        </a:lnSpc>
+        <a:spcBef>
+          <a:spcPts val="500"/>
+        </a:spcBef>
+        <a:buFont typeface="Arial"/>
+        <a:buChar char="•"/>
+        <a:defRPr sz="1800" kern="1200">
+          <a:solidFill>
+            <a:schemeClr val="tx1"/>
+          </a:solidFill>
+          <a:latin typeface="+mn-lt"/>
+          <a:ea typeface="+mn-ea"/>
+          <a:cs typeface="+mn-cs"/>
+        </a:defRPr>
+      </a:lvl6pPr>
+      <a:lvl7pPr marL="2971800" indent="-228600" algn="l" defTabSz="914400" rtl="0" eaLnBrk="1" latinLnBrk="0" hangingPunct="1">
+        <a:lnSpc>
+          <a:spcPct val="90000"/>
+        </a:lnSpc>
+        <a:spcBef>
+          <a:spcPts val="500"/>
+        </a:spcBef>
+        <a:buFont typeface="Arial"/>
+        <a:buChar char="•"/>
+        <a:defRPr sz="1800" kern="1200">
+          <a:solidFill>
+            <a:schemeClr val="tx1"/>
+          </a:solidFill>
+          <a:latin typeface="+mn-lt"/>
+          <a:ea typeface="+mn-ea"/>
+          <a:cs typeface="+mn-cs"/>
+        </a:defRPr>
+      </a:lvl7pPr>
+      <a:lvl8pPr marL="3429000" indent="-228600" algn="l" defTabSz="914400" rtl="0" eaLnBrk="1" latinLnBrk="0" hangingPunct="1">
+        <a:lnSpc>
+          <a:spcPct val="90000"/>
+        </a:lnSpc>
+        <a:spcBef>
+          <a:spcPts val="500"/>
+        </a:spcBef>
+        <a:buFont typeface="Arial"/>
+        <a:buChar char="•"/>
+        <a:defRPr sz="1800" kern="1200">
+          <a:solidFill>
+            <a:schemeClr val="tx1"/>
+          </a:solidFill>
+          <a:latin typeface="+mn-lt"/>
+          <a:ea typeface="+mn-ea"/>
+          <a:cs typeface="+mn-cs"/>
+        </a:defRPr>
+      </a:lvl8pPr>
+      <a:lvl9pPr marL="3886200" indent="-228600" algn="l" defTabSz="914400" rtl="0" eaLnBrk="1" latinLnBrk="0" hangingPunct="1">
+        <a:lnSpc>
+          <a:spcPct val="90000"/>
+        </a:lnSpc>
+        <a:spcBef>
+          <a:spcPts val="500"/>
+        </a:spcBef>
+        <a:buFont typeface="Arial"/>
+        <a:buChar char="•"/>
+        <a:defRPr sz="1800" kern="1200">
+          <a:solidFill>
+            <a:schemeClr val="tx1"/>
+          </a:solidFill>
+          <a:latin typeface="+mn-lt"/>
+          <a:ea typeface="+mn-ea"/>
+          <a:cs typeface="+mn-cs"/>
+        </a:defRPr>
+      </a:lvl9pPr>
+    </p:bodyStyle>
+    <p:otherStyle>
+      <a:defPPr>
+        <a:defRPr lang="zh-CN"/>
+      </a:defPPr>
+      <a:lvl1pPr marL="0" algn="l" defTabSz="914400" rtl="0" eaLnBrk="1" latinLnBrk="0" hangingPunct="1">
+        <a:defRPr sz="1800" kern="1200">
+          <a:solidFill>
+            <a:schemeClr val="tx1"/>
+          </a:solidFill>
+          <a:latin typeface="+mn-lt"/>
+          <a:ea typeface="+mn-ea"/>
+          <a:cs typeface="+mn-cs"/>
+        </a:defRPr>
+      </a:lvl1pPr>
+      <a:lvl2pPr marL="457200" algn="l" defTabSz="914400" rtl="0" eaLnBrk="1" latinLnBrk="0" hangingPunct="1">
+        <a:defRPr sz="1800" kern="1200">
+          <a:solidFill>
+            <a:schemeClr val="tx1"/>
+          </a:solidFill>
+          <a:latin typeface="+mn-lt"/>
+          <a:ea typeface="+mn-ea"/>
+          <a:cs typeface="+mn-cs"/>
+        </a:defRPr>
+      </a:lvl2pPr>
+      <a:lvl3pPr marL="914400" algn="l" defTabSz="914400" rtl="0" eaLnBrk="1" latinLnBrk="0" hangingPunct="1">
+        <a:defRPr sz="1800" kern="1200">
+          <a:solidFill>
+            <a:schemeClr val="tx1"/>
+          </a:solidFill>
+          <a:latin typeface="+mn-lt"/>
+          <a:ea typeface="+mn-ea"/>
+          <a:cs typeface="+mn-cs"/>
+        </a:defRPr>
+      </a:lvl3pPr>
+      <a:lvl4pPr marL="1371600" algn="l" defTabSz="914400" rtl="0" eaLnBrk="1" latinLnBrk="0" hangingPunct="1">
+        <a:defRPr sz="1800" kern="1200">
+          <a:solidFill>
+            <a:schemeClr val="tx1"/>
+          </a:solidFill>
+          <a:latin typeface="+mn-lt"/>
+          <a:ea typeface="+mn-ea"/>
+          <a:cs typeface="+mn-cs"/>
+        </a:defRPr>
+      </a:lvl4pPr>
+      <a:lvl5pPr marL="1828800" algn="l" defTabSz="914400" rtl="0" eaLnBrk="1" latinLnBrk="0" hangingPunct="1">
+        <a:defRPr sz="1800" kern="1200">
+          <a:solidFill>
+            <a:schemeClr val="tx1"/>
+          </a:solidFill>
+          <a:latin typeface="+mn-lt"/>
+          <a:ea typeface="+mn-ea"/>
+          <a:cs typeface="+mn-cs"/>
+        </a:defRPr>
+      </a:lvl5pPr>
+      <a:lvl6pPr marL="2286000" algn="l" defTabSz="914400" rtl="0" eaLnBrk="1" latinLnBrk="0" hangingPunct="1">
+        <a:defRPr sz="1800" kern="1200">
+          <a:solidFill>
+            <a:schemeClr val="tx1"/>
+          </a:solidFill>
+          <a:latin typeface="+mn-lt"/>
+          <a:ea typeface="+mn-ea"/>
+          <a:cs typeface="+mn-cs"/>
+        </a:defRPr>
+      </a:lvl6pPr>
+      <a:lvl7pPr marL="2743200" algn="l" defTabSz="914400" rtl="0" eaLnBrk="1" latinLnBrk="0" hangingPunct="1">
+        <a:defRPr sz="1800" kern="1200">
+          <a:solidFill>
+            <a:schemeClr val="tx1"/>
+          </a:solidFill>
+          <a:latin typeface="+mn-lt"/>
+          <a:ea typeface="+mn-ea"/>
+          <a:cs typeface="+mn-cs"/>
+        </a:defRPr>
+      </a:lvl7pPr>
+      <a:lvl8pPr marL="3200400" algn="l" defTabSz="914400" rtl="0" eaLnBrk="1" latinLnBrk="0" hangingPunct="1">
+        <a:defRPr sz="1800" kern="1200">
+          <a:solidFill>
+            <a:schemeClr val="tx1"/>
+          </a:solidFill>
+          <a:latin typeface="+mn-lt"/>
+          <a:ea typeface="+mn-ea"/>
+          <a:cs typeface="+mn-cs"/>
+        </a:defRPr>
+      </a:lvl8pPr>
+      <a:lvl9pPr marL="3657600" algn="l" defTabSz="914400" rtl="0" eaLnBrk="1" latinLnBrk="0" hangingPunct="1">
+        <a:defRPr sz="1800" kern="1200">
+          <a:solidFill>
+            <a:schemeClr val="tx1"/>
+          </a:solidFill>
+          <a:latin typeface="+mn-lt"/>
+          <a:ea typeface="+mn-ea"/>
+          <a:cs typeface="+mn-cs"/>
+        </a:defRPr>
+      </a:lvl9pPr>
+    </p:otherStyle>
+  </p:txStyles>
 </p:sldMaster>
 </file>
 
 <file path=ppt/slides/slide1.xml><?xml version="1.0" encoding="utf-8"?>
-<p:sld xmlns:a="http://schemas.openxmlformats.org/drawingml/2006/main" xmlns:p="http://schemas.openxmlformats.org/presentationml/2006/main" xmlns:r="http://schemas.openxmlformats.org/officeDocument/2006/relationships">
+<p:sld xmlns:a="http://schemas.openxmlformats.org/drawingml/2006/main" xmlns:r="http://schemas.openxmlformats.org/officeDocument/2006/relationships" xmlns:p="http://schemas.openxmlformats.org/presentationml/2006/main">
   <p:cSld>
     <p:spTree>
       <p:nvGrpSpPr>
@@ -4111,13 +5259,20 @@
           </a:ln>
         </p:spPr>
         <p:style>
-          <a:lnRef idx="0"/>
-          <a:fillRef idx="0"/>
-          <a:effectRef idx="0"/>
+          <a:lnRef idx="0">
+            <a:scrgbClr r="0" g="0" b="0"/>
+          </a:lnRef>
+          <a:fillRef idx="0">
+            <a:scrgbClr r="0" g="0" b="0"/>
+          </a:fillRef>
+          <a:effectRef idx="0">
+            <a:scrgbClr r="0" g="0" b="0"/>
+          </a:effectRef>
           <a:fontRef idx="minor"/>
         </p:style>
         <p:txBody>
-          <a:bodyPr lIns="90000" rIns="90000" tIns="45000" bIns="45000" anchor="b"/>
+          <a:bodyPr lIns="90000" tIns="45000" rIns="90000" bIns="45000" anchor="b"/>
+          <a:lstStyle/>
           <a:p>
             <a:pPr>
               <a:lnSpc>
@@ -4158,13 +5313,20 @@
           </a:ln>
         </p:spPr>
         <p:style>
-          <a:lnRef idx="0"/>
-          <a:fillRef idx="0"/>
-          <a:effectRef idx="0"/>
+          <a:lnRef idx="0">
+            <a:scrgbClr r="0" g="0" b="0"/>
+          </a:lnRef>
+          <a:fillRef idx="0">
+            <a:scrgbClr r="0" g="0" b="0"/>
+          </a:fillRef>
+          <a:effectRef idx="0">
+            <a:scrgbClr r="0" g="0" b="0"/>
+          </a:effectRef>
           <a:fontRef idx="minor"/>
         </p:style>
         <p:txBody>
-          <a:bodyPr lIns="90000" rIns="90000" tIns="45000" bIns="45000"/>
+          <a:bodyPr lIns="90000" tIns="45000" rIns="90000" bIns="45000"/>
+          <a:lstStyle/>
           <a:p>
             <a:endParaRPr/>
           </a:p>
@@ -4198,13 +5360,20 @@
           </a:ln>
         </p:spPr>
         <p:style>
-          <a:lnRef idx="0"/>
-          <a:fillRef idx="0"/>
-          <a:effectRef idx="0"/>
+          <a:lnRef idx="0">
+            <a:scrgbClr r="0" g="0" b="0"/>
+          </a:lnRef>
+          <a:fillRef idx="0">
+            <a:scrgbClr r="0" g="0" b="0"/>
+          </a:fillRef>
+          <a:effectRef idx="0">
+            <a:scrgbClr r="0" g="0" b="0"/>
+          </a:effectRef>
           <a:fontRef idx="minor"/>
         </p:style>
         <p:txBody>
-          <a:bodyPr lIns="90000" rIns="90000" tIns="45000" bIns="45000"/>
+          <a:bodyPr lIns="90000" tIns="45000" rIns="90000" bIns="45000"/>
+          <a:lstStyle/>
           <a:p>
             <a:r>
               <a:rPr lang="en-US" strike="noStrike">
@@ -4256,8 +5425,96 @@
                 <a:latin typeface="Arial"/>
                 <a:ea typeface="DejaVu Sans"/>
               </a:rPr>
-              <a:t>	</a:t>
+              <a:t>	①现在有一个git仓库‘test‘:</a:t>
             </a:r>
+            <a:endParaRPr/>
+          </a:p>
+          <a:p>
+            <a:endParaRPr/>
+          </a:p>
+        </p:txBody>
+      </p:sp>
+      <p:pic>
+        <p:nvPicPr>
+          <p:cNvPr id="111" name="图片 110"/>
+          <p:cNvPicPr/>
+          <p:nvPr/>
+        </p:nvPicPr>
+        <p:blipFill>
+          <a:blip r:embed="rId2"/>
+          <a:stretch/>
+        </p:blipFill>
+        <p:spPr>
+          <a:xfrm>
+            <a:off x="1463040" y="2926080"/>
+            <a:ext cx="1919520" cy="1245600"/>
+          </a:xfrm>
+          <a:prstGeom prst="rect">
+            <a:avLst/>
+          </a:prstGeom>
+          <a:ln>
+            <a:noFill/>
+          </a:ln>
+        </p:spPr>
+      </p:pic>
+      <p:pic>
+        <p:nvPicPr>
+          <p:cNvPr id="112" name="图片 111"/>
+          <p:cNvPicPr/>
+          <p:nvPr/>
+        </p:nvPicPr>
+        <p:blipFill>
+          <a:blip r:embed="rId3"/>
+          <a:stretch/>
+        </p:blipFill>
+        <p:spPr>
+          <a:xfrm>
+            <a:off x="1005840" y="4663440"/>
+            <a:ext cx="5028480" cy="1626120"/>
+          </a:xfrm>
+          <a:prstGeom prst="rect">
+            <a:avLst/>
+          </a:prstGeom>
+          <a:ln>
+            <a:noFill/>
+          </a:ln>
+        </p:spPr>
+      </p:pic>
+      <p:sp>
+        <p:nvSpPr>
+          <p:cNvPr id="113" name="CustomShape 4"/>
+          <p:cNvSpPr/>
+          <p:nvPr/>
+        </p:nvSpPr>
+        <p:spPr>
+          <a:xfrm>
+            <a:off x="365760" y="4114800"/>
+            <a:ext cx="7403760" cy="2193840"/>
+          </a:xfrm>
+          <a:prstGeom prst="rect">
+            <a:avLst/>
+          </a:prstGeom>
+          <a:noFill/>
+          <a:ln>
+            <a:noFill/>
+          </a:ln>
+        </p:spPr>
+        <p:style>
+          <a:lnRef idx="0">
+            <a:scrgbClr r="0" g="0" b="0"/>
+          </a:lnRef>
+          <a:fillRef idx="0">
+            <a:scrgbClr r="0" g="0" b="0"/>
+          </a:fillRef>
+          <a:effectRef idx="0">
+            <a:scrgbClr r="0" g="0" b="0"/>
+          </a:effectRef>
+          <a:fontRef idx="minor"/>
+        </p:style>
+        <p:txBody>
+          <a:bodyPr lIns="90000" tIns="45000" rIns="90000" bIns="45000"/>
+          <a:lstStyle/>
+          <a:p>
             <a:r>
               <a:rPr lang="en-US" strike="noStrike">
                 <a:solidFill>
@@ -4266,8 +5523,47 @@
                 <a:latin typeface="Arial"/>
                 <a:ea typeface="DejaVu Sans"/>
               </a:rPr>
-              <a:t>①</a:t>
+              <a:t>	②创建一个分支dev/syc</a:t>
             </a:r>
+            <a:endParaRPr/>
+          </a:p>
+        </p:txBody>
+      </p:sp>
+      <p:sp>
+        <p:nvSpPr>
+          <p:cNvPr id="114" name="CustomShape 5"/>
+          <p:cNvSpPr/>
+          <p:nvPr/>
+        </p:nvSpPr>
+        <p:spPr>
+          <a:xfrm>
+            <a:off x="6035040" y="2286000"/>
+            <a:ext cx="7403760" cy="2193840"/>
+          </a:xfrm>
+          <a:prstGeom prst="rect">
+            <a:avLst/>
+          </a:prstGeom>
+          <a:noFill/>
+          <a:ln>
+            <a:noFill/>
+          </a:ln>
+        </p:spPr>
+        <p:style>
+          <a:lnRef idx="0">
+            <a:scrgbClr r="0" g="0" b="0"/>
+          </a:lnRef>
+          <a:fillRef idx="0">
+            <a:scrgbClr r="0" g="0" b="0"/>
+          </a:fillRef>
+          <a:effectRef idx="0">
+            <a:scrgbClr r="0" g="0" b="0"/>
+          </a:effectRef>
+          <a:fontRef idx="minor"/>
+        </p:style>
+        <p:txBody>
+          <a:bodyPr lIns="90000" tIns="45000" rIns="90000" bIns="45000"/>
+          <a:lstStyle/>
+          <a:p>
             <a:r>
               <a:rPr lang="en-US" strike="noStrike">
                 <a:solidFill>
@@ -4276,59 +5572,26 @@
                 <a:latin typeface="Arial"/>
                 <a:ea typeface="DejaVu Sans"/>
               </a:rPr>
-              <a:t>现在有一个</a:t>
+              <a:t>	③在dev/syc分支上对文件进行修改并提交到分支</a:t>
             </a:r>
-            <a:r>
-              <a:rPr lang="en-US" strike="noStrike">
-                <a:solidFill>
-                  <a:srgbClr val="000000"/>
-                </a:solidFill>
-                <a:latin typeface="Arial"/>
-                <a:ea typeface="DejaVu Sans"/>
-              </a:rPr>
-              <a:t>git</a:t>
-            </a:r>
-            <a:r>
-              <a:rPr lang="en-US" strike="noStrike">
-                <a:solidFill>
-                  <a:srgbClr val="000000"/>
-                </a:solidFill>
-                <a:latin typeface="Arial"/>
-                <a:ea typeface="DejaVu Sans"/>
-              </a:rPr>
-              <a:t>仓库‘</a:t>
-            </a:r>
-            <a:r>
-              <a:rPr lang="en-US" strike="noStrike">
-                <a:solidFill>
-                  <a:srgbClr val="000000"/>
-                </a:solidFill>
-                <a:latin typeface="Arial"/>
-                <a:ea typeface="DejaVu Sans"/>
-              </a:rPr>
-              <a:t>test‘:</a:t>
-            </a:r>
-            <a:endParaRPr/>
-          </a:p>
-          <a:p>
             <a:endParaRPr/>
           </a:p>
         </p:txBody>
       </p:sp>
       <p:pic>
         <p:nvPicPr>
-          <p:cNvPr id="111" name="" descr=""/>
+          <p:cNvPr id="115" name="图片 114"/>
           <p:cNvPicPr/>
           <p:nvPr/>
         </p:nvPicPr>
         <p:blipFill>
-          <a:blip r:embed="rId1"/>
+          <a:blip r:embed="rId4"/>
           <a:stretch/>
         </p:blipFill>
         <p:spPr>
           <a:xfrm>
-            <a:off x="1463040" y="2926080"/>
-            <a:ext cx="1919520" cy="1245600"/>
+            <a:off x="6675120" y="2732040"/>
+            <a:ext cx="4944960" cy="3576600"/>
           </a:xfrm>
           <a:prstGeom prst="rect">
             <a:avLst/>
@@ -4338,208 +5601,11 @@
           </a:ln>
         </p:spPr>
       </p:pic>
-      <p:pic>
-        <p:nvPicPr>
-          <p:cNvPr id="112" name="" descr=""/>
-          <p:cNvPicPr/>
-          <p:nvPr/>
-        </p:nvPicPr>
-        <p:blipFill>
-          <a:blip r:embed="rId2"/>
-          <a:stretch/>
-        </p:blipFill>
-        <p:spPr>
-          <a:xfrm>
-            <a:off x="1005840" y="4663440"/>
-            <a:ext cx="5028480" cy="1626120"/>
-          </a:xfrm>
-          <a:prstGeom prst="rect">
-            <a:avLst/>
-          </a:prstGeom>
-          <a:ln>
-            <a:noFill/>
-          </a:ln>
-        </p:spPr>
-      </p:pic>
-      <p:sp>
-        <p:nvSpPr>
-          <p:cNvPr id="113" name="CustomShape 4"/>
-          <p:cNvSpPr/>
-          <p:nvPr/>
-        </p:nvSpPr>
-        <p:spPr>
-          <a:xfrm>
-            <a:off x="365760" y="4114800"/>
-            <a:ext cx="7403760" cy="2193840"/>
-          </a:xfrm>
-          <a:prstGeom prst="rect">
-            <a:avLst/>
-          </a:prstGeom>
-          <a:noFill/>
-          <a:ln>
-            <a:noFill/>
-          </a:ln>
-        </p:spPr>
-        <p:style>
-          <a:lnRef idx="0"/>
-          <a:fillRef idx="0"/>
-          <a:effectRef idx="0"/>
-          <a:fontRef idx="minor"/>
-        </p:style>
-        <p:txBody>
-          <a:bodyPr lIns="90000" rIns="90000" tIns="45000" bIns="45000"/>
-          <a:p>
-            <a:r>
-              <a:rPr lang="en-US" strike="noStrike">
-                <a:solidFill>
-                  <a:srgbClr val="000000"/>
-                </a:solidFill>
-                <a:latin typeface="Arial"/>
-                <a:ea typeface="DejaVu Sans"/>
-              </a:rPr>
-              <a:t>	</a:t>
-            </a:r>
-            <a:r>
-              <a:rPr lang="en-US" strike="noStrike">
-                <a:solidFill>
-                  <a:srgbClr val="000000"/>
-                </a:solidFill>
-                <a:latin typeface="Arial"/>
-                <a:ea typeface="DejaVu Sans"/>
-              </a:rPr>
-              <a:t>②</a:t>
-            </a:r>
-            <a:r>
-              <a:rPr lang="en-US" strike="noStrike">
-                <a:solidFill>
-                  <a:srgbClr val="000000"/>
-                </a:solidFill>
-                <a:latin typeface="Arial"/>
-                <a:ea typeface="DejaVu Sans"/>
-              </a:rPr>
-              <a:t>创建一个分支</a:t>
-            </a:r>
-            <a:r>
-              <a:rPr lang="en-US" strike="noStrike">
-                <a:solidFill>
-                  <a:srgbClr val="000000"/>
-                </a:solidFill>
-                <a:latin typeface="Arial"/>
-                <a:ea typeface="DejaVu Sans"/>
-              </a:rPr>
-              <a:t>dev/syc</a:t>
-            </a:r>
-            <a:endParaRPr/>
-          </a:p>
-        </p:txBody>
-      </p:sp>
-      <p:sp>
-        <p:nvSpPr>
-          <p:cNvPr id="114" name="CustomShape 5"/>
-          <p:cNvSpPr/>
-          <p:nvPr/>
-        </p:nvSpPr>
-        <p:spPr>
-          <a:xfrm>
-            <a:off x="6035040" y="2286000"/>
-            <a:ext cx="7403760" cy="2193840"/>
-          </a:xfrm>
-          <a:prstGeom prst="rect">
-            <a:avLst/>
-          </a:prstGeom>
-          <a:noFill/>
-          <a:ln>
-            <a:noFill/>
-          </a:ln>
-        </p:spPr>
-        <p:style>
-          <a:lnRef idx="0"/>
-          <a:fillRef idx="0"/>
-          <a:effectRef idx="0"/>
-          <a:fontRef idx="minor"/>
-        </p:style>
-        <p:txBody>
-          <a:bodyPr lIns="90000" rIns="90000" tIns="45000" bIns="45000"/>
-          <a:p>
-            <a:r>
-              <a:rPr lang="en-US" strike="noStrike">
-                <a:solidFill>
-                  <a:srgbClr val="000000"/>
-                </a:solidFill>
-                <a:latin typeface="Arial"/>
-                <a:ea typeface="DejaVu Sans"/>
-              </a:rPr>
-              <a:t>	</a:t>
-            </a:r>
-            <a:r>
-              <a:rPr lang="en-US" strike="noStrike">
-                <a:solidFill>
-                  <a:srgbClr val="000000"/>
-                </a:solidFill>
-                <a:latin typeface="Arial"/>
-                <a:ea typeface="DejaVu Sans"/>
-              </a:rPr>
-              <a:t>③</a:t>
-            </a:r>
-            <a:r>
-              <a:rPr lang="en-US" strike="noStrike">
-                <a:solidFill>
-                  <a:srgbClr val="000000"/>
-                </a:solidFill>
-                <a:latin typeface="Arial"/>
-                <a:ea typeface="DejaVu Sans"/>
-              </a:rPr>
-              <a:t>在</a:t>
-            </a:r>
-            <a:r>
-              <a:rPr lang="en-US" strike="noStrike">
-                <a:solidFill>
-                  <a:srgbClr val="000000"/>
-                </a:solidFill>
-                <a:latin typeface="Arial"/>
-                <a:ea typeface="DejaVu Sans"/>
-              </a:rPr>
-              <a:t>dev/syc</a:t>
-            </a:r>
-            <a:r>
-              <a:rPr lang="en-US" strike="noStrike">
-                <a:solidFill>
-                  <a:srgbClr val="000000"/>
-                </a:solidFill>
-                <a:latin typeface="Arial"/>
-                <a:ea typeface="DejaVu Sans"/>
-              </a:rPr>
-              <a:t>分支上对文件进行修改并提交到分支</a:t>
-            </a:r>
-            <a:endParaRPr/>
-          </a:p>
-        </p:txBody>
-      </p:sp>
-      <p:pic>
-        <p:nvPicPr>
-          <p:cNvPr id="115" name="" descr=""/>
-          <p:cNvPicPr/>
-          <p:nvPr/>
-        </p:nvPicPr>
-        <p:blipFill>
-          <a:blip r:embed="rId3"/>
-          <a:stretch/>
-        </p:blipFill>
-        <p:spPr>
-          <a:xfrm>
-            <a:off x="6675120" y="2732040"/>
-            <a:ext cx="4944960" cy="3576600"/>
-          </a:xfrm>
-          <a:prstGeom prst="rect">
-            <a:avLst/>
-          </a:prstGeom>
-          <a:ln>
-            <a:noFill/>
-          </a:ln>
-        </p:spPr>
-      </p:pic>
     </p:spTree>
   </p:cSld>
+  <p:clrMapOvr>
+    <a:masterClrMapping/>
+  </p:clrMapOvr>
   <p:timing>
     <p:tnLst>
       <p:par>
@@ -4548,14 +5614,14 @@
             <p:seq>
               <p:cTn id="2" nodeType="mainSeq"/>
               <p:prevCondLst>
-                <p:cond delay="0" evt="onPrev">
+                <p:cond evt="onPrev" delay="0">
                   <p:tgtEl>
                     <p:sldTgt/>
                   </p:tgtEl>
                 </p:cond>
               </p:prevCondLst>
               <p:nextCondLst>
-                <p:cond delay="0" evt="onNext">
+                <p:cond evt="onNext" delay="0">
                   <p:tgtEl>
                     <p:sldTgt/>
                   </p:tgtEl>
@@ -4571,7 +5637,7 @@
 </file>
 
 <file path=ppt/slides/slide2.xml><?xml version="1.0" encoding="utf-8"?>
-<p:sld xmlns:a="http://schemas.openxmlformats.org/drawingml/2006/main" xmlns:p="http://schemas.openxmlformats.org/presentationml/2006/main" xmlns:r="http://schemas.openxmlformats.org/officeDocument/2006/relationships">
+<p:sld xmlns:a="http://schemas.openxmlformats.org/drawingml/2006/main" xmlns:r="http://schemas.openxmlformats.org/officeDocument/2006/relationships" xmlns:p="http://schemas.openxmlformats.org/presentationml/2006/main">
   <p:cSld>
     <p:spTree>
       <p:nvGrpSpPr>
@@ -4607,13 +5673,20 @@
           </a:ln>
         </p:spPr>
         <p:style>
-          <a:lnRef idx="0"/>
-          <a:fillRef idx="0"/>
-          <a:effectRef idx="0"/>
+          <a:lnRef idx="0">
+            <a:scrgbClr r="0" g="0" b="0"/>
+          </a:lnRef>
+          <a:fillRef idx="0">
+            <a:scrgbClr r="0" g="0" b="0"/>
+          </a:fillRef>
+          <a:effectRef idx="0">
+            <a:scrgbClr r="0" g="0" b="0"/>
+          </a:effectRef>
           <a:fontRef idx="minor"/>
         </p:style>
         <p:txBody>
-          <a:bodyPr lIns="90000" rIns="90000" tIns="45000" bIns="45000" anchor="b"/>
+          <a:bodyPr lIns="90000" tIns="45000" rIns="90000" bIns="45000" anchor="b"/>
+          <a:lstStyle/>
           <a:p>
             <a:pPr>
               <a:lnSpc>
@@ -4654,13 +5727,20 @@
           </a:ln>
         </p:spPr>
         <p:style>
-          <a:lnRef idx="0"/>
-          <a:fillRef idx="0"/>
-          <a:effectRef idx="0"/>
+          <a:lnRef idx="0">
+            <a:scrgbClr r="0" g="0" b="0"/>
+          </a:lnRef>
+          <a:fillRef idx="0">
+            <a:scrgbClr r="0" g="0" b="0"/>
+          </a:fillRef>
+          <a:effectRef idx="0">
+            <a:scrgbClr r="0" g="0" b="0"/>
+          </a:effectRef>
           <a:fontRef idx="minor"/>
         </p:style>
         <p:txBody>
-          <a:bodyPr lIns="90000" rIns="90000" tIns="45000" bIns="45000"/>
+          <a:bodyPr lIns="90000" tIns="45000" rIns="90000" bIns="45000"/>
+          <a:lstStyle/>
           <a:p>
             <a:endParaRPr/>
           </a:p>
@@ -4694,13 +5774,20 @@
           </a:ln>
         </p:spPr>
         <p:style>
-          <a:lnRef idx="0"/>
-          <a:fillRef idx="0"/>
-          <a:effectRef idx="0"/>
+          <a:lnRef idx="0">
+            <a:scrgbClr r="0" g="0" b="0"/>
+          </a:lnRef>
+          <a:fillRef idx="0">
+            <a:scrgbClr r="0" g="0" b="0"/>
+          </a:fillRef>
+          <a:effectRef idx="0">
+            <a:scrgbClr r="0" g="0" b="0"/>
+          </a:effectRef>
           <a:fontRef idx="minor"/>
         </p:style>
         <p:txBody>
-          <a:bodyPr lIns="90000" rIns="90000" tIns="45000" bIns="45000"/>
+          <a:bodyPr lIns="90000" tIns="45000" rIns="90000" bIns="45000"/>
+          <a:lstStyle/>
           <a:p>
             <a:endParaRPr/>
           </a:p>
@@ -4713,37 +5800,7 @@
                 <a:latin typeface="Arial"/>
                 <a:ea typeface="DejaVu Sans"/>
               </a:rPr>
-              <a:t>④</a:t>
-            </a:r>
-            <a:r>
-              <a:rPr lang="en-US" strike="noStrike">
-                <a:solidFill>
-                  <a:srgbClr val="000000"/>
-                </a:solidFill>
-                <a:latin typeface="Arial"/>
-                <a:ea typeface="DejaVu Sans"/>
-              </a:rPr>
-              <a:t>回到</a:t>
-            </a:r>
-            <a:r>
-              <a:rPr lang="en-US" strike="noStrike">
-                <a:solidFill>
-                  <a:srgbClr val="000000"/>
-                </a:solidFill>
-                <a:latin typeface="Arial"/>
-                <a:ea typeface="DejaVu Sans"/>
-              </a:rPr>
-              <a:t>master</a:t>
-            </a:r>
-            <a:r>
-              <a:rPr lang="en-US" strike="noStrike">
-                <a:solidFill>
-                  <a:srgbClr val="000000"/>
-                </a:solidFill>
-                <a:latin typeface="Arial"/>
-                <a:ea typeface="DejaVu Sans"/>
-              </a:rPr>
-              <a:t>分支并进行一些修改</a:t>
+              <a:t>④回到master分支并进行一些修改</a:t>
             </a:r>
             <a:endParaRPr/>
           </a:p>
@@ -4754,12 +5811,12 @@
       </p:sp>
       <p:pic>
         <p:nvPicPr>
-          <p:cNvPr id="119" name="" descr=""/>
+          <p:cNvPr id="119" name="图片 118"/>
           <p:cNvPicPr/>
           <p:nvPr/>
         </p:nvPicPr>
         <p:blipFill>
-          <a:blip r:embed="rId1"/>
+          <a:blip r:embed="rId2"/>
           <a:stretch/>
         </p:blipFill>
         <p:spPr>
@@ -4777,22 +5834,25 @@
       </p:pic>
     </p:spTree>
   </p:cSld>
+  <p:clrMapOvr>
+    <a:masterClrMapping/>
+  </p:clrMapOvr>
   <p:timing>
     <p:tnLst>
       <p:par>
-        <p:cTn id="3" dur="indefinite" restart="never" nodeType="tmRoot">
+        <p:cTn id="1" dur="indefinite" restart="never" nodeType="tmRoot">
           <p:childTnLst>
             <p:seq>
-              <p:cTn id="4" nodeType="mainSeq"/>
+              <p:cTn id="2" nodeType="mainSeq"/>
               <p:prevCondLst>
-                <p:cond delay="0" evt="onPrev">
+                <p:cond evt="onPrev" delay="0">
                   <p:tgtEl>
                     <p:sldTgt/>
                   </p:tgtEl>
                 </p:cond>
               </p:prevCondLst>
               <p:nextCondLst>
-                <p:cond delay="0" evt="onNext">
+                <p:cond evt="onNext" delay="0">
                   <p:tgtEl>
                     <p:sldTgt/>
                   </p:tgtEl>
@@ -4808,7 +5868,7 @@
 </file>
 
 <file path=ppt/slides/slide3.xml><?xml version="1.0" encoding="utf-8"?>
-<p:sld xmlns:a="http://schemas.openxmlformats.org/drawingml/2006/main" xmlns:p="http://schemas.openxmlformats.org/presentationml/2006/main" xmlns:r="http://schemas.openxmlformats.org/officeDocument/2006/relationships">
+<p:sld xmlns:a="http://schemas.openxmlformats.org/drawingml/2006/main" xmlns:r="http://schemas.openxmlformats.org/officeDocument/2006/relationships" xmlns:p="http://schemas.openxmlformats.org/presentationml/2006/main">
   <p:cSld>
     <p:spTree>
       <p:nvGrpSpPr>
@@ -4844,13 +5904,20 @@
           </a:ln>
         </p:spPr>
         <p:style>
-          <a:lnRef idx="0"/>
-          <a:fillRef idx="0"/>
-          <a:effectRef idx="0"/>
+          <a:lnRef idx="0">
+            <a:scrgbClr r="0" g="0" b="0"/>
+          </a:lnRef>
+          <a:fillRef idx="0">
+            <a:scrgbClr r="0" g="0" b="0"/>
+          </a:fillRef>
+          <a:effectRef idx="0">
+            <a:scrgbClr r="0" g="0" b="0"/>
+          </a:effectRef>
           <a:fontRef idx="minor"/>
         </p:style>
         <p:txBody>
-          <a:bodyPr lIns="90000" rIns="90000" tIns="45000" bIns="45000" anchor="b"/>
+          <a:bodyPr lIns="90000" tIns="45000" rIns="90000" bIns="45000" anchor="b"/>
+          <a:lstStyle/>
           <a:p>
             <a:pPr>
               <a:lnSpc>
@@ -4891,13 +5958,20 @@
           </a:ln>
         </p:spPr>
         <p:style>
-          <a:lnRef idx="0"/>
-          <a:fillRef idx="0"/>
-          <a:effectRef idx="0"/>
+          <a:lnRef idx="0">
+            <a:scrgbClr r="0" g="0" b="0"/>
+          </a:lnRef>
+          <a:fillRef idx="0">
+            <a:scrgbClr r="0" g="0" b="0"/>
+          </a:fillRef>
+          <a:effectRef idx="0">
+            <a:scrgbClr r="0" g="0" b="0"/>
+          </a:effectRef>
           <a:fontRef idx="minor"/>
         </p:style>
         <p:txBody>
-          <a:bodyPr lIns="90000" rIns="90000" tIns="45000" bIns="45000"/>
+          <a:bodyPr lIns="90000" tIns="45000" rIns="90000" bIns="45000"/>
+          <a:lstStyle/>
           <a:p>
             <a:endParaRPr/>
           </a:p>
@@ -4931,13 +6005,20 @@
           </a:ln>
         </p:spPr>
         <p:style>
-          <a:lnRef idx="0"/>
-          <a:fillRef idx="0"/>
-          <a:effectRef idx="0"/>
+          <a:lnRef idx="0">
+            <a:scrgbClr r="0" g="0" b="0"/>
+          </a:lnRef>
+          <a:fillRef idx="0">
+            <a:scrgbClr r="0" g="0" b="0"/>
+          </a:fillRef>
+          <a:effectRef idx="0">
+            <a:scrgbClr r="0" g="0" b="0"/>
+          </a:effectRef>
           <a:fontRef idx="minor"/>
         </p:style>
         <p:txBody>
-          <a:bodyPr lIns="90000" rIns="90000" tIns="45000" bIns="45000"/>
+          <a:bodyPr lIns="90000" tIns="45000" rIns="90000" bIns="45000"/>
+          <a:lstStyle/>
           <a:p>
             <a:endParaRPr/>
           </a:p>
@@ -4950,125 +6031,82 @@
                 <a:latin typeface="Arial"/>
                 <a:ea typeface="DejaVu Sans"/>
               </a:rPr>
-              <a:t>⑤</a:t>
+              <a:t>⑤切换到dev/syc分支尝试merge</a:t>
             </a:r>
+            <a:endParaRPr/>
+          </a:p>
+          <a:p>
+            <a:endParaRPr/>
+          </a:p>
+        </p:txBody>
+      </p:sp>
+      <p:pic>
+        <p:nvPicPr>
+          <p:cNvPr id="123" name="图片 122"/>
+          <p:cNvPicPr/>
+          <p:nvPr/>
+        </p:nvPicPr>
+        <p:blipFill>
+          <a:blip r:embed="rId2"/>
+          <a:stretch/>
+        </p:blipFill>
+        <p:spPr>
+          <a:xfrm>
+            <a:off x="1189080" y="2145240"/>
+            <a:ext cx="5942520" cy="2151720"/>
+          </a:xfrm>
+          <a:prstGeom prst="rect">
+            <a:avLst/>
+          </a:prstGeom>
+          <a:ln>
+            <a:noFill/>
+          </a:ln>
+        </p:spPr>
+      </p:pic>
+      <p:sp>
+        <p:nvSpPr>
+          <p:cNvPr id="124" name="CustomShape 4"/>
+          <p:cNvSpPr/>
+          <p:nvPr/>
+        </p:nvSpPr>
+        <p:spPr>
+          <a:xfrm>
+            <a:off x="1019880" y="4731120"/>
+            <a:ext cx="8306280" cy="687240"/>
+          </a:xfrm>
+          <a:prstGeom prst="rect">
+            <a:avLst/>
+          </a:prstGeom>
+          <a:noFill/>
+          <a:ln>
+            <a:noFill/>
+          </a:ln>
+        </p:spPr>
+        <p:style>
+          <a:lnRef idx="0">
+            <a:scrgbClr r="0" g="0" b="0"/>
+          </a:lnRef>
+          <a:fillRef idx="0">
+            <a:scrgbClr r="0" g="0" b="0"/>
+          </a:fillRef>
+          <a:effectRef idx="0">
+            <a:scrgbClr r="0" g="0" b="0"/>
+          </a:effectRef>
+          <a:fontRef idx="minor"/>
+        </p:style>
+        <p:txBody>
+          <a:bodyPr lIns="90000" tIns="45000" rIns="90000" bIns="45000"/>
+          <a:lstStyle/>
+          <a:p>
             <a:r>
               <a:rPr lang="en-US" strike="noStrike">
                 <a:solidFill>
-                  <a:srgbClr val="000000"/>
+                  <a:srgbClr val="FF0000"/>
                 </a:solidFill>
                 <a:latin typeface="Arial"/>
                 <a:ea typeface="DejaVu Sans"/>
               </a:rPr>
-              <a:t>切换到</a:t>
-            </a:r>
-            <a:r>
-              <a:rPr lang="en-US" strike="noStrike">
-                <a:solidFill>
-                  <a:srgbClr val="000000"/>
-                </a:solidFill>
-                <a:latin typeface="Arial"/>
-                <a:ea typeface="DejaVu Sans"/>
-              </a:rPr>
-              <a:t>dev/syc</a:t>
-            </a:r>
-            <a:r>
-              <a:rPr lang="en-US" strike="noStrike">
-                <a:solidFill>
-                  <a:srgbClr val="000000"/>
-                </a:solidFill>
-                <a:latin typeface="Arial"/>
-                <a:ea typeface="DejaVu Sans"/>
-              </a:rPr>
-              <a:t>分支尝试</a:t>
-            </a:r>
-            <a:r>
-              <a:rPr lang="en-US" strike="noStrike">
-                <a:solidFill>
-                  <a:srgbClr val="000000"/>
-                </a:solidFill>
-                <a:latin typeface="Arial"/>
-                <a:ea typeface="DejaVu Sans"/>
-              </a:rPr>
-              <a:t>merge</a:t>
-            </a:r>
-            <a:endParaRPr/>
-          </a:p>
-          <a:p>
-            <a:endParaRPr/>
-          </a:p>
-        </p:txBody>
-      </p:sp>
-      <p:pic>
-        <p:nvPicPr>
-          <p:cNvPr id="123" name="" descr=""/>
-          <p:cNvPicPr/>
-          <p:nvPr/>
-        </p:nvPicPr>
-        <p:blipFill>
-          <a:blip r:embed="rId1"/>
-          <a:stretch/>
-        </p:blipFill>
-        <p:spPr>
-          <a:xfrm>
-            <a:off x="1189080" y="2145240"/>
-            <a:ext cx="5942520" cy="2151720"/>
-          </a:xfrm>
-          <a:prstGeom prst="rect">
-            <a:avLst/>
-          </a:prstGeom>
-          <a:ln>
-            <a:noFill/>
-          </a:ln>
-        </p:spPr>
-      </p:pic>
-      <p:sp>
-        <p:nvSpPr>
-          <p:cNvPr id="124" name="CustomShape 4"/>
-          <p:cNvSpPr/>
-          <p:nvPr/>
-        </p:nvSpPr>
-        <p:spPr>
-          <a:xfrm>
-            <a:off x="1019880" y="4731120"/>
-            <a:ext cx="8306280" cy="687240"/>
-          </a:xfrm>
-          <a:prstGeom prst="rect">
-            <a:avLst/>
-          </a:prstGeom>
-          <a:noFill/>
-          <a:ln>
-            <a:noFill/>
-          </a:ln>
-        </p:spPr>
-        <p:style>
-          <a:lnRef idx="0"/>
-          <a:fillRef idx="0"/>
-          <a:effectRef idx="0"/>
-          <a:fontRef idx="minor"/>
-        </p:style>
-        <p:txBody>
-          <a:bodyPr lIns="90000" rIns="90000" tIns="45000" bIns="45000"/>
-          <a:p>
-            <a:r>
-              <a:rPr lang="en-US" strike="noStrike">
-                <a:solidFill>
-                  <a:srgbClr val="ff0000"/>
-                </a:solidFill>
-                <a:latin typeface="Arial"/>
-                <a:ea typeface="DejaVu Sans"/>
-              </a:rPr>
-              <a:t>※</a:t>
-            </a:r>
-            <a:r>
-              <a:rPr lang="en-US" strike="noStrike">
-                <a:solidFill>
-                  <a:srgbClr val="ff0000"/>
-                </a:solidFill>
-                <a:latin typeface="Arial"/>
-                <a:ea typeface="DejaVu Sans"/>
-              </a:rPr>
-              <a:t>提示出错</a:t>
+              <a:t>※提示出错</a:t>
             </a:r>
             <a:endParaRPr/>
           </a:p>
@@ -5076,22 +6114,25 @@
       </p:sp>
     </p:spTree>
   </p:cSld>
+  <p:clrMapOvr>
+    <a:masterClrMapping/>
+  </p:clrMapOvr>
   <p:timing>
     <p:tnLst>
       <p:par>
-        <p:cTn id="5" dur="indefinite" restart="never" nodeType="tmRoot">
+        <p:cTn id="1" dur="indefinite" restart="never" nodeType="tmRoot">
           <p:childTnLst>
             <p:seq>
-              <p:cTn id="6" nodeType="mainSeq"/>
+              <p:cTn id="2" nodeType="mainSeq"/>
               <p:prevCondLst>
-                <p:cond delay="0" evt="onPrev">
+                <p:cond evt="onPrev" delay="0">
                   <p:tgtEl>
                     <p:sldTgt/>
                   </p:tgtEl>
                 </p:cond>
               </p:prevCondLst>
               <p:nextCondLst>
-                <p:cond delay="0" evt="onNext">
+                <p:cond evt="onNext" delay="0">
                   <p:tgtEl>
                     <p:sldTgt/>
                   </p:tgtEl>
@@ -5107,7 +6148,7 @@
 </file>
 
 <file path=ppt/slides/slide4.xml><?xml version="1.0" encoding="utf-8"?>
-<p:sld xmlns:a="http://schemas.openxmlformats.org/drawingml/2006/main" xmlns:p="http://schemas.openxmlformats.org/presentationml/2006/main" xmlns:r="http://schemas.openxmlformats.org/officeDocument/2006/relationships">
+<p:sld xmlns:a="http://schemas.openxmlformats.org/drawingml/2006/main" xmlns:r="http://schemas.openxmlformats.org/officeDocument/2006/relationships" xmlns:p="http://schemas.openxmlformats.org/presentationml/2006/main">
   <p:cSld>
     <p:spTree>
       <p:nvGrpSpPr>
@@ -5143,13 +6184,20 @@
           </a:ln>
         </p:spPr>
         <p:style>
-          <a:lnRef idx="0"/>
-          <a:fillRef idx="0"/>
-          <a:effectRef idx="0"/>
+          <a:lnRef idx="0">
+            <a:scrgbClr r="0" g="0" b="0"/>
+          </a:lnRef>
+          <a:fillRef idx="0">
+            <a:scrgbClr r="0" g="0" b="0"/>
+          </a:fillRef>
+          <a:effectRef idx="0">
+            <a:scrgbClr r="0" g="0" b="0"/>
+          </a:effectRef>
           <a:fontRef idx="minor"/>
         </p:style>
         <p:txBody>
-          <a:bodyPr lIns="90000" rIns="90000" tIns="45000" bIns="45000" anchor="b"/>
+          <a:bodyPr lIns="90000" tIns="45000" rIns="90000" bIns="45000" anchor="b"/>
+          <a:lstStyle/>
           <a:p>
             <a:pPr>
               <a:lnSpc>
@@ -5190,13 +6238,20 @@
           </a:ln>
         </p:spPr>
         <p:style>
-          <a:lnRef idx="0"/>
-          <a:fillRef idx="0"/>
-          <a:effectRef idx="0"/>
+          <a:lnRef idx="0">
+            <a:scrgbClr r="0" g="0" b="0"/>
+          </a:lnRef>
+          <a:fillRef idx="0">
+            <a:scrgbClr r="0" g="0" b="0"/>
+          </a:fillRef>
+          <a:effectRef idx="0">
+            <a:scrgbClr r="0" g="0" b="0"/>
+          </a:effectRef>
           <a:fontRef idx="minor"/>
         </p:style>
         <p:txBody>
-          <a:bodyPr lIns="90000" rIns="90000" tIns="45000" bIns="45000"/>
+          <a:bodyPr lIns="90000" tIns="45000" rIns="90000" bIns="45000"/>
+          <a:lstStyle/>
           <a:p>
             <a:endParaRPr/>
           </a:p>
@@ -5230,13 +6285,20 @@
           </a:ln>
         </p:spPr>
         <p:style>
-          <a:lnRef idx="0"/>
-          <a:fillRef idx="0"/>
-          <a:effectRef idx="0"/>
+          <a:lnRef idx="0">
+            <a:scrgbClr r="0" g="0" b="0"/>
+          </a:lnRef>
+          <a:fillRef idx="0">
+            <a:scrgbClr r="0" g="0" b="0"/>
+          </a:fillRef>
+          <a:effectRef idx="0">
+            <a:scrgbClr r="0" g="0" b="0"/>
+          </a:effectRef>
           <a:fontRef idx="minor"/>
         </p:style>
         <p:txBody>
-          <a:bodyPr lIns="90000" rIns="90000" tIns="45000" bIns="45000"/>
+          <a:bodyPr lIns="90000" tIns="45000" rIns="90000" bIns="45000"/>
+          <a:lstStyle/>
           <a:p>
             <a:endParaRPr/>
           </a:p>
@@ -5249,47 +6311,7 @@
                 <a:latin typeface="Arial"/>
                 <a:ea typeface="DejaVu Sans"/>
               </a:rPr>
-              <a:t>解决方法：将</a:t>
-            </a:r>
-            <a:r>
-              <a:rPr lang="en-US" strike="noStrike">
-                <a:solidFill>
-                  <a:srgbClr val="000000"/>
-                </a:solidFill>
-                <a:latin typeface="Arial"/>
-                <a:ea typeface="DejaVu Sans"/>
-              </a:rPr>
-              <a:t>dev/syc</a:t>
-            </a:r>
-            <a:r>
-              <a:rPr lang="en-US" strike="noStrike">
-                <a:solidFill>
-                  <a:srgbClr val="000000"/>
-                </a:solidFill>
-                <a:latin typeface="Arial"/>
-                <a:ea typeface="DejaVu Sans"/>
-              </a:rPr>
-              <a:t>分支与</a:t>
-            </a:r>
-            <a:r>
-              <a:rPr lang="en-US" strike="noStrike">
-                <a:solidFill>
-                  <a:srgbClr val="000000"/>
-                </a:solidFill>
-                <a:latin typeface="Arial"/>
-                <a:ea typeface="DejaVu Sans"/>
-              </a:rPr>
-              <a:t>master</a:t>
-            </a:r>
-            <a:r>
-              <a:rPr lang="en-US" strike="noStrike">
-                <a:solidFill>
-                  <a:srgbClr val="000000"/>
-                </a:solidFill>
-                <a:latin typeface="Arial"/>
-                <a:ea typeface="DejaVu Sans"/>
-              </a:rPr>
-              <a:t>分支冲突部分修正</a:t>
+              <a:t>解决方法：将dev/syc分支与master分支冲突部分修正</a:t>
             </a:r>
             <a:endParaRPr/>
           </a:p>
@@ -5300,12 +6322,12 @@
       </p:sp>
       <p:pic>
         <p:nvPicPr>
-          <p:cNvPr id="128" name="" descr=""/>
+          <p:cNvPr id="128" name="图片 127"/>
           <p:cNvPicPr/>
           <p:nvPr/>
         </p:nvPicPr>
         <p:blipFill>
-          <a:blip r:embed="rId1"/>
+          <a:blip r:embed="rId2"/>
           <a:stretch/>
         </p:blipFill>
         <p:spPr>
@@ -5323,22 +6345,25 @@
       </p:pic>
     </p:spTree>
   </p:cSld>
+  <p:clrMapOvr>
+    <a:masterClrMapping/>
+  </p:clrMapOvr>
   <p:timing>
     <p:tnLst>
       <p:par>
-        <p:cTn id="7" dur="indefinite" restart="never" nodeType="tmRoot">
+        <p:cTn id="1" dur="indefinite" restart="never" nodeType="tmRoot">
           <p:childTnLst>
             <p:seq>
-              <p:cTn id="8" nodeType="mainSeq"/>
+              <p:cTn id="2" nodeType="mainSeq"/>
               <p:prevCondLst>
-                <p:cond delay="0" evt="onPrev">
+                <p:cond evt="onPrev" delay="0">
                   <p:tgtEl>
                     <p:sldTgt/>
                   </p:tgtEl>
                 </p:cond>
               </p:prevCondLst>
               <p:nextCondLst>
-                <p:cond delay="0" evt="onNext">
+                <p:cond evt="onNext" delay="0">
                   <p:tgtEl>
                     <p:sldTgt/>
                   </p:tgtEl>
@@ -5354,7 +6379,7 @@
 </file>
 
 <file path=ppt/slides/slide5.xml><?xml version="1.0" encoding="utf-8"?>
-<p:sld xmlns:a="http://schemas.openxmlformats.org/drawingml/2006/main" xmlns:p="http://schemas.openxmlformats.org/presentationml/2006/main" xmlns:r="http://schemas.openxmlformats.org/officeDocument/2006/relationships">
+<p:sld xmlns:a="http://schemas.openxmlformats.org/drawingml/2006/main" xmlns:r="http://schemas.openxmlformats.org/officeDocument/2006/relationships" xmlns:p="http://schemas.openxmlformats.org/presentationml/2006/main">
   <p:cSld>
     <p:spTree>
       <p:nvGrpSpPr>
@@ -5390,13 +6415,20 @@
           </a:ln>
         </p:spPr>
         <p:style>
-          <a:lnRef idx="0"/>
-          <a:fillRef idx="0"/>
-          <a:effectRef idx="0"/>
+          <a:lnRef idx="0">
+            <a:scrgbClr r="0" g="0" b="0"/>
+          </a:lnRef>
+          <a:fillRef idx="0">
+            <a:scrgbClr r="0" g="0" b="0"/>
+          </a:fillRef>
+          <a:effectRef idx="0">
+            <a:scrgbClr r="0" g="0" b="0"/>
+          </a:effectRef>
           <a:fontRef idx="minor"/>
         </p:style>
         <p:txBody>
-          <a:bodyPr lIns="90000" rIns="90000" tIns="45000" bIns="45000" anchor="b"/>
+          <a:bodyPr lIns="90000" tIns="45000" rIns="90000" bIns="45000" anchor="b"/>
+          <a:lstStyle/>
           <a:p>
             <a:pPr>
               <a:lnSpc>
@@ -5437,13 +6469,20 @@
           </a:ln>
         </p:spPr>
         <p:style>
-          <a:lnRef idx="0"/>
-          <a:fillRef idx="0"/>
-          <a:effectRef idx="0"/>
+          <a:lnRef idx="0">
+            <a:scrgbClr r="0" g="0" b="0"/>
+          </a:lnRef>
+          <a:fillRef idx="0">
+            <a:scrgbClr r="0" g="0" b="0"/>
+          </a:fillRef>
+          <a:effectRef idx="0">
+            <a:scrgbClr r="0" g="0" b="0"/>
+          </a:effectRef>
           <a:fontRef idx="minor"/>
         </p:style>
         <p:txBody>
-          <a:bodyPr lIns="90000" rIns="90000" tIns="45000" bIns="45000"/>
+          <a:bodyPr lIns="90000" tIns="45000" rIns="90000" bIns="45000"/>
+          <a:lstStyle/>
           <a:p>
             <a:endParaRPr/>
           </a:p>
@@ -5477,13 +6516,20 @@
           </a:ln>
         </p:spPr>
         <p:style>
-          <a:lnRef idx="0"/>
-          <a:fillRef idx="0"/>
-          <a:effectRef idx="0"/>
+          <a:lnRef idx="0">
+            <a:scrgbClr r="0" g="0" b="0"/>
+          </a:lnRef>
+          <a:fillRef idx="0">
+            <a:scrgbClr r="0" g="0" b="0"/>
+          </a:fillRef>
+          <a:effectRef idx="0">
+            <a:scrgbClr r="0" g="0" b="0"/>
+          </a:effectRef>
           <a:fontRef idx="minor"/>
         </p:style>
         <p:txBody>
-          <a:bodyPr lIns="90000" rIns="90000" tIns="45000" bIns="45000"/>
+          <a:bodyPr lIns="90000" tIns="45000" rIns="90000" bIns="45000"/>
+          <a:lstStyle/>
           <a:p>
             <a:r>
               <a:rPr lang="en-US" strike="noStrike">
@@ -5493,8 +6539,14 @@
                 <a:latin typeface="Arial"/>
                 <a:ea typeface="DejaVu Sans"/>
               </a:rPr>
-              <a:t>merge</a:t>
+              <a:t>merge时，默认的模式为Fast Forward</a:t>
             </a:r>
+            <a:endParaRPr/>
+          </a:p>
+          <a:p>
+            <a:endParaRPr/>
+          </a:p>
+          <a:p>
             <a:r>
               <a:rPr lang="en-US" strike="noStrike">
                 <a:solidFill>
@@ -5503,8 +6555,11 @@
                 <a:latin typeface="Arial"/>
                 <a:ea typeface="DejaVu Sans"/>
               </a:rPr>
-              <a:t>时，默认的模式为</a:t>
+              <a:t>eg：</a:t>
             </a:r>
+            <a:endParaRPr/>
+          </a:p>
+          <a:p>
             <a:r>
               <a:rPr lang="en-US" strike="noStrike">
                 <a:solidFill>
@@ -5513,56 +6568,7 @@
                 <a:latin typeface="Arial"/>
                 <a:ea typeface="DejaVu Sans"/>
               </a:rPr>
-              <a:t>Fast Forward</a:t>
-            </a:r>
-            <a:endParaRPr/>
-          </a:p>
-          <a:p>
-            <a:endParaRPr/>
-          </a:p>
-          <a:p>
-            <a:r>
-              <a:rPr lang="en-US" strike="noStrike">
-                <a:solidFill>
-                  <a:srgbClr val="000000"/>
-                </a:solidFill>
-                <a:latin typeface="Arial"/>
-                <a:ea typeface="DejaVu Sans"/>
-              </a:rPr>
-              <a:t>eg</a:t>
-            </a:r>
-            <a:r>
-              <a:rPr lang="en-US" strike="noStrike">
-                <a:solidFill>
-                  <a:srgbClr val="000000"/>
-                </a:solidFill>
-                <a:latin typeface="Arial"/>
-                <a:ea typeface="DejaVu Sans"/>
-              </a:rPr>
-              <a:t>：</a:t>
-            </a:r>
-            <a:endParaRPr/>
-          </a:p>
-          <a:p>
-            <a:r>
-              <a:rPr lang="en-US" strike="noStrike">
-                <a:solidFill>
-                  <a:srgbClr val="000000"/>
-                </a:solidFill>
-                <a:latin typeface="Arial"/>
-                <a:ea typeface="DejaVu Sans"/>
-              </a:rPr>
-              <a:t>dev/syc</a:t>
-            </a:r>
-            <a:r>
-              <a:rPr lang="en-US" strike="noStrike">
-                <a:solidFill>
-                  <a:srgbClr val="000000"/>
-                </a:solidFill>
-                <a:latin typeface="Arial"/>
-                <a:ea typeface="DejaVu Sans"/>
-              </a:rPr>
-              <a:t>分支中进行变动</a:t>
+              <a:t>dev/syc分支中进行变动</a:t>
             </a:r>
             <a:endParaRPr/>
           </a:p>
@@ -5573,30 +6579,7 @@
       </p:sp>
       <p:pic>
         <p:nvPicPr>
-          <p:cNvPr id="132" name="" descr=""/>
-          <p:cNvPicPr/>
-          <p:nvPr/>
-        </p:nvPicPr>
-        <p:blipFill>
-          <a:blip r:embed="rId1"/>
-          <a:stretch/>
-        </p:blipFill>
-        <p:spPr>
-          <a:xfrm>
-            <a:off x="1202400" y="3017520"/>
-            <a:ext cx="4009320" cy="2247120"/>
-          </a:xfrm>
-          <a:prstGeom prst="rect">
-            <a:avLst/>
-          </a:prstGeom>
-          <a:ln>
-            <a:noFill/>
-          </a:ln>
-        </p:spPr>
-      </p:pic>
-      <p:pic>
-        <p:nvPicPr>
-          <p:cNvPr id="133" name="" descr=""/>
+          <p:cNvPr id="132" name="图片 131"/>
           <p:cNvPicPr/>
           <p:nvPr/>
         </p:nvPicPr>
@@ -5606,8 +6589,8 @@
         </p:blipFill>
         <p:spPr>
           <a:xfrm>
-            <a:off x="1209960" y="5364720"/>
-            <a:ext cx="5190480" cy="1218600"/>
+            <a:off x="1202400" y="3017520"/>
+            <a:ext cx="4009320" cy="2247120"/>
           </a:xfrm>
           <a:prstGeom prst="rect">
             <a:avLst/>
@@ -5617,24 +6600,50 @@
           </a:ln>
         </p:spPr>
       </p:pic>
+      <p:pic>
+        <p:nvPicPr>
+          <p:cNvPr id="133" name="图片 132"/>
+          <p:cNvPicPr/>
+          <p:nvPr/>
+        </p:nvPicPr>
+        <p:blipFill>
+          <a:blip r:embed="rId3"/>
+          <a:stretch/>
+        </p:blipFill>
+        <p:spPr>
+          <a:xfrm>
+            <a:off x="1209960" y="5364720"/>
+            <a:ext cx="5190480" cy="1218600"/>
+          </a:xfrm>
+          <a:prstGeom prst="rect">
+            <a:avLst/>
+          </a:prstGeom>
+          <a:ln>
+            <a:noFill/>
+          </a:ln>
+        </p:spPr>
+      </p:pic>
     </p:spTree>
   </p:cSld>
+  <p:clrMapOvr>
+    <a:masterClrMapping/>
+  </p:clrMapOvr>
   <p:timing>
     <p:tnLst>
       <p:par>
-        <p:cTn id="9" dur="indefinite" restart="never" nodeType="tmRoot">
+        <p:cTn id="1" dur="indefinite" restart="never" nodeType="tmRoot">
           <p:childTnLst>
             <p:seq>
-              <p:cTn id="10" nodeType="mainSeq"/>
+              <p:cTn id="2" nodeType="mainSeq"/>
               <p:prevCondLst>
-                <p:cond delay="0" evt="onPrev">
+                <p:cond evt="onPrev" delay="0">
                   <p:tgtEl>
                     <p:sldTgt/>
                   </p:tgtEl>
                 </p:cond>
               </p:prevCondLst>
               <p:nextCondLst>
-                <p:cond delay="0" evt="onNext">
+                <p:cond evt="onNext" delay="0">
                   <p:tgtEl>
                     <p:sldTgt/>
                   </p:tgtEl>
@@ -5650,7 +6659,7 @@
 </file>
 
 <file path=ppt/slides/slide6.xml><?xml version="1.0" encoding="utf-8"?>
-<p:sld xmlns:a="http://schemas.openxmlformats.org/drawingml/2006/main" xmlns:p="http://schemas.openxmlformats.org/presentationml/2006/main" xmlns:r="http://schemas.openxmlformats.org/officeDocument/2006/relationships">
+<p:sld xmlns:a="http://schemas.openxmlformats.org/drawingml/2006/main" xmlns:r="http://schemas.openxmlformats.org/officeDocument/2006/relationships" xmlns:p="http://schemas.openxmlformats.org/presentationml/2006/main">
   <p:cSld>
     <p:spTree>
       <p:nvGrpSpPr>
@@ -5686,13 +6695,20 @@
           </a:ln>
         </p:spPr>
         <p:style>
-          <a:lnRef idx="0"/>
-          <a:fillRef idx="0"/>
-          <a:effectRef idx="0"/>
+          <a:lnRef idx="0">
+            <a:scrgbClr r="0" g="0" b="0"/>
+          </a:lnRef>
+          <a:fillRef idx="0">
+            <a:scrgbClr r="0" g="0" b="0"/>
+          </a:fillRef>
+          <a:effectRef idx="0">
+            <a:scrgbClr r="0" g="0" b="0"/>
+          </a:effectRef>
           <a:fontRef idx="minor"/>
         </p:style>
         <p:txBody>
-          <a:bodyPr lIns="90000" rIns="90000" tIns="45000" bIns="45000" anchor="b"/>
+          <a:bodyPr lIns="90000" tIns="45000" rIns="90000" bIns="45000" anchor="b"/>
+          <a:lstStyle/>
           <a:p>
             <a:pPr>
               <a:lnSpc>
@@ -5733,13 +6749,20 @@
           </a:ln>
         </p:spPr>
         <p:style>
-          <a:lnRef idx="0"/>
-          <a:fillRef idx="0"/>
-          <a:effectRef idx="0"/>
+          <a:lnRef idx="0">
+            <a:scrgbClr r="0" g="0" b="0"/>
+          </a:lnRef>
+          <a:fillRef idx="0">
+            <a:scrgbClr r="0" g="0" b="0"/>
+          </a:fillRef>
+          <a:effectRef idx="0">
+            <a:scrgbClr r="0" g="0" b="0"/>
+          </a:effectRef>
           <a:fontRef idx="minor"/>
         </p:style>
         <p:txBody>
-          <a:bodyPr lIns="90000" rIns="90000" tIns="45000" bIns="45000"/>
+          <a:bodyPr lIns="90000" tIns="45000" rIns="90000" bIns="45000"/>
+          <a:lstStyle/>
           <a:p>
             <a:endParaRPr/>
           </a:p>
@@ -5773,31 +6796,26 @@
           </a:ln>
         </p:spPr>
         <p:style>
-          <a:lnRef idx="0"/>
-          <a:fillRef idx="0"/>
-          <a:effectRef idx="0"/>
+          <a:lnRef idx="0">
+            <a:scrgbClr r="0" g="0" b="0"/>
+          </a:lnRef>
+          <a:fillRef idx="0">
+            <a:scrgbClr r="0" g="0" b="0"/>
+          </a:fillRef>
+          <a:effectRef idx="0">
+            <a:scrgbClr r="0" g="0" b="0"/>
+          </a:effectRef>
           <a:fontRef idx="minor"/>
         </p:style>
         <p:txBody>
-          <a:bodyPr lIns="90000" rIns="90000" tIns="45000" bIns="45000"/>
+          <a:bodyPr lIns="90000" tIns="45000" rIns="90000" bIns="45000"/>
+          <a:lstStyle/>
           <a:p>
             <a:r>
               <a:rPr lang="en-US" strike="noStrike">
                 <a:latin typeface="Arial"/>
               </a:rPr>
-              <a:t>以</a:t>
-            </a:r>
-            <a:r>
-              <a:rPr lang="en-US" strike="noStrike">
-                <a:latin typeface="Arial"/>
-              </a:rPr>
-              <a:t>fast forward</a:t>
-            </a:r>
-            <a:r>
-              <a:rPr lang="en-US" strike="noStrike">
-                <a:latin typeface="Arial"/>
-              </a:rPr>
-              <a:t>模式合并分支：</a:t>
+              <a:t>以fast forward模式合并分支：</a:t>
             </a:r>
             <a:endParaRPr/>
           </a:p>
@@ -5805,12 +6823,12 @@
       </p:sp>
       <p:pic>
         <p:nvPicPr>
-          <p:cNvPr id="137" name="" descr=""/>
+          <p:cNvPr id="137" name="图片 136"/>
           <p:cNvPicPr/>
           <p:nvPr/>
         </p:nvPicPr>
         <p:blipFill>
-          <a:blip r:embed="rId1"/>
+          <a:blip r:embed="rId2"/>
           <a:stretch/>
         </p:blipFill>
         <p:spPr>
@@ -5828,22 +6846,25 @@
       </p:pic>
     </p:spTree>
   </p:cSld>
+  <p:clrMapOvr>
+    <a:masterClrMapping/>
+  </p:clrMapOvr>
   <p:timing>
     <p:tnLst>
       <p:par>
-        <p:cTn id="11" dur="indefinite" restart="never" nodeType="tmRoot">
+        <p:cTn id="1" dur="indefinite" restart="never" nodeType="tmRoot">
           <p:childTnLst>
             <p:seq>
-              <p:cTn id="12" nodeType="mainSeq"/>
+              <p:cTn id="2" nodeType="mainSeq"/>
               <p:prevCondLst>
-                <p:cond delay="0" evt="onPrev">
+                <p:cond evt="onPrev" delay="0">
                   <p:tgtEl>
                     <p:sldTgt/>
                   </p:tgtEl>
                 </p:cond>
               </p:prevCondLst>
               <p:nextCondLst>
-                <p:cond delay="0" evt="onNext">
+                <p:cond evt="onNext" delay="0">
                   <p:tgtEl>
                     <p:sldTgt/>
                   </p:tgtEl>
@@ -5859,7 +6880,7 @@
 </file>
 
 <file path=ppt/slides/slide7.xml><?xml version="1.0" encoding="utf-8"?>
-<p:sld xmlns:a="http://schemas.openxmlformats.org/drawingml/2006/main" xmlns:p="http://schemas.openxmlformats.org/presentationml/2006/main" xmlns:r="http://schemas.openxmlformats.org/officeDocument/2006/relationships">
+<p:sld xmlns:a="http://schemas.openxmlformats.org/drawingml/2006/main" xmlns:r="http://schemas.openxmlformats.org/officeDocument/2006/relationships" xmlns:p="http://schemas.openxmlformats.org/presentationml/2006/main">
   <p:cSld>
     <p:spTree>
       <p:nvGrpSpPr>
@@ -5895,13 +6916,20 @@
           </a:ln>
         </p:spPr>
         <p:style>
-          <a:lnRef idx="0"/>
-          <a:fillRef idx="0"/>
-          <a:effectRef idx="0"/>
+          <a:lnRef idx="0">
+            <a:scrgbClr r="0" g="0" b="0"/>
+          </a:lnRef>
+          <a:fillRef idx="0">
+            <a:scrgbClr r="0" g="0" b="0"/>
+          </a:fillRef>
+          <a:effectRef idx="0">
+            <a:scrgbClr r="0" g="0" b="0"/>
+          </a:effectRef>
           <a:fontRef idx="minor"/>
         </p:style>
         <p:txBody>
-          <a:bodyPr lIns="90000" rIns="90000" tIns="45000" bIns="45000" anchor="b"/>
+          <a:bodyPr lIns="90000" tIns="45000" rIns="90000" bIns="45000" anchor="b"/>
+          <a:lstStyle/>
           <a:p>
             <a:pPr>
               <a:lnSpc>
@@ -5942,13 +6970,20 @@
           </a:ln>
         </p:spPr>
         <p:style>
-          <a:lnRef idx="0"/>
-          <a:fillRef idx="0"/>
-          <a:effectRef idx="0"/>
+          <a:lnRef idx="0">
+            <a:scrgbClr r="0" g="0" b="0"/>
+          </a:lnRef>
+          <a:fillRef idx="0">
+            <a:scrgbClr r="0" g="0" b="0"/>
+          </a:fillRef>
+          <a:effectRef idx="0">
+            <a:scrgbClr r="0" g="0" b="0"/>
+          </a:effectRef>
           <a:fontRef idx="minor"/>
         </p:style>
         <p:txBody>
-          <a:bodyPr lIns="90000" rIns="90000" tIns="45000" bIns="45000"/>
+          <a:bodyPr lIns="90000" tIns="45000" rIns="90000" bIns="45000"/>
+          <a:lstStyle/>
           <a:p>
             <a:endParaRPr/>
           </a:p>
@@ -5982,31 +7017,26 @@
           </a:ln>
         </p:spPr>
         <p:style>
-          <a:lnRef idx="0"/>
-          <a:fillRef idx="0"/>
-          <a:effectRef idx="0"/>
+          <a:lnRef idx="0">
+            <a:scrgbClr r="0" g="0" b="0"/>
+          </a:lnRef>
+          <a:fillRef idx="0">
+            <a:scrgbClr r="0" g="0" b="0"/>
+          </a:fillRef>
+          <a:effectRef idx="0">
+            <a:scrgbClr r="0" g="0" b="0"/>
+          </a:effectRef>
           <a:fontRef idx="minor"/>
         </p:style>
         <p:txBody>
-          <a:bodyPr lIns="90000" rIns="90000" tIns="45000" bIns="45000"/>
+          <a:bodyPr lIns="90000" tIns="45000" rIns="90000" bIns="45000"/>
+          <a:lstStyle/>
           <a:p>
             <a:r>
               <a:rPr lang="en-US" strike="noStrike">
                 <a:latin typeface="Arial"/>
               </a:rPr>
-              <a:t>禁用</a:t>
-            </a:r>
-            <a:r>
-              <a:rPr lang="en-US" strike="noStrike">
-                <a:latin typeface="Arial"/>
-              </a:rPr>
-              <a:t>fast forward</a:t>
-            </a:r>
-            <a:r>
-              <a:rPr lang="en-US" strike="noStrike">
-                <a:latin typeface="Arial"/>
-              </a:rPr>
-              <a:t>模式：</a:t>
+              <a:t>禁用fast forward模式：</a:t>
             </a:r>
             <a:endParaRPr/>
           </a:p>
@@ -6014,30 +7044,7 @@
       </p:sp>
       <p:pic>
         <p:nvPicPr>
-          <p:cNvPr id="141" name="" descr=""/>
-          <p:cNvPicPr/>
-          <p:nvPr/>
-        </p:nvPicPr>
-        <p:blipFill>
-          <a:blip r:embed="rId1"/>
-          <a:stretch/>
-        </p:blipFill>
-        <p:spPr>
-          <a:xfrm>
-            <a:off x="707040" y="2286000"/>
-            <a:ext cx="5419440" cy="1914120"/>
-          </a:xfrm>
-          <a:prstGeom prst="rect">
-            <a:avLst/>
-          </a:prstGeom>
-          <a:ln>
-            <a:noFill/>
-          </a:ln>
-        </p:spPr>
-      </p:pic>
-      <p:pic>
-        <p:nvPicPr>
-          <p:cNvPr id="142" name="" descr=""/>
+          <p:cNvPr id="141" name="图片 140"/>
           <p:cNvPicPr/>
           <p:nvPr/>
         </p:nvPicPr>
@@ -6047,8 +7054,8 @@
         </p:blipFill>
         <p:spPr>
           <a:xfrm>
-            <a:off x="5783760" y="2194560"/>
-            <a:ext cx="6286320" cy="3561840"/>
+            <a:off x="707040" y="2286000"/>
+            <a:ext cx="5419440" cy="1914120"/>
           </a:xfrm>
           <a:prstGeom prst="rect">
             <a:avLst/>
@@ -6058,24 +7065,50 @@
           </a:ln>
         </p:spPr>
       </p:pic>
+      <p:pic>
+        <p:nvPicPr>
+          <p:cNvPr id="142" name="图片 141"/>
+          <p:cNvPicPr/>
+          <p:nvPr/>
+        </p:nvPicPr>
+        <p:blipFill>
+          <a:blip r:embed="rId3"/>
+          <a:stretch/>
+        </p:blipFill>
+        <p:spPr>
+          <a:xfrm>
+            <a:off x="5783760" y="2194560"/>
+            <a:ext cx="6286320" cy="3561840"/>
+          </a:xfrm>
+          <a:prstGeom prst="rect">
+            <a:avLst/>
+          </a:prstGeom>
+          <a:ln>
+            <a:noFill/>
+          </a:ln>
+        </p:spPr>
+      </p:pic>
     </p:spTree>
   </p:cSld>
+  <p:clrMapOvr>
+    <a:masterClrMapping/>
+  </p:clrMapOvr>
   <p:timing>
     <p:tnLst>
       <p:par>
-        <p:cTn id="13" dur="indefinite" restart="never" nodeType="tmRoot">
+        <p:cTn id="1" dur="indefinite" restart="never" nodeType="tmRoot">
           <p:childTnLst>
             <p:seq>
-              <p:cTn id="14" nodeType="mainSeq"/>
+              <p:cTn id="2" nodeType="mainSeq"/>
               <p:prevCondLst>
-                <p:cond delay="0" evt="onPrev">
+                <p:cond evt="onPrev" delay="0">
                   <p:tgtEl>
                     <p:sldTgt/>
                   </p:tgtEl>
                 </p:cond>
               </p:prevCondLst>
               <p:nextCondLst>
-                <p:cond delay="0" evt="onNext">
+                <p:cond evt="onNext" delay="0">
                   <p:tgtEl>
                     <p:sldTgt/>
                   </p:tgtEl>
@@ -6091,7 +7124,7 @@
 </file>
 
 <file path=ppt/slides/slide8.xml><?xml version="1.0" encoding="utf-8"?>
-<p:sld xmlns:a="http://schemas.openxmlformats.org/drawingml/2006/main" xmlns:p="http://schemas.openxmlformats.org/presentationml/2006/main" xmlns:r="http://schemas.openxmlformats.org/officeDocument/2006/relationships">
+<p:sld xmlns:a="http://schemas.openxmlformats.org/drawingml/2006/main" xmlns:r="http://schemas.openxmlformats.org/officeDocument/2006/relationships" xmlns:p="http://schemas.openxmlformats.org/presentationml/2006/main">
   <p:cSld>
     <p:spTree>
       <p:nvGrpSpPr>
@@ -6127,13 +7160,20 @@
           </a:ln>
         </p:spPr>
         <p:style>
-          <a:lnRef idx="0"/>
-          <a:fillRef idx="0"/>
-          <a:effectRef idx="0"/>
+          <a:lnRef idx="0">
+            <a:scrgbClr r="0" g="0" b="0"/>
+          </a:lnRef>
+          <a:fillRef idx="0">
+            <a:scrgbClr r="0" g="0" b="0"/>
+          </a:fillRef>
+          <a:effectRef idx="0">
+            <a:scrgbClr r="0" g="0" b="0"/>
+          </a:effectRef>
           <a:fontRef idx="minor"/>
         </p:style>
         <p:txBody>
-          <a:bodyPr lIns="90000" rIns="90000" tIns="45000" bIns="45000" anchor="b"/>
+          <a:bodyPr lIns="90000" tIns="45000" rIns="90000" bIns="45000" anchor="b"/>
+          <a:lstStyle/>
           <a:p>
             <a:pPr>
               <a:lnSpc>
@@ -6174,13 +7214,20 @@
           </a:ln>
         </p:spPr>
         <p:style>
-          <a:lnRef idx="0"/>
-          <a:fillRef idx="0"/>
-          <a:effectRef idx="0"/>
+          <a:lnRef idx="0">
+            <a:scrgbClr r="0" g="0" b="0"/>
+          </a:lnRef>
+          <a:fillRef idx="0">
+            <a:scrgbClr r="0" g="0" b="0"/>
+          </a:fillRef>
+          <a:effectRef idx="0">
+            <a:scrgbClr r="0" g="0" b="0"/>
+          </a:effectRef>
           <a:fontRef idx="minor"/>
         </p:style>
         <p:txBody>
-          <a:bodyPr lIns="90000" rIns="90000" tIns="45000" bIns="45000"/>
+          <a:bodyPr lIns="90000" tIns="45000" rIns="90000" bIns="45000"/>
+          <a:lstStyle/>
           <a:p>
             <a:endParaRPr/>
           </a:p>
@@ -6214,13 +7261,20 @@
           </a:ln>
         </p:spPr>
         <p:style>
-          <a:lnRef idx="0"/>
-          <a:fillRef idx="0"/>
-          <a:effectRef idx="0"/>
+          <a:lnRef idx="0">
+            <a:scrgbClr r="0" g="0" b="0"/>
+          </a:lnRef>
+          <a:fillRef idx="0">
+            <a:scrgbClr r="0" g="0" b="0"/>
+          </a:fillRef>
+          <a:effectRef idx="0">
+            <a:scrgbClr r="0" g="0" b="0"/>
+          </a:effectRef>
           <a:fontRef idx="minor"/>
         </p:style>
         <p:txBody>
-          <a:bodyPr lIns="90000" rIns="90000" tIns="45000" bIns="45000"/>
+          <a:bodyPr lIns="90000" tIns="45000" rIns="90000" bIns="45000"/>
+          <a:lstStyle/>
           <a:p>
             <a:r>
               <a:rPr lang="en-US" strike="noStrike">
@@ -6238,79 +7292,7 @@
               <a:rPr lang="en-US" strike="noStrike">
                 <a:latin typeface="Arial"/>
               </a:rPr>
-              <a:t>Fast forward</a:t>
-            </a:r>
-            <a:r>
-              <a:rPr lang="en-US" strike="noStrike">
-                <a:latin typeface="Arial"/>
-              </a:rPr>
-              <a:t>：</a:t>
-            </a:r>
-            <a:r>
-              <a:rPr lang="en-US" strike="noStrike">
-                <a:latin typeface="Arial"/>
-              </a:rPr>
-              <a:t>	</a:t>
-            </a:r>
-            <a:r>
-              <a:rPr lang="en-US" strike="noStrike">
-                <a:latin typeface="Arial"/>
-              </a:rPr>
-              <a:t>	</a:t>
-            </a:r>
-            <a:r>
-              <a:rPr lang="en-US" strike="noStrike">
-                <a:latin typeface="Arial"/>
-              </a:rPr>
-              <a:t>	</a:t>
-            </a:r>
-            <a:r>
-              <a:rPr lang="en-US" strike="noStrike">
-                <a:latin typeface="Arial"/>
-              </a:rPr>
-              <a:t>	</a:t>
-            </a:r>
-            <a:r>
-              <a:rPr lang="en-US" strike="noStrike">
-                <a:latin typeface="Arial"/>
-              </a:rPr>
-              <a:t>	</a:t>
-            </a:r>
-            <a:r>
-              <a:rPr lang="en-US" strike="noStrike">
-                <a:latin typeface="Arial"/>
-              </a:rPr>
-              <a:t>	</a:t>
-            </a:r>
-            <a:r>
-              <a:rPr lang="en-US" strike="noStrike">
-                <a:latin typeface="Arial"/>
-              </a:rPr>
-              <a:t>	</a:t>
-            </a:r>
-            <a:r>
-              <a:rPr lang="en-US" strike="noStrike">
-                <a:latin typeface="Arial"/>
-              </a:rPr>
-              <a:t>	</a:t>
-            </a:r>
-            <a:r>
-              <a:rPr lang="en-US" strike="noStrike">
-                <a:latin typeface="Arial"/>
-              </a:rPr>
-              <a:t>	</a:t>
-            </a:r>
-            <a:r>
-              <a:rPr lang="en-US" strike="noStrike">
-                <a:latin typeface="Arial"/>
-              </a:rPr>
-              <a:t>非</a:t>
-            </a:r>
-            <a:r>
-              <a:rPr lang="en-US" strike="noStrike">
-                <a:latin typeface="Arial"/>
-              </a:rPr>
-              <a:t>fast forward:</a:t>
+              <a:t>Fast forward：									非fast forward:</a:t>
             </a:r>
             <a:endParaRPr/>
           </a:p>
@@ -6318,30 +7300,7 @@
       </p:sp>
       <p:pic>
         <p:nvPicPr>
-          <p:cNvPr id="146" name="" descr=""/>
-          <p:cNvPicPr/>
-          <p:nvPr/>
-        </p:nvPicPr>
-        <p:blipFill>
-          <a:blip r:embed="rId1"/>
-          <a:stretch/>
-        </p:blipFill>
-        <p:spPr>
-          <a:xfrm>
-            <a:off x="124200" y="2993040"/>
-            <a:ext cx="6276600" cy="2676240"/>
-          </a:xfrm>
-          <a:prstGeom prst="rect">
-            <a:avLst/>
-          </a:prstGeom>
-          <a:ln>
-            <a:noFill/>
-          </a:ln>
-        </p:spPr>
-      </p:pic>
-      <p:pic>
-        <p:nvPicPr>
-          <p:cNvPr id="147" name="" descr=""/>
+          <p:cNvPr id="146" name="图片 145"/>
           <p:cNvPicPr/>
           <p:nvPr/>
         </p:nvPicPr>
@@ -6351,8 +7310,8 @@
         </p:blipFill>
         <p:spPr>
           <a:xfrm>
-            <a:off x="6058080" y="2838960"/>
-            <a:ext cx="6286320" cy="3561840"/>
+            <a:off x="124200" y="2993040"/>
+            <a:ext cx="6276600" cy="2676240"/>
           </a:xfrm>
           <a:prstGeom prst="rect">
             <a:avLst/>
@@ -6362,24 +7321,50 @@
           </a:ln>
         </p:spPr>
       </p:pic>
+      <p:pic>
+        <p:nvPicPr>
+          <p:cNvPr id="147" name="图片 146"/>
+          <p:cNvPicPr/>
+          <p:nvPr/>
+        </p:nvPicPr>
+        <p:blipFill>
+          <a:blip r:embed="rId3"/>
+          <a:stretch/>
+        </p:blipFill>
+        <p:spPr>
+          <a:xfrm>
+            <a:off x="6058080" y="2838960"/>
+            <a:ext cx="6286320" cy="3561840"/>
+          </a:xfrm>
+          <a:prstGeom prst="rect">
+            <a:avLst/>
+          </a:prstGeom>
+          <a:ln>
+            <a:noFill/>
+          </a:ln>
+        </p:spPr>
+      </p:pic>
     </p:spTree>
   </p:cSld>
+  <p:clrMapOvr>
+    <a:masterClrMapping/>
+  </p:clrMapOvr>
   <p:timing>
     <p:tnLst>
       <p:par>
-        <p:cTn id="15" dur="indefinite" restart="never" nodeType="tmRoot">
+        <p:cTn id="1" dur="indefinite" restart="never" nodeType="tmRoot">
           <p:childTnLst>
             <p:seq>
-              <p:cTn id="16" nodeType="mainSeq"/>
+              <p:cTn id="2" nodeType="mainSeq"/>
               <p:prevCondLst>
-                <p:cond delay="0" evt="onPrev">
+                <p:cond evt="onPrev" delay="0">
                   <p:tgtEl>
                     <p:sldTgt/>
                   </p:tgtEl>
                 </p:cond>
               </p:prevCondLst>
               <p:nextCondLst>
-                <p:cond delay="0" evt="onNext">
+                <p:cond evt="onNext" delay="0">
                   <p:tgtEl>
                     <p:sldTgt/>
                   </p:tgtEl>
@@ -6614,6 +7599,8 @@
       </a:bgFillStyleLst>
     </a:fmtScheme>
   </a:themeElements>
+  <a:objectDefaults/>
+  <a:extraClrSchemeLst/>
 </a:theme>
 </file>
 
@@ -6837,6 +7824,8 @@
       </a:bgFillStyleLst>
     </a:fmtScheme>
   </a:themeElements>
+  <a:objectDefaults/>
+  <a:extraClrSchemeLst/>
 </a:theme>
 </file>
 
@@ -7060,5 +8049,7 @@
       </a:bgFillStyleLst>
     </a:fmtScheme>
   </a:themeElements>
+  <a:objectDefaults/>
+  <a:extraClrSchemeLst/>
 </a:theme>
 </file>